--- a/External/Documentation/Mid-pointPres.pptx
+++ b/External/Documentation/Mid-pointPres.pptx
@@ -2,16 +2,17 @@
 <file path=ppt/presentation.xml><?xml version="1.0" encoding="utf-8"?>
 <p:presentation xmlns:a="http://schemas.openxmlformats.org/drawingml/2006/main" xmlns:r="http://schemas.openxmlformats.org/officeDocument/2006/relationships" xmlns:p="http://schemas.openxmlformats.org/presentationml/2006/main" saveSubsetFonts="1">
   <p:sldMasterIdLst>
-    <p:sldMasterId id="2147483749" r:id="rId1"/>
+    <p:sldMasterId id="2147483750" r:id="rId1"/>
   </p:sldMasterIdLst>
   <p:sldIdLst>
     <p:sldId id="256" r:id="rId2"/>
     <p:sldId id="257" r:id="rId3"/>
-    <p:sldId id="258" r:id="rId4"/>
-    <p:sldId id="259" r:id="rId5"/>
-    <p:sldId id="260" r:id="rId6"/>
-    <p:sldId id="261" r:id="rId7"/>
-    <p:sldId id="262" r:id="rId8"/>
+    <p:sldId id="263" r:id="rId4"/>
+    <p:sldId id="258" r:id="rId5"/>
+    <p:sldId id="259" r:id="rId6"/>
+    <p:sldId id="260" r:id="rId7"/>
+    <p:sldId id="261" r:id="rId8"/>
+    <p:sldId id="262" r:id="rId9"/>
   </p:sldIdLst>
   <p:sldSz cx="12192000" cy="6858000"/>
   <p:notesSz cx="6858000" cy="9144000"/>
@@ -19,7 +20,7 @@
     <a:defPPr>
       <a:defRPr lang="en-US"/>
     </a:defPPr>
-    <a:lvl1pPr marL="0" algn="l" defTabSz="914400" rtl="0" eaLnBrk="1" latinLnBrk="0" hangingPunct="1">
+    <a:lvl1pPr marL="0" algn="l" defTabSz="457200" rtl="0" eaLnBrk="1" latinLnBrk="0" hangingPunct="1">
       <a:defRPr sz="1800" kern="1200">
         <a:solidFill>
           <a:schemeClr val="tx1"/>
@@ -29,7 +30,7 @@
         <a:cs typeface="+mn-cs"/>
       </a:defRPr>
     </a:lvl1pPr>
-    <a:lvl2pPr marL="457200" algn="l" defTabSz="914400" rtl="0" eaLnBrk="1" latinLnBrk="0" hangingPunct="1">
+    <a:lvl2pPr marL="457200" algn="l" defTabSz="457200" rtl="0" eaLnBrk="1" latinLnBrk="0" hangingPunct="1">
       <a:defRPr sz="1800" kern="1200">
         <a:solidFill>
           <a:schemeClr val="tx1"/>
@@ -39,7 +40,7 @@
         <a:cs typeface="+mn-cs"/>
       </a:defRPr>
     </a:lvl2pPr>
-    <a:lvl3pPr marL="914400" algn="l" defTabSz="914400" rtl="0" eaLnBrk="1" latinLnBrk="0" hangingPunct="1">
+    <a:lvl3pPr marL="914400" algn="l" defTabSz="457200" rtl="0" eaLnBrk="1" latinLnBrk="0" hangingPunct="1">
       <a:defRPr sz="1800" kern="1200">
         <a:solidFill>
           <a:schemeClr val="tx1"/>
@@ -49,7 +50,7 @@
         <a:cs typeface="+mn-cs"/>
       </a:defRPr>
     </a:lvl3pPr>
-    <a:lvl4pPr marL="1371600" algn="l" defTabSz="914400" rtl="0" eaLnBrk="1" latinLnBrk="0" hangingPunct="1">
+    <a:lvl4pPr marL="1371600" algn="l" defTabSz="457200" rtl="0" eaLnBrk="1" latinLnBrk="0" hangingPunct="1">
       <a:defRPr sz="1800" kern="1200">
         <a:solidFill>
           <a:schemeClr val="tx1"/>
@@ -59,7 +60,7 @@
         <a:cs typeface="+mn-cs"/>
       </a:defRPr>
     </a:lvl4pPr>
-    <a:lvl5pPr marL="1828800" algn="l" defTabSz="914400" rtl="0" eaLnBrk="1" latinLnBrk="0" hangingPunct="1">
+    <a:lvl5pPr marL="1828800" algn="l" defTabSz="457200" rtl="0" eaLnBrk="1" latinLnBrk="0" hangingPunct="1">
       <a:defRPr sz="1800" kern="1200">
         <a:solidFill>
           <a:schemeClr val="tx1"/>
@@ -69,7 +70,7 @@
         <a:cs typeface="+mn-cs"/>
       </a:defRPr>
     </a:lvl5pPr>
-    <a:lvl6pPr marL="2286000" algn="l" defTabSz="914400" rtl="0" eaLnBrk="1" latinLnBrk="0" hangingPunct="1">
+    <a:lvl6pPr marL="2286000" algn="l" defTabSz="457200" rtl="0" eaLnBrk="1" latinLnBrk="0" hangingPunct="1">
       <a:defRPr sz="1800" kern="1200">
         <a:solidFill>
           <a:schemeClr val="tx1"/>
@@ -79,7 +80,7 @@
         <a:cs typeface="+mn-cs"/>
       </a:defRPr>
     </a:lvl6pPr>
-    <a:lvl7pPr marL="2743200" algn="l" defTabSz="914400" rtl="0" eaLnBrk="1" latinLnBrk="0" hangingPunct="1">
+    <a:lvl7pPr marL="2743200" algn="l" defTabSz="457200" rtl="0" eaLnBrk="1" latinLnBrk="0" hangingPunct="1">
       <a:defRPr sz="1800" kern="1200">
         <a:solidFill>
           <a:schemeClr val="tx1"/>
@@ -89,7 +90,7 @@
         <a:cs typeface="+mn-cs"/>
       </a:defRPr>
     </a:lvl7pPr>
-    <a:lvl8pPr marL="3200400" algn="l" defTabSz="914400" rtl="0" eaLnBrk="1" latinLnBrk="0" hangingPunct="1">
+    <a:lvl8pPr marL="3200400" algn="l" defTabSz="457200" rtl="0" eaLnBrk="1" latinLnBrk="0" hangingPunct="1">
       <a:defRPr sz="1800" kern="1200">
         <a:solidFill>
           <a:schemeClr val="tx1"/>
@@ -99,7 +100,7 @@
         <a:cs typeface="+mn-cs"/>
       </a:defRPr>
     </a:lvl8pPr>
-    <a:lvl9pPr marL="3657600" algn="l" defTabSz="914400" rtl="0" eaLnBrk="1" latinLnBrk="0" hangingPunct="1">
+    <a:lvl9pPr marL="3657600" algn="l" defTabSz="457200" rtl="0" eaLnBrk="1" latinLnBrk="0" hangingPunct="1">
       <a:defRPr sz="1800" kern="1200">
         <a:solidFill>
           <a:schemeClr val="tx1"/>
@@ -118,8 +119,399 @@
 </p:presentation>
 </file>
 
+<file path=ppt/revisionInfo.xml><?xml version="1.0" encoding="utf-8"?>
+<p1510:revInfo xmlns:a="http://schemas.openxmlformats.org/drawingml/2006/main" xmlns:r="http://schemas.openxmlformats.org/officeDocument/2006/relationships" xmlns:p1510="http://schemas.microsoft.com/office/powerpoint/2015/10/main">
+  <p1510:revLst>
+    <p1510:client id="{82221F8E-48CB-48EF-824A-4C91E4EA911A}" v="2" dt="2023-03-07T12:35:11.343"/>
+    <p1510:client id="{CCB541CA-BD83-27E6-4A94-538252A8CA0F}" v="105" dt="2023-03-06T18:32:03.248"/>
+  </p1510:revLst>
+</p1510:revInfo>
+</file>
+
+<file path=ppt/changesInfos/changesInfo1.xml><?xml version="1.0" encoding="utf-8"?>
+<pc:chgInfo xmlns:a="http://schemas.openxmlformats.org/drawingml/2006/main" xmlns:r="http://schemas.openxmlformats.org/officeDocument/2006/relationships" xmlns:ac="http://schemas.microsoft.com/office/drawing/2013/main/command" xmlns:pc="http://schemas.microsoft.com/office/powerpoint/2013/main/command">
+  <pc:docChgLst>
+    <pc:chgData name="Karl Miller" userId="S::x21522489@student.ncirl.ie::acf82fce-f980-4dce-8b21-bbde99439e13" providerId="AD" clId="Web-{CCB541CA-BD83-27E6-4A94-538252A8CA0F}"/>
+    <pc:docChg chg="modSld">
+      <pc:chgData name="Karl Miller" userId="S::x21522489@student.ncirl.ie::acf82fce-f980-4dce-8b21-bbde99439e13" providerId="AD" clId="Web-{CCB541CA-BD83-27E6-4A94-538252A8CA0F}" dt="2023-03-06T18:32:03.248" v="104" actId="20577"/>
+      <pc:docMkLst>
+        <pc:docMk/>
+      </pc:docMkLst>
+      <pc:sldChg chg="modSp">
+        <pc:chgData name="Karl Miller" userId="S::x21522489@student.ncirl.ie::acf82fce-f980-4dce-8b21-bbde99439e13" providerId="AD" clId="Web-{CCB541CA-BD83-27E6-4A94-538252A8CA0F}" dt="2023-03-06T18:32:03.248" v="104" actId="20577"/>
+        <pc:sldMkLst>
+          <pc:docMk/>
+          <pc:sldMk cId="2044455265" sldId="258"/>
+        </pc:sldMkLst>
+        <pc:spChg chg="mod">
+          <ac:chgData name="Karl Miller" userId="S::x21522489@student.ncirl.ie::acf82fce-f980-4dce-8b21-bbde99439e13" providerId="AD" clId="Web-{CCB541CA-BD83-27E6-4A94-538252A8CA0F}" dt="2023-03-06T18:32:03.248" v="104" actId="20577"/>
+          <ac:spMkLst>
+            <pc:docMk/>
+            <pc:sldMk cId="2044455265" sldId="258"/>
+            <ac:spMk id="3" creationId="{1F21CE38-F326-9230-6174-0630D0923D59}"/>
+          </ac:spMkLst>
+        </pc:spChg>
+      </pc:sldChg>
+    </pc:docChg>
+  </pc:docChgLst>
+  <pc:docChgLst>
+    <pc:chgData name="Aisha Ntuli" userId="9e3e1cbc-968a-4935-af00-6383e8da95d2" providerId="ADAL" clId="{53045679-4162-49CE-AC19-F38C922B505B}"/>
+    <pc:docChg chg="modSld">
+      <pc:chgData name="Aisha Ntuli" userId="9e3e1cbc-968a-4935-af00-6383e8da95d2" providerId="ADAL" clId="{53045679-4162-49CE-AC19-F38C922B505B}" dt="2023-03-05T17:12:21.191" v="32" actId="20577"/>
+      <pc:docMkLst>
+        <pc:docMk/>
+      </pc:docMkLst>
+      <pc:sldChg chg="modSp mod">
+        <pc:chgData name="Aisha Ntuli" userId="9e3e1cbc-968a-4935-af00-6383e8da95d2" providerId="ADAL" clId="{53045679-4162-49CE-AC19-F38C922B505B}" dt="2023-03-05T17:12:21.191" v="32" actId="20577"/>
+        <pc:sldMkLst>
+          <pc:docMk/>
+          <pc:sldMk cId="1753628037" sldId="260"/>
+        </pc:sldMkLst>
+        <pc:spChg chg="mod">
+          <ac:chgData name="Aisha Ntuli" userId="9e3e1cbc-968a-4935-af00-6383e8da95d2" providerId="ADAL" clId="{53045679-4162-49CE-AC19-F38C922B505B}" dt="2023-03-05T17:12:21.191" v="32" actId="20577"/>
+          <ac:spMkLst>
+            <pc:docMk/>
+            <pc:sldMk cId="1753628037" sldId="260"/>
+            <ac:spMk id="3" creationId="{DE4D419B-83D7-C994-8DF6-8C5B2DDA47D4}"/>
+          </ac:spMkLst>
+        </pc:spChg>
+      </pc:sldChg>
+    </pc:docChg>
+  </pc:docChgLst>
+  <pc:docChgLst>
+    <pc:chgData name="Karl Miller" userId="acf82fce-f980-4dce-8b21-bbde99439e13" providerId="ADAL" clId="{82221F8E-48CB-48EF-824A-4C91E4EA911A}"/>
+    <pc:docChg chg="custSel modSld">
+      <pc:chgData name="Karl Miller" userId="acf82fce-f980-4dce-8b21-bbde99439e13" providerId="ADAL" clId="{82221F8E-48CB-48EF-824A-4C91E4EA911A}" dt="2023-03-07T14:11:04.545" v="2191" actId="20577"/>
+      <pc:docMkLst>
+        <pc:docMk/>
+      </pc:docMkLst>
+      <pc:sldChg chg="addSp delSp modSp mod setBg setClrOvrMap delDesignElem">
+        <pc:chgData name="Karl Miller" userId="acf82fce-f980-4dce-8b21-bbde99439e13" providerId="ADAL" clId="{82221F8E-48CB-48EF-824A-4C91E4EA911A}" dt="2023-03-07T12:25:31.572" v="1901" actId="14100"/>
+        <pc:sldMkLst>
+          <pc:docMk/>
+          <pc:sldMk cId="857268925" sldId="256"/>
+        </pc:sldMkLst>
+        <pc:spChg chg="mod">
+          <ac:chgData name="Karl Miller" userId="acf82fce-f980-4dce-8b21-bbde99439e13" providerId="ADAL" clId="{82221F8E-48CB-48EF-824A-4C91E4EA911A}" dt="2023-03-07T12:25:07.103" v="1899" actId="26606"/>
+          <ac:spMkLst>
+            <pc:docMk/>
+            <pc:sldMk cId="857268925" sldId="256"/>
+            <ac:spMk id="2" creationId="{E4E68A5B-19B7-892A-D206-7C0CE771DEF4}"/>
+          </ac:spMkLst>
+        </pc:spChg>
+        <pc:spChg chg="mod">
+          <ac:chgData name="Karl Miller" userId="acf82fce-f980-4dce-8b21-bbde99439e13" providerId="ADAL" clId="{82221F8E-48CB-48EF-824A-4C91E4EA911A}" dt="2023-03-07T12:25:31.572" v="1901" actId="14100"/>
+          <ac:spMkLst>
+            <pc:docMk/>
+            <pc:sldMk cId="857268925" sldId="256"/>
+            <ac:spMk id="3" creationId="{2BC3F00D-C13C-DA3C-79BB-0B8F9090EA4F}"/>
+          </ac:spMkLst>
+        </pc:spChg>
+        <pc:spChg chg="add">
+          <ac:chgData name="Karl Miller" userId="acf82fce-f980-4dce-8b21-bbde99439e13" providerId="ADAL" clId="{82221F8E-48CB-48EF-824A-4C91E4EA911A}" dt="2023-03-07T12:25:07.103" v="1899" actId="26606"/>
+          <ac:spMkLst>
+            <pc:docMk/>
+            <pc:sldMk cId="857268925" sldId="256"/>
+            <ac:spMk id="19" creationId="{AFB83730-58A8-42CA-90B3-5D5D2D1B00BC}"/>
+          </ac:spMkLst>
+        </pc:spChg>
+        <pc:spChg chg="del">
+          <ac:chgData name="Karl Miller" userId="acf82fce-f980-4dce-8b21-bbde99439e13" providerId="ADAL" clId="{82221F8E-48CB-48EF-824A-4C91E4EA911A}" dt="2023-03-07T12:24:41.551" v="1892"/>
+          <ac:spMkLst>
+            <pc:docMk/>
+            <pc:sldMk cId="857268925" sldId="256"/>
+            <ac:spMk id="42" creationId="{4AA13AD3-0A4F-475A-BEBB-DEEFF5C096C3}"/>
+          </ac:spMkLst>
+        </pc:spChg>
+        <pc:picChg chg="mod">
+          <ac:chgData name="Karl Miller" userId="acf82fce-f980-4dce-8b21-bbde99439e13" providerId="ADAL" clId="{82221F8E-48CB-48EF-824A-4C91E4EA911A}" dt="2023-03-07T12:25:07.103" v="1899" actId="26606"/>
+          <ac:picMkLst>
+            <pc:docMk/>
+            <pc:sldMk cId="857268925" sldId="256"/>
+            <ac:picMk id="14" creationId="{E0DC1DF3-40BE-F487-2D66-E117B101BD49}"/>
+          </ac:picMkLst>
+        </pc:picChg>
+      </pc:sldChg>
+      <pc:sldChg chg="addSp modSp mod setBg">
+        <pc:chgData name="Karl Miller" userId="acf82fce-f980-4dce-8b21-bbde99439e13" providerId="ADAL" clId="{82221F8E-48CB-48EF-824A-4C91E4EA911A}" dt="2023-03-07T12:25:55.764" v="1904" actId="20577"/>
+        <pc:sldMkLst>
+          <pc:docMk/>
+          <pc:sldMk cId="146102593" sldId="257"/>
+        </pc:sldMkLst>
+        <pc:spChg chg="mod">
+          <ac:chgData name="Karl Miller" userId="acf82fce-f980-4dce-8b21-bbde99439e13" providerId="ADAL" clId="{82221F8E-48CB-48EF-824A-4C91E4EA911A}" dt="2023-03-07T12:25:38.273" v="1902" actId="26606"/>
+          <ac:spMkLst>
+            <pc:docMk/>
+            <pc:sldMk cId="146102593" sldId="257"/>
+            <ac:spMk id="2" creationId="{1EA0F5B5-0E07-678F-085D-D77F6EE7F9D0}"/>
+          </ac:spMkLst>
+        </pc:spChg>
+        <pc:spChg chg="mod">
+          <ac:chgData name="Karl Miller" userId="acf82fce-f980-4dce-8b21-bbde99439e13" providerId="ADAL" clId="{82221F8E-48CB-48EF-824A-4C91E4EA911A}" dt="2023-03-07T12:25:55.764" v="1904" actId="20577"/>
+          <ac:spMkLst>
+            <pc:docMk/>
+            <pc:sldMk cId="146102593" sldId="257"/>
+            <ac:spMk id="3" creationId="{F95A20F0-3876-1F8B-4427-44938C878A5B}"/>
+          </ac:spMkLst>
+        </pc:spChg>
+        <pc:spChg chg="add">
+          <ac:chgData name="Karl Miller" userId="acf82fce-f980-4dce-8b21-bbde99439e13" providerId="ADAL" clId="{82221F8E-48CB-48EF-824A-4C91E4EA911A}" dt="2023-03-07T12:25:38.273" v="1902" actId="26606"/>
+          <ac:spMkLst>
+            <pc:docMk/>
+            <pc:sldMk cId="146102593" sldId="257"/>
+            <ac:spMk id="8" creationId="{089A69AF-D57B-49B4-886C-D4A5DC194421}"/>
+          </ac:spMkLst>
+        </pc:spChg>
+        <pc:spChg chg="add">
+          <ac:chgData name="Karl Miller" userId="acf82fce-f980-4dce-8b21-bbde99439e13" providerId="ADAL" clId="{82221F8E-48CB-48EF-824A-4C91E4EA911A}" dt="2023-03-07T12:25:38.273" v="1902" actId="26606"/>
+          <ac:spMkLst>
+            <pc:docMk/>
+            <pc:sldMk cId="146102593" sldId="257"/>
+            <ac:spMk id="10" creationId="{CABDC08D-6093-4397-92D4-54D00E2BB1C2}"/>
+          </ac:spMkLst>
+        </pc:spChg>
+      </pc:sldChg>
+      <pc:sldChg chg="addSp modSp mod setBg">
+        <pc:chgData name="Karl Miller" userId="acf82fce-f980-4dce-8b21-bbde99439e13" providerId="ADAL" clId="{82221F8E-48CB-48EF-824A-4C91E4EA911A}" dt="2023-03-07T12:26:43.575" v="1909" actId="26606"/>
+        <pc:sldMkLst>
+          <pc:docMk/>
+          <pc:sldMk cId="2044455265" sldId="258"/>
+        </pc:sldMkLst>
+        <pc:spChg chg="mod">
+          <ac:chgData name="Karl Miller" userId="acf82fce-f980-4dce-8b21-bbde99439e13" providerId="ADAL" clId="{82221F8E-48CB-48EF-824A-4C91E4EA911A}" dt="2023-03-07T12:26:43.575" v="1909" actId="26606"/>
+          <ac:spMkLst>
+            <pc:docMk/>
+            <pc:sldMk cId="2044455265" sldId="258"/>
+            <ac:spMk id="2" creationId="{02C633CD-798F-EF85-B4DD-8385CE65FB6C}"/>
+          </ac:spMkLst>
+        </pc:spChg>
+        <pc:spChg chg="mod">
+          <ac:chgData name="Karl Miller" userId="acf82fce-f980-4dce-8b21-bbde99439e13" providerId="ADAL" clId="{82221F8E-48CB-48EF-824A-4C91E4EA911A}" dt="2023-03-07T12:26:43.575" v="1909" actId="26606"/>
+          <ac:spMkLst>
+            <pc:docMk/>
+            <pc:sldMk cId="2044455265" sldId="258"/>
+            <ac:spMk id="3" creationId="{1F21CE38-F326-9230-6174-0630D0923D59}"/>
+          </ac:spMkLst>
+        </pc:spChg>
+        <pc:spChg chg="add">
+          <ac:chgData name="Karl Miller" userId="acf82fce-f980-4dce-8b21-bbde99439e13" providerId="ADAL" clId="{82221F8E-48CB-48EF-824A-4C91E4EA911A}" dt="2023-03-07T12:26:43.575" v="1909" actId="26606"/>
+          <ac:spMkLst>
+            <pc:docMk/>
+            <pc:sldMk cId="2044455265" sldId="258"/>
+            <ac:spMk id="8" creationId="{089A69AF-D57B-49B4-886C-D4A5DC194421}"/>
+          </ac:spMkLst>
+        </pc:spChg>
+        <pc:spChg chg="add">
+          <ac:chgData name="Karl Miller" userId="acf82fce-f980-4dce-8b21-bbde99439e13" providerId="ADAL" clId="{82221F8E-48CB-48EF-824A-4C91E4EA911A}" dt="2023-03-07T12:26:43.575" v="1909" actId="26606"/>
+          <ac:spMkLst>
+            <pc:docMk/>
+            <pc:sldMk cId="2044455265" sldId="258"/>
+            <ac:spMk id="10" creationId="{CABDC08D-6093-4397-92D4-54D00E2BB1C2}"/>
+          </ac:spMkLst>
+        </pc:spChg>
+      </pc:sldChg>
+      <pc:sldChg chg="modSp mod">
+        <pc:chgData name="Karl Miller" userId="acf82fce-f980-4dce-8b21-bbde99439e13" providerId="ADAL" clId="{82221F8E-48CB-48EF-824A-4C91E4EA911A}" dt="2023-03-07T12:24:41.632" v="1894" actId="27636"/>
+        <pc:sldMkLst>
+          <pc:docMk/>
+          <pc:sldMk cId="2356385291" sldId="259"/>
+        </pc:sldMkLst>
+        <pc:spChg chg="mod">
+          <ac:chgData name="Karl Miller" userId="acf82fce-f980-4dce-8b21-bbde99439e13" providerId="ADAL" clId="{82221F8E-48CB-48EF-824A-4C91E4EA911A}" dt="2023-03-07T12:24:41.627" v="1893" actId="27636"/>
+          <ac:spMkLst>
+            <pc:docMk/>
+            <pc:sldMk cId="2356385291" sldId="259"/>
+            <ac:spMk id="2" creationId="{7BA71DF4-7A4F-A9FB-CFAE-E3450A341430}"/>
+          </ac:spMkLst>
+        </pc:spChg>
+        <pc:spChg chg="mod">
+          <ac:chgData name="Karl Miller" userId="acf82fce-f980-4dce-8b21-bbde99439e13" providerId="ADAL" clId="{82221F8E-48CB-48EF-824A-4C91E4EA911A}" dt="2023-03-07T12:24:41.632" v="1894" actId="27636"/>
+          <ac:spMkLst>
+            <pc:docMk/>
+            <pc:sldMk cId="2356385291" sldId="259"/>
+            <ac:spMk id="3" creationId="{3F2DF36B-F442-9280-6EA2-BB075B2AAAF3}"/>
+          </ac:spMkLst>
+        </pc:spChg>
+      </pc:sldChg>
+      <pc:sldChg chg="modSp mod">
+        <pc:chgData name="Karl Miller" userId="acf82fce-f980-4dce-8b21-bbde99439e13" providerId="ADAL" clId="{82221F8E-48CB-48EF-824A-4C91E4EA911A}" dt="2023-03-07T12:24:41.634" v="1895" actId="27636"/>
+        <pc:sldMkLst>
+          <pc:docMk/>
+          <pc:sldMk cId="1753628037" sldId="260"/>
+        </pc:sldMkLst>
+        <pc:spChg chg="mod">
+          <ac:chgData name="Karl Miller" userId="acf82fce-f980-4dce-8b21-bbde99439e13" providerId="ADAL" clId="{82221F8E-48CB-48EF-824A-4C91E4EA911A}" dt="2023-03-07T12:24:41.634" v="1895" actId="27636"/>
+          <ac:spMkLst>
+            <pc:docMk/>
+            <pc:sldMk cId="1753628037" sldId="260"/>
+            <ac:spMk id="2" creationId="{4DA7F12F-D766-8144-A94C-F994F94623CF}"/>
+          </ac:spMkLst>
+        </pc:spChg>
+        <pc:spChg chg="mod">
+          <ac:chgData name="Karl Miller" userId="acf82fce-f980-4dce-8b21-bbde99439e13" providerId="ADAL" clId="{82221F8E-48CB-48EF-824A-4C91E4EA911A}" dt="2023-03-07T12:24:41.551" v="1892"/>
+          <ac:spMkLst>
+            <pc:docMk/>
+            <pc:sldMk cId="1753628037" sldId="260"/>
+            <ac:spMk id="3" creationId="{DE4D419B-83D7-C994-8DF6-8C5B2DDA47D4}"/>
+          </ac:spMkLst>
+        </pc:spChg>
+      </pc:sldChg>
+      <pc:sldChg chg="modSp mod">
+        <pc:chgData name="Karl Miller" userId="acf82fce-f980-4dce-8b21-bbde99439e13" providerId="ADAL" clId="{82221F8E-48CB-48EF-824A-4C91E4EA911A}" dt="2023-03-07T12:32:19.365" v="2187" actId="14100"/>
+        <pc:sldMkLst>
+          <pc:docMk/>
+          <pc:sldMk cId="3135074336" sldId="261"/>
+        </pc:sldMkLst>
+        <pc:spChg chg="mod">
+          <ac:chgData name="Karl Miller" userId="acf82fce-f980-4dce-8b21-bbde99439e13" providerId="ADAL" clId="{82221F8E-48CB-48EF-824A-4C91E4EA911A}" dt="2023-03-07T12:24:41.551" v="1892"/>
+          <ac:spMkLst>
+            <pc:docMk/>
+            <pc:sldMk cId="3135074336" sldId="261"/>
+            <ac:spMk id="2" creationId="{569EEE7D-7E84-194F-99BC-ACBC388C5616}"/>
+          </ac:spMkLst>
+        </pc:spChg>
+        <pc:spChg chg="mod">
+          <ac:chgData name="Karl Miller" userId="acf82fce-f980-4dce-8b21-bbde99439e13" providerId="ADAL" clId="{82221F8E-48CB-48EF-824A-4C91E4EA911A}" dt="2023-03-07T12:32:19.365" v="2187" actId="14100"/>
+          <ac:spMkLst>
+            <pc:docMk/>
+            <pc:sldMk cId="3135074336" sldId="261"/>
+            <ac:spMk id="3" creationId="{F2CB2395-2F01-DB37-5DFF-5CDC424AA123}"/>
+          </ac:spMkLst>
+        </pc:spChg>
+      </pc:sldChg>
+      <pc:sldChg chg="modSp mod">
+        <pc:chgData name="Karl Miller" userId="acf82fce-f980-4dce-8b21-bbde99439e13" providerId="ADAL" clId="{82221F8E-48CB-48EF-824A-4C91E4EA911A}" dt="2023-03-07T12:27:55.879" v="1971" actId="20577"/>
+        <pc:sldMkLst>
+          <pc:docMk/>
+          <pc:sldMk cId="626750041" sldId="262"/>
+        </pc:sldMkLst>
+        <pc:spChg chg="mod">
+          <ac:chgData name="Karl Miller" userId="acf82fce-f980-4dce-8b21-bbde99439e13" providerId="ADAL" clId="{82221F8E-48CB-48EF-824A-4C91E4EA911A}" dt="2023-03-07T12:24:41.551" v="1892"/>
+          <ac:spMkLst>
+            <pc:docMk/>
+            <pc:sldMk cId="626750041" sldId="262"/>
+            <ac:spMk id="2" creationId="{B26290C1-D5BB-1778-DCD4-5CA5E415BC33}"/>
+          </ac:spMkLst>
+        </pc:spChg>
+        <pc:spChg chg="mod">
+          <ac:chgData name="Karl Miller" userId="acf82fce-f980-4dce-8b21-bbde99439e13" providerId="ADAL" clId="{82221F8E-48CB-48EF-824A-4C91E4EA911A}" dt="2023-03-07T12:27:55.879" v="1971" actId="20577"/>
+          <ac:spMkLst>
+            <pc:docMk/>
+            <pc:sldMk cId="626750041" sldId="262"/>
+            <ac:spMk id="3" creationId="{F7DA96F6-42CC-1D32-B4E9-7817CBFE9486}"/>
+          </ac:spMkLst>
+        </pc:spChg>
+      </pc:sldChg>
+      <pc:sldChg chg="addSp delSp modSp mod setBg">
+        <pc:chgData name="Karl Miller" userId="acf82fce-f980-4dce-8b21-bbde99439e13" providerId="ADAL" clId="{82221F8E-48CB-48EF-824A-4C91E4EA911A}" dt="2023-03-07T14:11:04.545" v="2191" actId="20577"/>
+        <pc:sldMkLst>
+          <pc:docMk/>
+          <pc:sldMk cId="1255776722" sldId="263"/>
+        </pc:sldMkLst>
+        <pc:spChg chg="mod">
+          <ac:chgData name="Karl Miller" userId="acf82fce-f980-4dce-8b21-bbde99439e13" providerId="ADAL" clId="{82221F8E-48CB-48EF-824A-4C91E4EA911A}" dt="2023-03-07T12:35:15.356" v="2189" actId="26606"/>
+          <ac:spMkLst>
+            <pc:docMk/>
+            <pc:sldMk cId="1255776722" sldId="263"/>
+            <ac:spMk id="2" creationId="{154EBA9F-4A39-CC4E-18B7-88CA7F842CA7}"/>
+          </ac:spMkLst>
+        </pc:spChg>
+        <pc:spChg chg="mod">
+          <ac:chgData name="Karl Miller" userId="acf82fce-f980-4dce-8b21-bbde99439e13" providerId="ADAL" clId="{82221F8E-48CB-48EF-824A-4C91E4EA911A}" dt="2023-03-07T14:11:04.545" v="2191" actId="20577"/>
+          <ac:spMkLst>
+            <pc:docMk/>
+            <pc:sldMk cId="1255776722" sldId="263"/>
+            <ac:spMk id="3" creationId="{D97207CC-86E1-BEB7-7387-70C5884C8605}"/>
+          </ac:spMkLst>
+        </pc:spChg>
+        <pc:spChg chg="add del">
+          <ac:chgData name="Karl Miller" userId="acf82fce-f980-4dce-8b21-bbde99439e13" providerId="ADAL" clId="{82221F8E-48CB-48EF-824A-4C91E4EA911A}" dt="2023-03-07T12:35:15.356" v="2189" actId="26606"/>
+          <ac:spMkLst>
+            <pc:docMk/>
+            <pc:sldMk cId="1255776722" sldId="263"/>
+            <ac:spMk id="8" creationId="{089A69AF-D57B-49B4-886C-D4A5DC194421}"/>
+          </ac:spMkLst>
+        </pc:spChg>
+        <pc:spChg chg="add del">
+          <ac:chgData name="Karl Miller" userId="acf82fce-f980-4dce-8b21-bbde99439e13" providerId="ADAL" clId="{82221F8E-48CB-48EF-824A-4C91E4EA911A}" dt="2023-03-07T12:35:15.356" v="2189" actId="26606"/>
+          <ac:spMkLst>
+            <pc:docMk/>
+            <pc:sldMk cId="1255776722" sldId="263"/>
+            <ac:spMk id="10" creationId="{CABDC08D-6093-4397-92D4-54D00E2BB1C2}"/>
+          </ac:spMkLst>
+        </pc:spChg>
+        <pc:picChg chg="add mod">
+          <ac:chgData name="Karl Miller" userId="acf82fce-f980-4dce-8b21-bbde99439e13" providerId="ADAL" clId="{82221F8E-48CB-48EF-824A-4C91E4EA911A}" dt="2023-03-07T12:35:15.356" v="2189" actId="26606"/>
+          <ac:picMkLst>
+            <pc:docMk/>
+            <pc:sldMk cId="1255776722" sldId="263"/>
+            <ac:picMk id="1026" creationId="{7E67CB98-0FE4-044A-3F71-3E22D3B8B799}"/>
+          </ac:picMkLst>
+        </pc:picChg>
+      </pc:sldChg>
+    </pc:docChg>
+  </pc:docChgLst>
+  <pc:docChgLst>
+    <pc:chgData name="Karl Miller" userId="S::x21522489@student.ncirl.ie::acf82fce-f980-4dce-8b21-bbde99439e13" providerId="AD" clId="Web-{C581E147-80EC-3B0A-64FA-279684DDD168}"/>
+    <pc:docChg chg="modSld">
+      <pc:chgData name="Karl Miller" userId="S::x21522489@student.ncirl.ie::acf82fce-f980-4dce-8b21-bbde99439e13" providerId="AD" clId="Web-{C581E147-80EC-3B0A-64FA-279684DDD168}" dt="2023-03-05T17:22:15.773" v="3" actId="20577"/>
+      <pc:docMkLst>
+        <pc:docMk/>
+      </pc:docMkLst>
+      <pc:sldChg chg="modSp">
+        <pc:chgData name="Karl Miller" userId="S::x21522489@student.ncirl.ie::acf82fce-f980-4dce-8b21-bbde99439e13" providerId="AD" clId="Web-{C581E147-80EC-3B0A-64FA-279684DDD168}" dt="2023-03-05T17:22:15.773" v="3" actId="20577"/>
+        <pc:sldMkLst>
+          <pc:docMk/>
+          <pc:sldMk cId="146102593" sldId="257"/>
+        </pc:sldMkLst>
+        <pc:spChg chg="mod">
+          <ac:chgData name="Karl Miller" userId="S::x21522489@student.ncirl.ie::acf82fce-f980-4dce-8b21-bbde99439e13" providerId="AD" clId="Web-{C581E147-80EC-3B0A-64FA-279684DDD168}" dt="2023-03-05T17:22:15.773" v="3" actId="20577"/>
+          <ac:spMkLst>
+            <pc:docMk/>
+            <pc:sldMk cId="146102593" sldId="257"/>
+            <ac:spMk id="3" creationId="{F95A20F0-3876-1F8B-4427-44938C878A5B}"/>
+          </ac:spMkLst>
+        </pc:spChg>
+      </pc:sldChg>
+    </pc:docChg>
+  </pc:docChgLst>
+  <pc:docChgLst>
+    <pc:chgData name="Karl Miller" userId="S::x21522489@student.ncirl.ie::acf82fce-f980-4dce-8b21-bbde99439e13" providerId="AD" clId="Web-{C015C7FF-4C9B-42C5-6DAC-6D913D228FAA}"/>
+    <pc:docChg chg="addSld modSld sldOrd">
+      <pc:chgData name="Karl Miller" userId="S::x21522489@student.ncirl.ie::acf82fce-f980-4dce-8b21-bbde99439e13" providerId="AD" clId="Web-{C015C7FF-4C9B-42C5-6DAC-6D913D228FAA}" dt="2023-03-05T17:59:43.807" v="307" actId="20577"/>
+      <pc:docMkLst>
+        <pc:docMk/>
+      </pc:docMkLst>
+      <pc:sldChg chg="modSp new ord">
+        <pc:chgData name="Karl Miller" userId="S::x21522489@student.ncirl.ie::acf82fce-f980-4dce-8b21-bbde99439e13" providerId="AD" clId="Web-{C015C7FF-4C9B-42C5-6DAC-6D913D228FAA}" dt="2023-03-05T17:59:43.807" v="307" actId="20577"/>
+        <pc:sldMkLst>
+          <pc:docMk/>
+          <pc:sldMk cId="1255776722" sldId="263"/>
+        </pc:sldMkLst>
+        <pc:spChg chg="mod">
+          <ac:chgData name="Karl Miller" userId="S::x21522489@student.ncirl.ie::acf82fce-f980-4dce-8b21-bbde99439e13" providerId="AD" clId="Web-{C015C7FF-4C9B-42C5-6DAC-6D913D228FAA}" dt="2023-03-05T17:23:55.334" v="16" actId="20577"/>
+          <ac:spMkLst>
+            <pc:docMk/>
+            <pc:sldMk cId="1255776722" sldId="263"/>
+            <ac:spMk id="2" creationId="{154EBA9F-4A39-CC4E-18B7-88CA7F842CA7}"/>
+          </ac:spMkLst>
+        </pc:spChg>
+        <pc:spChg chg="mod">
+          <ac:chgData name="Karl Miller" userId="S::x21522489@student.ncirl.ie::acf82fce-f980-4dce-8b21-bbde99439e13" providerId="AD" clId="Web-{C015C7FF-4C9B-42C5-6DAC-6D913D228FAA}" dt="2023-03-05T17:59:43.807" v="307" actId="20577"/>
+          <ac:spMkLst>
+            <pc:docMk/>
+            <pc:sldMk cId="1255776722" sldId="263"/>
+            <ac:spMk id="3" creationId="{D97207CC-86E1-BEB7-7387-70C5884C8605}"/>
+          </ac:spMkLst>
+        </pc:spChg>
+      </pc:sldChg>
+    </pc:docChg>
+  </pc:docChgLst>
+</pc:chgInfo>
+</file>
+
 <file path=ppt/slideLayouts/slideLayout1.xml><?xml version="1.0" encoding="utf-8"?>
-<p:sldLayout xmlns:a="http://schemas.openxmlformats.org/drawingml/2006/main" xmlns:r="http://schemas.openxmlformats.org/officeDocument/2006/relationships" xmlns:p="http://schemas.openxmlformats.org/presentationml/2006/main" showMasterSp="0" type="title" preserve="1">
+<p:sldLayout xmlns:a="http://schemas.openxmlformats.org/drawingml/2006/main" xmlns:r="http://schemas.openxmlformats.org/officeDocument/2006/relationships" xmlns:p="http://schemas.openxmlformats.org/presentationml/2006/main" type="title" preserve="1">
   <p:cSld name="Title Slide">
     <p:spTree>
       <p:nvGrpSpPr>
@@ -137,65 +529,111 @@
       </p:grpSpPr>
       <p:sp>
         <p:nvSpPr>
-          <p:cNvPr id="10" name="Rectangle 9">
-            <a:extLst>
-              <a:ext uri="{FF2B5EF4-FFF2-40B4-BE49-F238E27FC236}">
-                <a16:creationId xmlns:a16="http://schemas.microsoft.com/office/drawing/2014/main" id="{09A1C012-8297-4361-ACE8-A2509FB18911}"/>
-              </a:ext>
-            </a:extLst>
-          </p:cNvPr>
+          <p:cNvPr id="11" name="Freeform 6"/>
           <p:cNvSpPr/>
           <p:nvPr/>
         </p:nvSpPr>
-        <p:spPr>
+        <p:spPr bwMode="auto">
           <a:xfrm>
-            <a:off x="0" y="4206240"/>
-            <a:ext cx="12192000" cy="2651760"/>
+            <a:off x="0" y="-3175"/>
+            <a:ext cx="12192000" cy="5203825"/>
           </a:xfrm>
-          <a:prstGeom prst="rect">
+          <a:custGeom>
             <a:avLst/>
-          </a:prstGeom>
-          <a:solidFill>
-            <a:schemeClr val="tx1"/>
-          </a:solidFill>
-          <a:ln>
-            <a:noFill/>
-          </a:ln>
+            <a:gdLst/>
+            <a:ahLst/>
+            <a:cxnLst/>
+            <a:rect l="0" t="0" r="r" b="b"/>
+            <a:pathLst>
+              <a:path w="5760" h="3278">
+                <a:moveTo>
+                  <a:pt x="5760" y="0"/>
+                </a:moveTo>
+                <a:lnTo>
+                  <a:pt x="0" y="0"/>
+                </a:lnTo>
+                <a:lnTo>
+                  <a:pt x="0" y="3090"/>
+                </a:lnTo>
+                <a:lnTo>
+                  <a:pt x="943" y="3090"/>
+                </a:lnTo>
+                <a:lnTo>
+                  <a:pt x="1123" y="3270"/>
+                </a:lnTo>
+                <a:lnTo>
+                  <a:pt x="1123" y="3270"/>
+                </a:lnTo>
+                <a:lnTo>
+                  <a:pt x="1127" y="3272"/>
+                </a:lnTo>
+                <a:lnTo>
+                  <a:pt x="1133" y="3275"/>
+                </a:lnTo>
+                <a:lnTo>
+                  <a:pt x="1139" y="3278"/>
+                </a:lnTo>
+                <a:lnTo>
+                  <a:pt x="1144" y="3278"/>
+                </a:lnTo>
+                <a:lnTo>
+                  <a:pt x="1150" y="3278"/>
+                </a:lnTo>
+                <a:lnTo>
+                  <a:pt x="1155" y="3275"/>
+                </a:lnTo>
+                <a:lnTo>
+                  <a:pt x="1161" y="3272"/>
+                </a:lnTo>
+                <a:lnTo>
+                  <a:pt x="1165" y="3270"/>
+                </a:lnTo>
+                <a:lnTo>
+                  <a:pt x="1345" y="3090"/>
+                </a:lnTo>
+                <a:lnTo>
+                  <a:pt x="5760" y="3090"/>
+                </a:lnTo>
+                <a:lnTo>
+                  <a:pt x="5760" y="0"/>
+                </a:lnTo>
+                <a:close/>
+              </a:path>
+            </a:pathLst>
+          </a:custGeom>
+          <a:ln/>
+          <a:effectLst/>
+          <a:extLst>
+            <a:ext uri="{91240B29-F687-4f45-9708-019B960494DF}">
+              <a14:hiddenLine xmlns:a14="http://schemas.microsoft.com/office/drawing/2010/main" xmlns="" w="9525">
+                <a:solidFill>
+                  <a:srgbClr val="000000"/>
+                </a:solidFill>
+                <a:round/>
+                <a:headEnd/>
+                <a:tailEnd/>
+              </a14:hiddenLine>
+            </a:ext>
+          </a:extLst>
         </p:spPr>
         <p:style>
-          <a:lnRef idx="2">
-            <a:schemeClr val="accent1">
-              <a:shade val="50000"/>
-            </a:schemeClr>
+          <a:lnRef idx="1">
+            <a:schemeClr val="accent1"/>
           </a:lnRef>
-          <a:fillRef idx="1">
+          <a:fillRef idx="3">
             <a:schemeClr val="accent1"/>
           </a:fillRef>
-          <a:effectRef idx="0">
+          <a:effectRef idx="2">
             <a:schemeClr val="accent1"/>
           </a:effectRef>
           <a:fontRef idx="minor">
             <a:schemeClr val="lt1"/>
           </a:fontRef>
         </p:style>
-        <p:txBody>
-          <a:bodyPr rtlCol="0" anchor="ctr"/>
-          <a:lstStyle/>
-          <a:p>
-            <a:pPr algn="ctr"/>
-            <a:endParaRPr lang="en-US"/>
-          </a:p>
-        </p:txBody>
-      </p:sp>
-      <p:sp>
-        <p:nvSpPr>
-          <p:cNvPr id="2" name="Title 1">
-            <a:extLst>
-              <a:ext uri="{FF2B5EF4-FFF2-40B4-BE49-F238E27FC236}">
-                <a16:creationId xmlns:a16="http://schemas.microsoft.com/office/drawing/2014/main" id="{14EC2572-8518-46FF-8F60-FE2963DF4A6E}"/>
-              </a:ext>
-            </a:extLst>
-          </p:cNvPr>
+      </p:sp>
+      <p:sp>
+        <p:nvSpPr>
+          <p:cNvPr id="2" name="Title 1"/>
           <p:cNvSpPr>
             <a:spLocks noGrp="1"/>
           </p:cNvSpPr>
@@ -205,97 +643,132 @@
         </p:nvSpPr>
         <p:spPr>
           <a:xfrm>
-            <a:off x="960120" y="640080"/>
-            <a:ext cx="10268712" cy="3227832"/>
+            <a:off x="810001" y="1449147"/>
+            <a:ext cx="10572000" cy="2971051"/>
           </a:xfrm>
         </p:spPr>
         <p:txBody>
-          <a:bodyPr anchor="b">
-            <a:normAutofit/>
-          </a:bodyPr>
+          <a:bodyPr/>
           <a:lstStyle>
-            <a:lvl1pPr algn="ctr">
-              <a:defRPr sz="8800" baseline="0">
+            <a:lvl1pPr>
+              <a:defRPr sz="5400"/>
+            </a:lvl1pPr>
+          </a:lstStyle>
+          <a:p>
+            <a:r>
+              <a:rPr lang="en-US"/>
+              <a:t>Click to edit Master title style</a:t>
+            </a:r>
+            <a:endParaRPr lang="en-US" dirty="0"/>
+          </a:p>
+        </p:txBody>
+      </p:sp>
+      <p:sp>
+        <p:nvSpPr>
+          <p:cNvPr id="3" name="Subtitle 2"/>
+          <p:cNvSpPr>
+            <a:spLocks noGrp="1"/>
+          </p:cNvSpPr>
+          <p:nvPr>
+            <p:ph type="subTitle" idx="1"/>
+          </p:nvPr>
+        </p:nvSpPr>
+        <p:spPr>
+          <a:xfrm>
+            <a:off x="810001" y="5280847"/>
+            <a:ext cx="10572000" cy="434974"/>
+          </a:xfrm>
+        </p:spPr>
+        <p:txBody>
+          <a:bodyPr anchor="t"/>
+          <a:lstStyle>
+            <a:lvl1pPr marL="0" indent="0" algn="l">
+              <a:buNone/>
+              <a:defRPr>
                 <a:solidFill>
                   <a:schemeClr val="tx1"/>
                 </a:solidFill>
               </a:defRPr>
             </a:lvl1pPr>
-          </a:lstStyle>
-          <a:p>
-            <a:r>
-              <a:rPr lang="en-US" dirty="0"/>
-              <a:t>Click to edit Master title style</a:t>
-            </a:r>
-          </a:p>
-        </p:txBody>
-      </p:sp>
-      <p:sp>
-        <p:nvSpPr>
-          <p:cNvPr id="3" name="Subtitle 2">
-            <a:extLst>
-              <a:ext uri="{FF2B5EF4-FFF2-40B4-BE49-F238E27FC236}">
-                <a16:creationId xmlns:a16="http://schemas.microsoft.com/office/drawing/2014/main" id="{A7A0C76A-7715-48A4-8CF5-14BBF61962A1}"/>
-              </a:ext>
-            </a:extLst>
-          </p:cNvPr>
-          <p:cNvSpPr>
-            <a:spLocks noGrp="1"/>
-          </p:cNvSpPr>
-          <p:nvPr>
-            <p:ph type="subTitle" idx="1"/>
-          </p:nvPr>
-        </p:nvSpPr>
-        <p:spPr>
-          <a:xfrm>
-            <a:off x="960120" y="4526280"/>
-            <a:ext cx="10268712" cy="1508760"/>
-          </a:xfrm>
-        </p:spPr>
-        <p:txBody>
-          <a:bodyPr>
-            <a:normAutofit/>
-          </a:bodyPr>
-          <a:lstStyle>
-            <a:lvl1pPr marL="0" indent="0" algn="ctr">
+            <a:lvl2pPr marL="457200" indent="0" algn="ctr">
               <a:buNone/>
-              <a:defRPr sz="3600" baseline="0">
+              <a:defRPr>
                 <a:solidFill>
-                  <a:schemeClr val="bg1"/>
+                  <a:schemeClr val="tx1">
+                    <a:tint val="75000"/>
+                  </a:schemeClr>
                 </a:solidFill>
               </a:defRPr>
-            </a:lvl1pPr>
-            <a:lvl2pPr marL="457200" indent="0" algn="ctr">
-              <a:buNone/>
-              <a:defRPr sz="2000"/>
             </a:lvl2pPr>
             <a:lvl3pPr marL="914400" indent="0" algn="ctr">
               <a:buNone/>
-              <a:defRPr sz="1800"/>
+              <a:defRPr>
+                <a:solidFill>
+                  <a:schemeClr val="tx1">
+                    <a:tint val="75000"/>
+                  </a:schemeClr>
+                </a:solidFill>
+              </a:defRPr>
             </a:lvl3pPr>
             <a:lvl4pPr marL="1371600" indent="0" algn="ctr">
               <a:buNone/>
-              <a:defRPr sz="1600"/>
+              <a:defRPr>
+                <a:solidFill>
+                  <a:schemeClr val="tx1">
+                    <a:tint val="75000"/>
+                  </a:schemeClr>
+                </a:solidFill>
+              </a:defRPr>
             </a:lvl4pPr>
             <a:lvl5pPr marL="1828800" indent="0" algn="ctr">
               <a:buNone/>
-              <a:defRPr sz="1600"/>
+              <a:defRPr>
+                <a:solidFill>
+                  <a:schemeClr val="tx1">
+                    <a:tint val="75000"/>
+                  </a:schemeClr>
+                </a:solidFill>
+              </a:defRPr>
             </a:lvl5pPr>
             <a:lvl6pPr marL="2286000" indent="0" algn="ctr">
               <a:buNone/>
-              <a:defRPr sz="1600"/>
+              <a:defRPr>
+                <a:solidFill>
+                  <a:schemeClr val="tx1">
+                    <a:tint val="75000"/>
+                  </a:schemeClr>
+                </a:solidFill>
+              </a:defRPr>
             </a:lvl6pPr>
             <a:lvl7pPr marL="2743200" indent="0" algn="ctr">
               <a:buNone/>
-              <a:defRPr sz="1600"/>
+              <a:defRPr>
+                <a:solidFill>
+                  <a:schemeClr val="tx1">
+                    <a:tint val="75000"/>
+                  </a:schemeClr>
+                </a:solidFill>
+              </a:defRPr>
             </a:lvl7pPr>
             <a:lvl8pPr marL="3200400" indent="0" algn="ctr">
               <a:buNone/>
-              <a:defRPr sz="1600"/>
+              <a:defRPr>
+                <a:solidFill>
+                  <a:schemeClr val="tx1">
+                    <a:tint val="75000"/>
+                  </a:schemeClr>
+                </a:solidFill>
+              </a:defRPr>
             </a:lvl8pPr>
             <a:lvl9pPr marL="3657600" indent="0" algn="ctr">
               <a:buNone/>
-              <a:defRPr sz="1600"/>
+              <a:defRPr>
+                <a:solidFill>
+                  <a:schemeClr val="tx1">
+                    <a:tint val="75000"/>
+                  </a:schemeClr>
+                </a:solidFill>
+              </a:defRPr>
             </a:lvl9pPr>
           </a:lstStyle>
           <a:p>
@@ -309,13 +782,7 @@
       </p:sp>
       <p:sp>
         <p:nvSpPr>
-          <p:cNvPr id="11" name="Date Placeholder 10">
-            <a:extLst>
-              <a:ext uri="{FF2B5EF4-FFF2-40B4-BE49-F238E27FC236}">
-                <a16:creationId xmlns:a16="http://schemas.microsoft.com/office/drawing/2014/main" id="{52D4EF84-F7DF-49C5-9285-301284ADB99A}"/>
-              </a:ext>
-            </a:extLst>
-          </p:cNvPr>
+          <p:cNvPr id="4" name="Date Placeholder 3"/>
           <p:cNvSpPr>
             <a:spLocks noGrp="1"/>
           </p:cNvSpPr>
@@ -326,35 +793,21 @@
         <p:spPr/>
         <p:txBody>
           <a:bodyPr/>
-          <a:lstStyle>
-            <a:lvl1pPr>
-              <a:defRPr>
-                <a:solidFill>
-                  <a:schemeClr val="bg1"/>
-                </a:solidFill>
-              </a:defRPr>
-            </a:lvl1pPr>
-          </a:lstStyle>
+          <a:lstStyle/>
           <a:p>
             <a:pPr algn="r"/>
             <a:fld id="{A37D6D71-8B28-4ED6-B932-04B197003D23}" type="datetimeFigureOut">
               <a:rPr lang="en-US" smtClean="0"/>
               <a:pPr algn="r"/>
-              <a:t>3/2/2023</a:t>
+              <a:t>3/7/2023</a:t>
             </a:fld>
-            <a:endParaRPr lang="en-US" dirty="0"/>
-          </a:p>
-        </p:txBody>
-      </p:sp>
-      <p:sp>
-        <p:nvSpPr>
-          <p:cNvPr id="12" name="Footer Placeholder 11">
-            <a:extLst>
-              <a:ext uri="{FF2B5EF4-FFF2-40B4-BE49-F238E27FC236}">
-                <a16:creationId xmlns:a16="http://schemas.microsoft.com/office/drawing/2014/main" id="{81266E04-79AF-49EF-86BC-DB29D304BBEC}"/>
-              </a:ext>
-            </a:extLst>
-          </p:cNvPr>
+            <a:endParaRPr lang="en-US"/>
+          </a:p>
+        </p:txBody>
+      </p:sp>
+      <p:sp>
+        <p:nvSpPr>
+          <p:cNvPr id="5" name="Footer Placeholder 4"/>
           <p:cNvSpPr>
             <a:spLocks noGrp="1"/>
           </p:cNvSpPr>
@@ -365,17 +818,9 @@
         <p:spPr/>
         <p:txBody>
           <a:bodyPr/>
-          <a:lstStyle>
-            <a:lvl1pPr>
-              <a:defRPr>
-                <a:solidFill>
-                  <a:schemeClr val="bg1"/>
-                </a:solidFill>
-              </a:defRPr>
-            </a:lvl1pPr>
-          </a:lstStyle>
-          <a:p>
-            <a:endParaRPr lang="en-US" dirty="0">
+          <a:lstStyle/>
+          <a:p>
+            <a:endParaRPr lang="en-US">
               <a:solidFill>
                 <a:schemeClr val="bg1"/>
               </a:solidFill>
@@ -385,13 +830,7 @@
       </p:sp>
       <p:sp>
         <p:nvSpPr>
-          <p:cNvPr id="13" name="Slide Number Placeholder 12">
-            <a:extLst>
-              <a:ext uri="{FF2B5EF4-FFF2-40B4-BE49-F238E27FC236}">
-                <a16:creationId xmlns:a16="http://schemas.microsoft.com/office/drawing/2014/main" id="{90DF5B53-9A9A-46CE-A910-25ADA58753A8}"/>
-              </a:ext>
-            </a:extLst>
-          </p:cNvPr>
+          <p:cNvPr id="6" name="Slide Number Placeholder 5"/>
           <p:cNvSpPr>
             <a:spLocks noGrp="1"/>
           </p:cNvSpPr>
@@ -402,15 +841,7 @@
         <p:spPr/>
         <p:txBody>
           <a:bodyPr/>
-          <a:lstStyle>
-            <a:lvl1pPr>
-              <a:defRPr>
-                <a:solidFill>
-                  <a:schemeClr val="bg1"/>
-                </a:solidFill>
-              </a:defRPr>
-            </a:lvl1pPr>
-          </a:lstStyle>
+          <a:lstStyle/>
           <a:p>
             <a:pPr algn="l"/>
             <a:fld id="{F97E8200-1950-409B-82E7-99938E7AE355}" type="slidenum">
@@ -418,14 +849,14 @@
               <a:pPr algn="l"/>
               <a:t>‹#›</a:t>
             </a:fld>
-            <a:endParaRPr lang="en-US" dirty="0"/>
+            <a:endParaRPr lang="en-US"/>
           </a:p>
         </p:txBody>
       </p:sp>
     </p:spTree>
     <p:extLst>
       <p:ext uri="{BB962C8B-B14F-4D97-AF65-F5344CB8AC3E}">
-        <p14:creationId xmlns:p14="http://schemas.microsoft.com/office/powerpoint/2010/main" val="1907695771"/>
+        <p14:creationId xmlns:p14="http://schemas.microsoft.com/office/powerpoint/2010/main" val="1059003720"/>
       </p:ext>
     </p:extLst>
   </p:cSld>
@@ -436,6 +867,1193 @@
 </file>
 
 <file path=ppt/slideLayouts/slideLayout10.xml><?xml version="1.0" encoding="utf-8"?>
+<p:sldLayout xmlns:a="http://schemas.openxmlformats.org/drawingml/2006/main" xmlns:r="http://schemas.openxmlformats.org/officeDocument/2006/relationships" xmlns:p="http://schemas.openxmlformats.org/presentationml/2006/main" preserve="1">
+  <p:cSld name="Panoramic Picture with Caption">
+    <p:spTree>
+      <p:nvGrpSpPr>
+        <p:cNvPr id="1" name=""/>
+        <p:cNvGrpSpPr/>
+        <p:nvPr/>
+      </p:nvGrpSpPr>
+      <p:grpSpPr>
+        <a:xfrm>
+          <a:off x="0" y="0"/>
+          <a:ext cx="0" cy="0"/>
+          <a:chOff x="0" y="0"/>
+          <a:chExt cx="0" cy="0"/>
+        </a:xfrm>
+      </p:grpSpPr>
+      <p:sp>
+        <p:nvSpPr>
+          <p:cNvPr id="2" name="Title 1"/>
+          <p:cNvSpPr>
+            <a:spLocks noGrp="1"/>
+          </p:cNvSpPr>
+          <p:nvPr>
+            <p:ph type="title"/>
+          </p:nvPr>
+        </p:nvSpPr>
+        <p:spPr>
+          <a:xfrm>
+            <a:off x="810000" y="4800600"/>
+            <a:ext cx="10561418" cy="566738"/>
+          </a:xfrm>
+        </p:spPr>
+        <p:txBody>
+          <a:bodyPr anchor="b">
+            <a:normAutofit/>
+          </a:bodyPr>
+          <a:lstStyle>
+            <a:lvl1pPr algn="l">
+              <a:defRPr sz="2400" b="0"/>
+            </a:lvl1pPr>
+          </a:lstStyle>
+          <a:p>
+            <a:r>
+              <a:rPr lang="en-US"/>
+              <a:t>Click to edit Master title style</a:t>
+            </a:r>
+            <a:endParaRPr lang="en-US" dirty="0"/>
+          </a:p>
+        </p:txBody>
+      </p:sp>
+      <p:sp>
+        <p:nvSpPr>
+          <p:cNvPr id="15" name="Picture Placeholder 14"/>
+          <p:cNvSpPr>
+            <a:spLocks noGrp="1" noChangeAspect="1"/>
+          </p:cNvSpPr>
+          <p:nvPr>
+            <p:ph type="pic" sz="quarter" idx="13"/>
+          </p:nvPr>
+        </p:nvSpPr>
+        <p:spPr bwMode="auto">
+          <a:xfrm>
+            <a:off x="0" y="0"/>
+            <a:ext cx="12192000" cy="4800600"/>
+          </a:xfrm>
+          <a:custGeom>
+            <a:avLst/>
+            <a:gdLst/>
+            <a:ahLst/>
+            <a:cxnLst/>
+            <a:rect l="0" t="0" r="r" b="b"/>
+            <a:pathLst>
+              <a:path w="5760" h="3289">
+                <a:moveTo>
+                  <a:pt x="5760" y="0"/>
+                </a:moveTo>
+                <a:lnTo>
+                  <a:pt x="0" y="0"/>
+                </a:lnTo>
+                <a:lnTo>
+                  <a:pt x="0" y="3100"/>
+                </a:lnTo>
+                <a:lnTo>
+                  <a:pt x="943" y="3100"/>
+                </a:lnTo>
+                <a:lnTo>
+                  <a:pt x="1123" y="3281"/>
+                </a:lnTo>
+                <a:lnTo>
+                  <a:pt x="1123" y="3281"/>
+                </a:lnTo>
+                <a:lnTo>
+                  <a:pt x="1127" y="3283"/>
+                </a:lnTo>
+                <a:lnTo>
+                  <a:pt x="1133" y="3286"/>
+                </a:lnTo>
+                <a:lnTo>
+                  <a:pt x="1139" y="3289"/>
+                </a:lnTo>
+                <a:lnTo>
+                  <a:pt x="1144" y="3289"/>
+                </a:lnTo>
+                <a:lnTo>
+                  <a:pt x="1150" y="3289"/>
+                </a:lnTo>
+                <a:lnTo>
+                  <a:pt x="1155" y="3286"/>
+                </a:lnTo>
+                <a:lnTo>
+                  <a:pt x="1161" y="3283"/>
+                </a:lnTo>
+                <a:lnTo>
+                  <a:pt x="1165" y="3281"/>
+                </a:lnTo>
+                <a:lnTo>
+                  <a:pt x="1345" y="3100"/>
+                </a:lnTo>
+                <a:lnTo>
+                  <a:pt x="5760" y="3100"/>
+                </a:lnTo>
+                <a:lnTo>
+                  <a:pt x="5760" y="0"/>
+                </a:lnTo>
+                <a:close/>
+              </a:path>
+            </a:pathLst>
+          </a:custGeom>
+          <a:noFill/>
+          <a:ln>
+            <a:solidFill>
+              <a:schemeClr val="tx2"/>
+            </a:solidFill>
+          </a:ln>
+        </p:spPr>
+        <p:style>
+          <a:lnRef idx="1">
+            <a:schemeClr val="accent1"/>
+          </a:lnRef>
+          <a:fillRef idx="3">
+            <a:schemeClr val="accent1"/>
+          </a:fillRef>
+          <a:effectRef idx="2">
+            <a:schemeClr val="accent1"/>
+          </a:effectRef>
+          <a:fontRef idx="minor">
+            <a:schemeClr val="lt1"/>
+          </a:fontRef>
+        </p:style>
+        <p:txBody>
+          <a:bodyPr wrap="square" numCol="1" anchor="t" anchorCtr="0" compatLnSpc="1">
+            <a:prstTxWarp prst="textNoShape">
+              <a:avLst/>
+            </a:prstTxWarp>
+            <a:normAutofit/>
+          </a:bodyPr>
+          <a:lstStyle>
+            <a:lvl1pPr marL="0" indent="0" algn="ctr">
+              <a:buFontTx/>
+              <a:buNone/>
+              <a:defRPr sz="1600"/>
+            </a:lvl1pPr>
+          </a:lstStyle>
+          <a:p>
+            <a:r>
+              <a:rPr lang="en-US"/>
+              <a:t>Click icon to add picture</a:t>
+            </a:r>
+            <a:endParaRPr lang="en-US" dirty="0"/>
+          </a:p>
+        </p:txBody>
+      </p:sp>
+      <p:sp>
+        <p:nvSpPr>
+          <p:cNvPr id="4" name="Text Placeholder 3"/>
+          <p:cNvSpPr>
+            <a:spLocks noGrp="1"/>
+          </p:cNvSpPr>
+          <p:nvPr>
+            <p:ph type="body" sz="half" idx="2"/>
+          </p:nvPr>
+        </p:nvSpPr>
+        <p:spPr>
+          <a:xfrm>
+            <a:off x="810000" y="5367338"/>
+            <a:ext cx="10561418" cy="493712"/>
+          </a:xfrm>
+        </p:spPr>
+        <p:txBody>
+          <a:bodyPr>
+            <a:normAutofit/>
+          </a:bodyPr>
+          <a:lstStyle>
+            <a:lvl1pPr marL="0" indent="0">
+              <a:buNone/>
+              <a:defRPr sz="1200"/>
+            </a:lvl1pPr>
+            <a:lvl2pPr marL="457200" indent="0">
+              <a:buNone/>
+              <a:defRPr sz="1200"/>
+            </a:lvl2pPr>
+            <a:lvl3pPr marL="914400" indent="0">
+              <a:buNone/>
+              <a:defRPr sz="1000"/>
+            </a:lvl3pPr>
+            <a:lvl4pPr marL="1371600" indent="0">
+              <a:buNone/>
+              <a:defRPr sz="900"/>
+            </a:lvl4pPr>
+            <a:lvl5pPr marL="1828800" indent="0">
+              <a:buNone/>
+              <a:defRPr sz="900"/>
+            </a:lvl5pPr>
+            <a:lvl6pPr marL="2286000" indent="0">
+              <a:buNone/>
+              <a:defRPr sz="900"/>
+            </a:lvl6pPr>
+            <a:lvl7pPr marL="2743200" indent="0">
+              <a:buNone/>
+              <a:defRPr sz="900"/>
+            </a:lvl7pPr>
+            <a:lvl8pPr marL="3200400" indent="0">
+              <a:buNone/>
+              <a:defRPr sz="900"/>
+            </a:lvl8pPr>
+            <a:lvl9pPr marL="3657600" indent="0">
+              <a:buNone/>
+              <a:defRPr sz="900"/>
+            </a:lvl9pPr>
+          </a:lstStyle>
+          <a:p>
+            <a:pPr lvl="0"/>
+            <a:r>
+              <a:rPr lang="en-US"/>
+              <a:t>Click to edit Master text styles</a:t>
+            </a:r>
+          </a:p>
+        </p:txBody>
+      </p:sp>
+      <p:sp>
+        <p:nvSpPr>
+          <p:cNvPr id="5" name="Date Placeholder 4"/>
+          <p:cNvSpPr>
+            <a:spLocks noGrp="1"/>
+          </p:cNvSpPr>
+          <p:nvPr>
+            <p:ph type="dt" sz="half" idx="10"/>
+          </p:nvPr>
+        </p:nvSpPr>
+        <p:spPr/>
+        <p:txBody>
+          <a:bodyPr/>
+          <a:lstStyle/>
+          <a:p>
+            <a:pPr algn="r"/>
+            <a:fld id="{A37D6D71-8B28-4ED6-B932-04B197003D23}" type="datetimeFigureOut">
+              <a:rPr lang="en-US" smtClean="0"/>
+              <a:pPr algn="r"/>
+              <a:t>3/7/2023</a:t>
+            </a:fld>
+            <a:endParaRPr lang="en-US" spc="50"/>
+          </a:p>
+        </p:txBody>
+      </p:sp>
+      <p:sp>
+        <p:nvSpPr>
+          <p:cNvPr id="6" name="Footer Placeholder 5"/>
+          <p:cNvSpPr>
+            <a:spLocks noGrp="1"/>
+          </p:cNvSpPr>
+          <p:nvPr>
+            <p:ph type="ftr" sz="quarter" idx="11"/>
+          </p:nvPr>
+        </p:nvSpPr>
+        <p:spPr/>
+        <p:txBody>
+          <a:bodyPr/>
+          <a:lstStyle/>
+          <a:p>
+            <a:endParaRPr lang="en-US" spc="50"/>
+          </a:p>
+        </p:txBody>
+      </p:sp>
+      <p:sp>
+        <p:nvSpPr>
+          <p:cNvPr id="7" name="Slide Number Placeholder 6"/>
+          <p:cNvSpPr>
+            <a:spLocks noGrp="1"/>
+          </p:cNvSpPr>
+          <p:nvPr>
+            <p:ph type="sldNum" sz="quarter" idx="12"/>
+          </p:nvPr>
+        </p:nvSpPr>
+        <p:spPr/>
+        <p:txBody>
+          <a:bodyPr/>
+          <a:lstStyle/>
+          <a:p>
+            <a:pPr algn="l"/>
+            <a:fld id="{F97E8200-1950-409B-82E7-99938E7AE355}" type="slidenum">
+              <a:rPr lang="en-US" smtClean="0"/>
+              <a:pPr algn="l"/>
+              <a:t>‹#›</a:t>
+            </a:fld>
+            <a:endParaRPr lang="en-US"/>
+          </a:p>
+        </p:txBody>
+      </p:sp>
+    </p:spTree>
+    <p:extLst>
+      <p:ext uri="{BB962C8B-B14F-4D97-AF65-F5344CB8AC3E}">
+        <p14:creationId xmlns:p14="http://schemas.microsoft.com/office/powerpoint/2010/main" val="3923183274"/>
+      </p:ext>
+    </p:extLst>
+  </p:cSld>
+  <p:clrMapOvr>
+    <a:masterClrMapping/>
+  </p:clrMapOvr>
+</p:sldLayout>
+</file>
+
+<file path=ppt/slideLayouts/slideLayout11.xml><?xml version="1.0" encoding="utf-8"?>
+<p:sldLayout xmlns:a="http://schemas.openxmlformats.org/drawingml/2006/main" xmlns:r="http://schemas.openxmlformats.org/officeDocument/2006/relationships" xmlns:p="http://schemas.openxmlformats.org/presentationml/2006/main" preserve="1">
+  <p:cSld name="Quote with Caption">
+    <p:spTree>
+      <p:nvGrpSpPr>
+        <p:cNvPr id="1" name=""/>
+        <p:cNvGrpSpPr/>
+        <p:nvPr/>
+      </p:nvGrpSpPr>
+      <p:grpSpPr>
+        <a:xfrm>
+          <a:off x="0" y="0"/>
+          <a:ext cx="0" cy="0"/>
+          <a:chOff x="0" y="0"/>
+          <a:chExt cx="0" cy="0"/>
+        </a:xfrm>
+      </p:grpSpPr>
+      <p:sp>
+        <p:nvSpPr>
+          <p:cNvPr id="8" name="Freeform 6"/>
+          <p:cNvSpPr>
+            <a:spLocks noChangeAspect="1"/>
+          </p:cNvSpPr>
+          <p:nvPr/>
+        </p:nvSpPr>
+        <p:spPr bwMode="auto">
+          <a:xfrm>
+            <a:off x="631697" y="1081456"/>
+            <a:ext cx="6332416" cy="3239188"/>
+          </a:xfrm>
+          <a:custGeom>
+            <a:avLst/>
+            <a:gdLst/>
+            <a:ahLst/>
+            <a:cxnLst/>
+            <a:rect l="0" t="0" r="r" b="b"/>
+            <a:pathLst>
+              <a:path w="3384" h="2308">
+                <a:moveTo>
+                  <a:pt x="3340" y="0"/>
+                </a:moveTo>
+                <a:lnTo>
+                  <a:pt x="44" y="0"/>
+                </a:lnTo>
+                <a:lnTo>
+                  <a:pt x="44" y="0"/>
+                </a:lnTo>
+                <a:lnTo>
+                  <a:pt x="34" y="0"/>
+                </a:lnTo>
+                <a:lnTo>
+                  <a:pt x="26" y="4"/>
+                </a:lnTo>
+                <a:lnTo>
+                  <a:pt x="20" y="8"/>
+                </a:lnTo>
+                <a:lnTo>
+                  <a:pt x="12" y="12"/>
+                </a:lnTo>
+                <a:lnTo>
+                  <a:pt x="8" y="20"/>
+                </a:lnTo>
+                <a:lnTo>
+                  <a:pt x="4" y="26"/>
+                </a:lnTo>
+                <a:lnTo>
+                  <a:pt x="0" y="34"/>
+                </a:lnTo>
+                <a:lnTo>
+                  <a:pt x="0" y="44"/>
+                </a:lnTo>
+                <a:lnTo>
+                  <a:pt x="0" y="2076"/>
+                </a:lnTo>
+                <a:lnTo>
+                  <a:pt x="0" y="2076"/>
+                </a:lnTo>
+                <a:lnTo>
+                  <a:pt x="0" y="2086"/>
+                </a:lnTo>
+                <a:lnTo>
+                  <a:pt x="4" y="2094"/>
+                </a:lnTo>
+                <a:lnTo>
+                  <a:pt x="8" y="2100"/>
+                </a:lnTo>
+                <a:lnTo>
+                  <a:pt x="12" y="2108"/>
+                </a:lnTo>
+                <a:lnTo>
+                  <a:pt x="20" y="2112"/>
+                </a:lnTo>
+                <a:lnTo>
+                  <a:pt x="26" y="2116"/>
+                </a:lnTo>
+                <a:lnTo>
+                  <a:pt x="34" y="2120"/>
+                </a:lnTo>
+                <a:lnTo>
+                  <a:pt x="44" y="2120"/>
+                </a:lnTo>
+                <a:lnTo>
+                  <a:pt x="474" y="2120"/>
+                </a:lnTo>
+                <a:lnTo>
+                  <a:pt x="650" y="2296"/>
+                </a:lnTo>
+                <a:lnTo>
+                  <a:pt x="650" y="2296"/>
+                </a:lnTo>
+                <a:lnTo>
+                  <a:pt x="656" y="2300"/>
+                </a:lnTo>
+                <a:lnTo>
+                  <a:pt x="664" y="2304"/>
+                </a:lnTo>
+                <a:lnTo>
+                  <a:pt x="672" y="2308"/>
+                </a:lnTo>
+                <a:lnTo>
+                  <a:pt x="680" y="2308"/>
+                </a:lnTo>
+                <a:lnTo>
+                  <a:pt x="688" y="2308"/>
+                </a:lnTo>
+                <a:lnTo>
+                  <a:pt x="696" y="2304"/>
+                </a:lnTo>
+                <a:lnTo>
+                  <a:pt x="704" y="2300"/>
+                </a:lnTo>
+                <a:lnTo>
+                  <a:pt x="710" y="2296"/>
+                </a:lnTo>
+                <a:lnTo>
+                  <a:pt x="886" y="2120"/>
+                </a:lnTo>
+                <a:lnTo>
+                  <a:pt x="3340" y="2120"/>
+                </a:lnTo>
+                <a:lnTo>
+                  <a:pt x="3340" y="2120"/>
+                </a:lnTo>
+                <a:lnTo>
+                  <a:pt x="3350" y="2120"/>
+                </a:lnTo>
+                <a:lnTo>
+                  <a:pt x="3358" y="2116"/>
+                </a:lnTo>
+                <a:lnTo>
+                  <a:pt x="3364" y="2112"/>
+                </a:lnTo>
+                <a:lnTo>
+                  <a:pt x="3372" y="2108"/>
+                </a:lnTo>
+                <a:lnTo>
+                  <a:pt x="3376" y="2100"/>
+                </a:lnTo>
+                <a:lnTo>
+                  <a:pt x="3380" y="2094"/>
+                </a:lnTo>
+                <a:lnTo>
+                  <a:pt x="3384" y="2086"/>
+                </a:lnTo>
+                <a:lnTo>
+                  <a:pt x="3384" y="2076"/>
+                </a:lnTo>
+                <a:lnTo>
+                  <a:pt x="3384" y="44"/>
+                </a:lnTo>
+                <a:lnTo>
+                  <a:pt x="3384" y="44"/>
+                </a:lnTo>
+                <a:lnTo>
+                  <a:pt x="3384" y="34"/>
+                </a:lnTo>
+                <a:lnTo>
+                  <a:pt x="3380" y="26"/>
+                </a:lnTo>
+                <a:lnTo>
+                  <a:pt x="3376" y="20"/>
+                </a:lnTo>
+                <a:lnTo>
+                  <a:pt x="3372" y="12"/>
+                </a:lnTo>
+                <a:lnTo>
+                  <a:pt x="3364" y="8"/>
+                </a:lnTo>
+                <a:lnTo>
+                  <a:pt x="3358" y="4"/>
+                </a:lnTo>
+                <a:lnTo>
+                  <a:pt x="3350" y="0"/>
+                </a:lnTo>
+                <a:lnTo>
+                  <a:pt x="3340" y="0"/>
+                </a:lnTo>
+                <a:lnTo>
+                  <a:pt x="3340" y="0"/>
+                </a:lnTo>
+                <a:close/>
+              </a:path>
+            </a:pathLst>
+          </a:custGeom>
+          <a:ln>
+            <a:solidFill>
+              <a:schemeClr val="accent1"/>
+            </a:solidFill>
+          </a:ln>
+        </p:spPr>
+        <p:style>
+          <a:lnRef idx="1">
+            <a:schemeClr val="accent1"/>
+          </a:lnRef>
+          <a:fillRef idx="3">
+            <a:schemeClr val="accent1"/>
+          </a:fillRef>
+          <a:effectRef idx="2">
+            <a:schemeClr val="accent1"/>
+          </a:effectRef>
+          <a:fontRef idx="minor">
+            <a:schemeClr val="lt1"/>
+          </a:fontRef>
+        </p:style>
+      </p:sp>
+      <p:sp>
+        <p:nvSpPr>
+          <p:cNvPr id="2" name="Title 1"/>
+          <p:cNvSpPr>
+            <a:spLocks noGrp="1"/>
+          </p:cNvSpPr>
+          <p:nvPr>
+            <p:ph type="title"/>
+          </p:nvPr>
+        </p:nvSpPr>
+        <p:spPr>
+          <a:xfrm>
+            <a:off x="850985" y="1238502"/>
+            <a:ext cx="5893840" cy="2645912"/>
+          </a:xfrm>
+        </p:spPr>
+        <p:txBody>
+          <a:bodyPr anchor="b"/>
+          <a:lstStyle>
+            <a:lvl1pPr algn="l">
+              <a:defRPr sz="4200" b="1" cap="none"/>
+            </a:lvl1pPr>
+          </a:lstStyle>
+          <a:p>
+            <a:r>
+              <a:rPr lang="en-US"/>
+              <a:t>Click to edit Master title style</a:t>
+            </a:r>
+            <a:endParaRPr lang="en-US" dirty="0"/>
+          </a:p>
+        </p:txBody>
+      </p:sp>
+      <p:sp>
+        <p:nvSpPr>
+          <p:cNvPr id="3" name="Text Placeholder 2"/>
+          <p:cNvSpPr>
+            <a:spLocks noGrp="1"/>
+          </p:cNvSpPr>
+          <p:nvPr>
+            <p:ph type="body" idx="1"/>
+          </p:nvPr>
+        </p:nvSpPr>
+        <p:spPr>
+          <a:xfrm>
+            <a:off x="853190" y="4443680"/>
+            <a:ext cx="5891636" cy="713241"/>
+          </a:xfrm>
+        </p:spPr>
+        <p:txBody>
+          <a:bodyPr anchor="t">
+            <a:noAutofit/>
+          </a:bodyPr>
+          <a:lstStyle>
+            <a:lvl1pPr marL="0" indent="0" algn="l">
+              <a:buNone/>
+              <a:defRPr sz="1800">
+                <a:solidFill>
+                  <a:schemeClr val="tx1"/>
+                </a:solidFill>
+              </a:defRPr>
+            </a:lvl1pPr>
+            <a:lvl2pPr marL="457200" indent="0">
+              <a:buNone/>
+              <a:defRPr sz="1800">
+                <a:solidFill>
+                  <a:schemeClr val="tx1">
+                    <a:tint val="75000"/>
+                  </a:schemeClr>
+                </a:solidFill>
+              </a:defRPr>
+            </a:lvl2pPr>
+            <a:lvl3pPr marL="914400" indent="0">
+              <a:buNone/>
+              <a:defRPr sz="1600">
+                <a:solidFill>
+                  <a:schemeClr val="tx1">
+                    <a:tint val="75000"/>
+                  </a:schemeClr>
+                </a:solidFill>
+              </a:defRPr>
+            </a:lvl3pPr>
+            <a:lvl4pPr marL="1371600" indent="0">
+              <a:buNone/>
+              <a:defRPr sz="1400">
+                <a:solidFill>
+                  <a:schemeClr val="tx1">
+                    <a:tint val="75000"/>
+                  </a:schemeClr>
+                </a:solidFill>
+              </a:defRPr>
+            </a:lvl4pPr>
+            <a:lvl5pPr marL="1828800" indent="0">
+              <a:buNone/>
+              <a:defRPr sz="1400">
+                <a:solidFill>
+                  <a:schemeClr val="tx1">
+                    <a:tint val="75000"/>
+                  </a:schemeClr>
+                </a:solidFill>
+              </a:defRPr>
+            </a:lvl5pPr>
+            <a:lvl6pPr marL="2286000" indent="0">
+              <a:buNone/>
+              <a:defRPr sz="1400">
+                <a:solidFill>
+                  <a:schemeClr val="tx1">
+                    <a:tint val="75000"/>
+                  </a:schemeClr>
+                </a:solidFill>
+              </a:defRPr>
+            </a:lvl6pPr>
+            <a:lvl7pPr marL="2743200" indent="0">
+              <a:buNone/>
+              <a:defRPr sz="1400">
+                <a:solidFill>
+                  <a:schemeClr val="tx1">
+                    <a:tint val="75000"/>
+                  </a:schemeClr>
+                </a:solidFill>
+              </a:defRPr>
+            </a:lvl7pPr>
+            <a:lvl8pPr marL="3200400" indent="0">
+              <a:buNone/>
+              <a:defRPr sz="1400">
+                <a:solidFill>
+                  <a:schemeClr val="tx1">
+                    <a:tint val="75000"/>
+                  </a:schemeClr>
+                </a:solidFill>
+              </a:defRPr>
+            </a:lvl8pPr>
+            <a:lvl9pPr marL="3657600" indent="0">
+              <a:buNone/>
+              <a:defRPr sz="1400">
+                <a:solidFill>
+                  <a:schemeClr val="tx1">
+                    <a:tint val="75000"/>
+                  </a:schemeClr>
+                </a:solidFill>
+              </a:defRPr>
+            </a:lvl9pPr>
+          </a:lstStyle>
+          <a:p>
+            <a:pPr lvl="0"/>
+            <a:r>
+              <a:rPr lang="en-US"/>
+              <a:t>Click to edit Master text styles</a:t>
+            </a:r>
+          </a:p>
+        </p:txBody>
+      </p:sp>
+      <p:sp>
+        <p:nvSpPr>
+          <p:cNvPr id="9" name="Text Placeholder 5"/>
+          <p:cNvSpPr>
+            <a:spLocks noGrp="1"/>
+          </p:cNvSpPr>
+          <p:nvPr>
+            <p:ph type="body" sz="quarter" idx="16"/>
+          </p:nvPr>
+        </p:nvSpPr>
+        <p:spPr>
+          <a:xfrm>
+            <a:off x="7574642" y="1081456"/>
+            <a:ext cx="3810001" cy="4075465"/>
+          </a:xfrm>
+        </p:spPr>
+        <p:txBody>
+          <a:bodyPr anchor="t"/>
+          <a:lstStyle>
+            <a:lvl1pPr marL="0" indent="0">
+              <a:buFontTx/>
+              <a:buNone/>
+              <a:defRPr/>
+            </a:lvl1pPr>
+          </a:lstStyle>
+          <a:p>
+            <a:pPr lvl="0"/>
+            <a:r>
+              <a:rPr lang="en-US"/>
+              <a:t>Click to edit Master text styles</a:t>
+            </a:r>
+          </a:p>
+        </p:txBody>
+      </p:sp>
+      <p:sp>
+        <p:nvSpPr>
+          <p:cNvPr id="4" name="Date Placeholder 3"/>
+          <p:cNvSpPr>
+            <a:spLocks noGrp="1"/>
+          </p:cNvSpPr>
+          <p:nvPr>
+            <p:ph type="dt" sz="half" idx="10"/>
+          </p:nvPr>
+        </p:nvSpPr>
+        <p:spPr/>
+        <p:txBody>
+          <a:bodyPr/>
+          <a:lstStyle/>
+          <a:p>
+            <a:pPr algn="r"/>
+            <a:fld id="{A37D6D71-8B28-4ED6-B932-04B197003D23}" type="datetimeFigureOut">
+              <a:rPr lang="en-US" smtClean="0"/>
+              <a:pPr algn="r"/>
+              <a:t>3/7/2023</a:t>
+            </a:fld>
+            <a:endParaRPr lang="en-US" spc="50"/>
+          </a:p>
+        </p:txBody>
+      </p:sp>
+      <p:sp>
+        <p:nvSpPr>
+          <p:cNvPr id="5" name="Footer Placeholder 4"/>
+          <p:cNvSpPr>
+            <a:spLocks noGrp="1"/>
+          </p:cNvSpPr>
+          <p:nvPr>
+            <p:ph type="ftr" sz="quarter" idx="11"/>
+          </p:nvPr>
+        </p:nvSpPr>
+        <p:spPr/>
+        <p:txBody>
+          <a:bodyPr/>
+          <a:lstStyle/>
+          <a:p>
+            <a:endParaRPr lang="en-US" spc="50"/>
+          </a:p>
+        </p:txBody>
+      </p:sp>
+      <p:sp>
+        <p:nvSpPr>
+          <p:cNvPr id="6" name="Slide Number Placeholder 5"/>
+          <p:cNvSpPr>
+            <a:spLocks noGrp="1"/>
+          </p:cNvSpPr>
+          <p:nvPr>
+            <p:ph type="sldNum" sz="quarter" idx="12"/>
+          </p:nvPr>
+        </p:nvSpPr>
+        <p:spPr/>
+        <p:txBody>
+          <a:bodyPr/>
+          <a:lstStyle/>
+          <a:p>
+            <a:pPr algn="l"/>
+            <a:fld id="{F97E8200-1950-409B-82E7-99938E7AE355}" type="slidenum">
+              <a:rPr lang="en-US" smtClean="0"/>
+              <a:pPr algn="l"/>
+              <a:t>‹#›</a:t>
+            </a:fld>
+            <a:endParaRPr lang="en-US"/>
+          </a:p>
+        </p:txBody>
+      </p:sp>
+    </p:spTree>
+    <p:extLst>
+      <p:ext uri="{BB962C8B-B14F-4D97-AF65-F5344CB8AC3E}">
+        <p14:creationId xmlns:p14="http://schemas.microsoft.com/office/powerpoint/2010/main" val="1438853414"/>
+      </p:ext>
+    </p:extLst>
+  </p:cSld>
+  <p:clrMapOvr>
+    <a:masterClrMapping/>
+  </p:clrMapOvr>
+</p:sldLayout>
+</file>
+
+<file path=ppt/slideLayouts/slideLayout12.xml><?xml version="1.0" encoding="utf-8"?>
+<p:sldLayout xmlns:a="http://schemas.openxmlformats.org/drawingml/2006/main" xmlns:r="http://schemas.openxmlformats.org/officeDocument/2006/relationships" xmlns:p="http://schemas.openxmlformats.org/presentationml/2006/main" preserve="1">
+  <p:cSld name="Name Card">
+    <p:spTree>
+      <p:nvGrpSpPr>
+        <p:cNvPr id="1" name=""/>
+        <p:cNvGrpSpPr/>
+        <p:nvPr/>
+      </p:nvGrpSpPr>
+      <p:grpSpPr>
+        <a:xfrm>
+          <a:off x="0" y="0"/>
+          <a:ext cx="0" cy="0"/>
+          <a:chOff x="0" y="0"/>
+          <a:chExt cx="0" cy="0"/>
+        </a:xfrm>
+      </p:grpSpPr>
+      <p:sp>
+        <p:nvSpPr>
+          <p:cNvPr id="9" name="Freeform 6"/>
+          <p:cNvSpPr>
+            <a:spLocks noChangeAspect="1"/>
+          </p:cNvSpPr>
+          <p:nvPr/>
+        </p:nvSpPr>
+        <p:spPr bwMode="auto">
+          <a:xfrm>
+            <a:off x="1140884" y="2286585"/>
+            <a:ext cx="4895115" cy="2503972"/>
+          </a:xfrm>
+          <a:custGeom>
+            <a:avLst/>
+            <a:gdLst/>
+            <a:ahLst/>
+            <a:cxnLst/>
+            <a:rect l="0" t="0" r="r" b="b"/>
+            <a:pathLst>
+              <a:path w="3384" h="2308">
+                <a:moveTo>
+                  <a:pt x="3340" y="0"/>
+                </a:moveTo>
+                <a:lnTo>
+                  <a:pt x="44" y="0"/>
+                </a:lnTo>
+                <a:lnTo>
+                  <a:pt x="44" y="0"/>
+                </a:lnTo>
+                <a:lnTo>
+                  <a:pt x="34" y="0"/>
+                </a:lnTo>
+                <a:lnTo>
+                  <a:pt x="26" y="4"/>
+                </a:lnTo>
+                <a:lnTo>
+                  <a:pt x="20" y="8"/>
+                </a:lnTo>
+                <a:lnTo>
+                  <a:pt x="12" y="12"/>
+                </a:lnTo>
+                <a:lnTo>
+                  <a:pt x="8" y="20"/>
+                </a:lnTo>
+                <a:lnTo>
+                  <a:pt x="4" y="26"/>
+                </a:lnTo>
+                <a:lnTo>
+                  <a:pt x="0" y="34"/>
+                </a:lnTo>
+                <a:lnTo>
+                  <a:pt x="0" y="44"/>
+                </a:lnTo>
+                <a:lnTo>
+                  <a:pt x="0" y="2076"/>
+                </a:lnTo>
+                <a:lnTo>
+                  <a:pt x="0" y="2076"/>
+                </a:lnTo>
+                <a:lnTo>
+                  <a:pt x="0" y="2086"/>
+                </a:lnTo>
+                <a:lnTo>
+                  <a:pt x="4" y="2094"/>
+                </a:lnTo>
+                <a:lnTo>
+                  <a:pt x="8" y="2100"/>
+                </a:lnTo>
+                <a:lnTo>
+                  <a:pt x="12" y="2108"/>
+                </a:lnTo>
+                <a:lnTo>
+                  <a:pt x="20" y="2112"/>
+                </a:lnTo>
+                <a:lnTo>
+                  <a:pt x="26" y="2116"/>
+                </a:lnTo>
+                <a:lnTo>
+                  <a:pt x="34" y="2120"/>
+                </a:lnTo>
+                <a:lnTo>
+                  <a:pt x="44" y="2120"/>
+                </a:lnTo>
+                <a:lnTo>
+                  <a:pt x="474" y="2120"/>
+                </a:lnTo>
+                <a:lnTo>
+                  <a:pt x="650" y="2296"/>
+                </a:lnTo>
+                <a:lnTo>
+                  <a:pt x="650" y="2296"/>
+                </a:lnTo>
+                <a:lnTo>
+                  <a:pt x="656" y="2300"/>
+                </a:lnTo>
+                <a:lnTo>
+                  <a:pt x="664" y="2304"/>
+                </a:lnTo>
+                <a:lnTo>
+                  <a:pt x="672" y="2308"/>
+                </a:lnTo>
+                <a:lnTo>
+                  <a:pt x="680" y="2308"/>
+                </a:lnTo>
+                <a:lnTo>
+                  <a:pt x="688" y="2308"/>
+                </a:lnTo>
+                <a:lnTo>
+                  <a:pt x="696" y="2304"/>
+                </a:lnTo>
+                <a:lnTo>
+                  <a:pt x="704" y="2300"/>
+                </a:lnTo>
+                <a:lnTo>
+                  <a:pt x="710" y="2296"/>
+                </a:lnTo>
+                <a:lnTo>
+                  <a:pt x="886" y="2120"/>
+                </a:lnTo>
+                <a:lnTo>
+                  <a:pt x="3340" y="2120"/>
+                </a:lnTo>
+                <a:lnTo>
+                  <a:pt x="3340" y="2120"/>
+                </a:lnTo>
+                <a:lnTo>
+                  <a:pt x="3350" y="2120"/>
+                </a:lnTo>
+                <a:lnTo>
+                  <a:pt x="3358" y="2116"/>
+                </a:lnTo>
+                <a:lnTo>
+                  <a:pt x="3364" y="2112"/>
+                </a:lnTo>
+                <a:lnTo>
+                  <a:pt x="3372" y="2108"/>
+                </a:lnTo>
+                <a:lnTo>
+                  <a:pt x="3376" y="2100"/>
+                </a:lnTo>
+                <a:lnTo>
+                  <a:pt x="3380" y="2094"/>
+                </a:lnTo>
+                <a:lnTo>
+                  <a:pt x="3384" y="2086"/>
+                </a:lnTo>
+                <a:lnTo>
+                  <a:pt x="3384" y="2076"/>
+                </a:lnTo>
+                <a:lnTo>
+                  <a:pt x="3384" y="44"/>
+                </a:lnTo>
+                <a:lnTo>
+                  <a:pt x="3384" y="44"/>
+                </a:lnTo>
+                <a:lnTo>
+                  <a:pt x="3384" y="34"/>
+                </a:lnTo>
+                <a:lnTo>
+                  <a:pt x="3380" y="26"/>
+                </a:lnTo>
+                <a:lnTo>
+                  <a:pt x="3376" y="20"/>
+                </a:lnTo>
+                <a:lnTo>
+                  <a:pt x="3372" y="12"/>
+                </a:lnTo>
+                <a:lnTo>
+                  <a:pt x="3364" y="8"/>
+                </a:lnTo>
+                <a:lnTo>
+                  <a:pt x="3358" y="4"/>
+                </a:lnTo>
+                <a:lnTo>
+                  <a:pt x="3350" y="0"/>
+                </a:lnTo>
+                <a:lnTo>
+                  <a:pt x="3340" y="0"/>
+                </a:lnTo>
+                <a:lnTo>
+                  <a:pt x="3340" y="0"/>
+                </a:lnTo>
+                <a:close/>
+              </a:path>
+            </a:pathLst>
+          </a:custGeom>
+          <a:ln>
+            <a:solidFill>
+              <a:schemeClr val="accent1"/>
+            </a:solidFill>
+          </a:ln>
+        </p:spPr>
+        <p:style>
+          <a:lnRef idx="1">
+            <a:schemeClr val="accent1"/>
+          </a:lnRef>
+          <a:fillRef idx="3">
+            <a:schemeClr val="accent1"/>
+          </a:fillRef>
+          <a:effectRef idx="2">
+            <a:schemeClr val="accent1"/>
+          </a:effectRef>
+          <a:fontRef idx="minor">
+            <a:schemeClr val="lt1"/>
+          </a:fontRef>
+        </p:style>
+      </p:sp>
+      <p:sp>
+        <p:nvSpPr>
+          <p:cNvPr id="38" name="Title 1"/>
+          <p:cNvSpPr>
+            <a:spLocks noGrp="1"/>
+          </p:cNvSpPr>
+          <p:nvPr>
+            <p:ph type="title"/>
+          </p:nvPr>
+        </p:nvSpPr>
+        <p:spPr>
+          <a:xfrm>
+            <a:off x="1357089" y="2435957"/>
+            <a:ext cx="4382521" cy="2007789"/>
+          </a:xfrm>
+        </p:spPr>
+        <p:txBody>
+          <a:bodyPr/>
+          <a:lstStyle>
+            <a:lvl1pPr>
+              <a:defRPr sz="3200"/>
+            </a:lvl1pPr>
+          </a:lstStyle>
+          <a:p>
+            <a:r>
+              <a:rPr lang="en-US"/>
+              <a:t>Click to edit Master title style</a:t>
+            </a:r>
+            <a:endParaRPr lang="en-US" dirty="0"/>
+          </a:p>
+        </p:txBody>
+      </p:sp>
+      <p:sp>
+        <p:nvSpPr>
+          <p:cNvPr id="6" name="Text Placeholder 5"/>
+          <p:cNvSpPr>
+            <a:spLocks noGrp="1"/>
+          </p:cNvSpPr>
+          <p:nvPr>
+            <p:ph type="body" sz="quarter" idx="16"/>
+          </p:nvPr>
+        </p:nvSpPr>
+        <p:spPr>
+          <a:xfrm>
+            <a:off x="6156000" y="2286000"/>
+            <a:ext cx="4880300" cy="2295525"/>
+          </a:xfrm>
+        </p:spPr>
+        <p:txBody>
+          <a:bodyPr anchor="t"/>
+          <a:lstStyle>
+            <a:lvl1pPr marL="0" indent="0">
+              <a:buFontTx/>
+              <a:buNone/>
+              <a:defRPr/>
+            </a:lvl1pPr>
+          </a:lstStyle>
+          <a:p>
+            <a:pPr lvl="0"/>
+            <a:r>
+              <a:rPr lang="en-US"/>
+              <a:t>Click to edit Master text styles</a:t>
+            </a:r>
+          </a:p>
+        </p:txBody>
+      </p:sp>
+      <p:sp>
+        <p:nvSpPr>
+          <p:cNvPr id="2" name="Date Placeholder 1"/>
+          <p:cNvSpPr>
+            <a:spLocks noGrp="1"/>
+          </p:cNvSpPr>
+          <p:nvPr>
+            <p:ph type="dt" sz="half" idx="10"/>
+          </p:nvPr>
+        </p:nvSpPr>
+        <p:spPr/>
+        <p:txBody>
+          <a:bodyPr/>
+          <a:lstStyle/>
+          <a:p>
+            <a:pPr algn="r"/>
+            <a:fld id="{A37D6D71-8B28-4ED6-B932-04B197003D23}" type="datetimeFigureOut">
+              <a:rPr lang="en-US" smtClean="0"/>
+              <a:pPr algn="r"/>
+              <a:t>3/7/2023</a:t>
+            </a:fld>
+            <a:endParaRPr lang="en-US" spc="50"/>
+          </a:p>
+        </p:txBody>
+      </p:sp>
+      <p:sp>
+        <p:nvSpPr>
+          <p:cNvPr id="3" name="Footer Placeholder 2"/>
+          <p:cNvSpPr>
+            <a:spLocks noGrp="1"/>
+          </p:cNvSpPr>
+          <p:nvPr>
+            <p:ph type="ftr" sz="quarter" idx="11"/>
+          </p:nvPr>
+        </p:nvSpPr>
+        <p:spPr/>
+        <p:txBody>
+          <a:bodyPr/>
+          <a:lstStyle/>
+          <a:p>
+            <a:endParaRPr lang="en-US" spc="50"/>
+          </a:p>
+        </p:txBody>
+      </p:sp>
+      <p:sp>
+        <p:nvSpPr>
+          <p:cNvPr id="4" name="Slide Number Placeholder 3"/>
+          <p:cNvSpPr>
+            <a:spLocks noGrp="1"/>
+          </p:cNvSpPr>
+          <p:nvPr>
+            <p:ph type="sldNum" sz="quarter" idx="12"/>
+          </p:nvPr>
+        </p:nvSpPr>
+        <p:spPr/>
+        <p:txBody>
+          <a:bodyPr/>
+          <a:lstStyle/>
+          <a:p>
+            <a:pPr algn="l"/>
+            <a:fld id="{F97E8200-1950-409B-82E7-99938E7AE355}" type="slidenum">
+              <a:rPr lang="en-US" smtClean="0"/>
+              <a:pPr algn="l"/>
+              <a:t>‹#›</a:t>
+            </a:fld>
+            <a:endParaRPr lang="en-US"/>
+          </a:p>
+        </p:txBody>
+      </p:sp>
+    </p:spTree>
+    <p:extLst>
+      <p:ext uri="{BB962C8B-B14F-4D97-AF65-F5344CB8AC3E}">
+        <p14:creationId xmlns:p14="http://schemas.microsoft.com/office/powerpoint/2010/main" val="2658139310"/>
+      </p:ext>
+    </p:extLst>
+  </p:cSld>
+  <p:clrMapOvr>
+    <a:masterClrMapping/>
+  </p:clrMapOvr>
+</p:sldLayout>
+</file>
+
+<file path=ppt/slideLayouts/slideLayout13.xml><?xml version="1.0" encoding="utf-8"?>
 <p:sldLayout xmlns:a="http://schemas.openxmlformats.org/drawingml/2006/main" xmlns:r="http://schemas.openxmlformats.org/officeDocument/2006/relationships" xmlns:p="http://schemas.openxmlformats.org/presentationml/2006/main" type="vertTx" preserve="1">
   <p:cSld name="Title and Vertical Text">
     <p:spTree>
@@ -454,13 +2072,110 @@
       </p:grpSpPr>
       <p:sp>
         <p:nvSpPr>
-          <p:cNvPr id="2" name="Title 1">
-            <a:extLst>
-              <a:ext uri="{FF2B5EF4-FFF2-40B4-BE49-F238E27FC236}">
-                <a16:creationId xmlns:a16="http://schemas.microsoft.com/office/drawing/2014/main" id="{596327B9-64C6-4AFE-8E67-F60CD17A800E}"/>
-              </a:ext>
-            </a:extLst>
-          </p:cNvPr>
+          <p:cNvPr id="7" name="Freeform 6"/>
+          <p:cNvSpPr/>
+          <p:nvPr/>
+        </p:nvSpPr>
+        <p:spPr bwMode="auto">
+          <a:xfrm>
+            <a:off x="0" y="0"/>
+            <a:ext cx="12192000" cy="2185988"/>
+          </a:xfrm>
+          <a:custGeom>
+            <a:avLst/>
+            <a:gdLst/>
+            <a:ahLst/>
+            <a:cxnLst/>
+            <a:rect l="0" t="0" r="r" b="b"/>
+            <a:pathLst>
+              <a:path w="5760" h="1377">
+                <a:moveTo>
+                  <a:pt x="5760" y="0"/>
+                </a:moveTo>
+                <a:lnTo>
+                  <a:pt x="0" y="0"/>
+                </a:lnTo>
+                <a:lnTo>
+                  <a:pt x="0" y="1189"/>
+                </a:lnTo>
+                <a:lnTo>
+                  <a:pt x="943" y="1189"/>
+                </a:lnTo>
+                <a:lnTo>
+                  <a:pt x="1123" y="1369"/>
+                </a:lnTo>
+                <a:lnTo>
+                  <a:pt x="1123" y="1369"/>
+                </a:lnTo>
+                <a:lnTo>
+                  <a:pt x="1127" y="1371"/>
+                </a:lnTo>
+                <a:lnTo>
+                  <a:pt x="1133" y="1374"/>
+                </a:lnTo>
+                <a:lnTo>
+                  <a:pt x="1139" y="1377"/>
+                </a:lnTo>
+                <a:lnTo>
+                  <a:pt x="1144" y="1377"/>
+                </a:lnTo>
+                <a:lnTo>
+                  <a:pt x="1150" y="1377"/>
+                </a:lnTo>
+                <a:lnTo>
+                  <a:pt x="1155" y="1374"/>
+                </a:lnTo>
+                <a:lnTo>
+                  <a:pt x="1161" y="1371"/>
+                </a:lnTo>
+                <a:lnTo>
+                  <a:pt x="1165" y="1369"/>
+                </a:lnTo>
+                <a:lnTo>
+                  <a:pt x="1345" y="1189"/>
+                </a:lnTo>
+                <a:lnTo>
+                  <a:pt x="5760" y="1189"/>
+                </a:lnTo>
+                <a:lnTo>
+                  <a:pt x="5760" y="0"/>
+                </a:lnTo>
+                <a:close/>
+              </a:path>
+            </a:pathLst>
+          </a:custGeom>
+          <a:ln/>
+          <a:extLst>
+            <a:ext uri="{91240B29-F687-4f45-9708-019B960494DF}">
+              <a14:hiddenLine xmlns:a14="http://schemas.microsoft.com/office/drawing/2010/main" xmlns="" w="9525">
+                <a:solidFill>
+                  <a:srgbClr val="000000"/>
+                </a:solidFill>
+                <a:round/>
+                <a:headEnd/>
+                <a:tailEnd/>
+              </a14:hiddenLine>
+            </a:ext>
+          </a:extLst>
+        </p:spPr>
+        <p:style>
+          <a:lnRef idx="1">
+            <a:schemeClr val="accent1"/>
+          </a:lnRef>
+          <a:fillRef idx="3">
+            <a:schemeClr val="accent1"/>
+          </a:fillRef>
+          <a:effectRef idx="2">
+            <a:schemeClr val="accent1"/>
+          </a:effectRef>
+          <a:fontRef idx="minor">
+            <a:schemeClr val="lt1"/>
+          </a:fontRef>
+        </p:style>
+      </p:sp>
+      <p:sp>
+        <p:nvSpPr>
+          <p:cNvPr id="2" name="Title 1"/>
           <p:cNvSpPr>
             <a:spLocks noGrp="1"/>
           </p:cNvSpPr>
@@ -477,18 +2192,13 @@
               <a:rPr lang="en-US"/>
               <a:t>Click to edit Master title style</a:t>
             </a:r>
-          </a:p>
-        </p:txBody>
-      </p:sp>
-      <p:sp>
-        <p:nvSpPr>
-          <p:cNvPr id="3" name="Vertical Text Placeholder 2">
-            <a:extLst>
-              <a:ext uri="{FF2B5EF4-FFF2-40B4-BE49-F238E27FC236}">
-                <a16:creationId xmlns:a16="http://schemas.microsoft.com/office/drawing/2014/main" id="{7692656D-F600-4D76-8A0F-BDBE78759BD4}"/>
-              </a:ext>
-            </a:extLst>
-          </p:cNvPr>
+            <a:endParaRPr lang="en-US" dirty="0"/>
+          </a:p>
+        </p:txBody>
+      </p:sp>
+      <p:sp>
+        <p:nvSpPr>
+          <p:cNvPr id="3" name="Vertical Text Placeholder 2"/>
           <p:cNvSpPr>
             <a:spLocks noGrp="1"/>
           </p:cNvSpPr>
@@ -498,7 +2208,7 @@
         </p:nvSpPr>
         <p:spPr/>
         <p:txBody>
-          <a:bodyPr vert="eaVert"/>
+          <a:bodyPr vert="eaVert" anchor="t"/>
           <a:lstStyle/>
           <a:p>
             <a:pPr lvl="0"/>
@@ -534,18 +2244,13 @@
               <a:rPr lang="en-US"/>
               <a:t>Fifth level</a:t>
             </a:r>
-          </a:p>
-        </p:txBody>
-      </p:sp>
-      <p:sp>
-        <p:nvSpPr>
-          <p:cNvPr id="7" name="Date Placeholder 6">
-            <a:extLst>
-              <a:ext uri="{FF2B5EF4-FFF2-40B4-BE49-F238E27FC236}">
-                <a16:creationId xmlns:a16="http://schemas.microsoft.com/office/drawing/2014/main" id="{86A13412-4939-4879-B91F-BB5B029B6CEB}"/>
-              </a:ext>
-            </a:extLst>
-          </p:cNvPr>
+            <a:endParaRPr lang="en-US" dirty="0"/>
+          </a:p>
+        </p:txBody>
+      </p:sp>
+      <p:sp>
+        <p:nvSpPr>
+          <p:cNvPr id="4" name="Date Placeholder 3"/>
           <p:cNvSpPr>
             <a:spLocks noGrp="1"/>
           </p:cNvSpPr>
@@ -562,21 +2267,15 @@
             <a:fld id="{A37D6D71-8B28-4ED6-B932-04B197003D23}" type="datetimeFigureOut">
               <a:rPr lang="en-US" smtClean="0"/>
               <a:pPr algn="r"/>
-              <a:t>3/2/2023</a:t>
+              <a:t>3/7/2023</a:t>
             </a:fld>
-            <a:endParaRPr lang="en-US" dirty="0"/>
-          </a:p>
-        </p:txBody>
-      </p:sp>
-      <p:sp>
-        <p:nvSpPr>
-          <p:cNvPr id="8" name="Footer Placeholder 7">
-            <a:extLst>
-              <a:ext uri="{FF2B5EF4-FFF2-40B4-BE49-F238E27FC236}">
-                <a16:creationId xmlns:a16="http://schemas.microsoft.com/office/drawing/2014/main" id="{95237DB9-DE7D-4687-82D7-612600F06C3E}"/>
-              </a:ext>
-            </a:extLst>
-          </p:cNvPr>
+            <a:endParaRPr lang="en-US"/>
+          </a:p>
+        </p:txBody>
+      </p:sp>
+      <p:sp>
+        <p:nvSpPr>
+          <p:cNvPr id="5" name="Footer Placeholder 4"/>
           <p:cNvSpPr>
             <a:spLocks noGrp="1"/>
           </p:cNvSpPr>
@@ -589,7 +2288,7 @@
           <a:bodyPr/>
           <a:lstStyle/>
           <a:p>
-            <a:endParaRPr lang="en-US" dirty="0">
+            <a:endParaRPr lang="en-US">
               <a:solidFill>
                 <a:schemeClr val="tx1"/>
               </a:solidFill>
@@ -599,13 +2298,7 @@
       </p:sp>
       <p:sp>
         <p:nvSpPr>
-          <p:cNvPr id="9" name="Slide Number Placeholder 8">
-            <a:extLst>
-              <a:ext uri="{FF2B5EF4-FFF2-40B4-BE49-F238E27FC236}">
-                <a16:creationId xmlns:a16="http://schemas.microsoft.com/office/drawing/2014/main" id="{6C819356-0444-4C23-82D3-E2FDE28D3DCB}"/>
-              </a:ext>
-            </a:extLst>
-          </p:cNvPr>
+          <p:cNvPr id="6" name="Slide Number Placeholder 5"/>
           <p:cNvSpPr>
             <a:spLocks noGrp="1"/>
           </p:cNvSpPr>
@@ -624,14 +2317,14 @@
               <a:pPr algn="l"/>
               <a:t>‹#›</a:t>
             </a:fld>
-            <a:endParaRPr lang="en-US" dirty="0"/>
+            <a:endParaRPr lang="en-US"/>
           </a:p>
         </p:txBody>
       </p:sp>
     </p:spTree>
     <p:extLst>
       <p:ext uri="{BB962C8B-B14F-4D97-AF65-F5344CB8AC3E}">
-        <p14:creationId xmlns:p14="http://schemas.microsoft.com/office/powerpoint/2010/main" val="2181534143"/>
+        <p14:creationId xmlns:p14="http://schemas.microsoft.com/office/powerpoint/2010/main" val="3739553493"/>
       </p:ext>
     </p:extLst>
   </p:cSld>
@@ -641,8 +2334,8 @@
 </p:sldLayout>
 </file>
 
-<file path=ppt/slideLayouts/slideLayout11.xml><?xml version="1.0" encoding="utf-8"?>
-<p:sldLayout xmlns:a="http://schemas.openxmlformats.org/drawingml/2006/main" xmlns:r="http://schemas.openxmlformats.org/officeDocument/2006/relationships" xmlns:p="http://schemas.openxmlformats.org/presentationml/2006/main" showMasterSp="0" type="vertTitleAndTx" preserve="1">
+<file path=ppt/slideLayouts/slideLayout14.xml><?xml version="1.0" encoding="utf-8"?>
+<p:sldLayout xmlns:a="http://schemas.openxmlformats.org/drawingml/2006/main" xmlns:r="http://schemas.openxmlformats.org/officeDocument/2006/relationships" xmlns:p="http://schemas.openxmlformats.org/presentationml/2006/main" type="vertTitleAndTx" preserve="1">
   <p:cSld name="Vertical Title and Text">
     <p:spTree>
       <p:nvGrpSpPr>
@@ -660,65 +2353,112 @@
       </p:grpSpPr>
       <p:sp>
         <p:nvSpPr>
-          <p:cNvPr id="11" name="Rectangle 10">
-            <a:extLst>
-              <a:ext uri="{FF2B5EF4-FFF2-40B4-BE49-F238E27FC236}">
-                <a16:creationId xmlns:a16="http://schemas.microsoft.com/office/drawing/2014/main" id="{8EB51B7C-D548-4AB7-90A4-C196105E6D56}"/>
-              </a:ext>
-            </a:extLst>
-          </p:cNvPr>
-          <p:cNvSpPr/>
+          <p:cNvPr id="12" name="Freeform 6"/>
+          <p:cNvSpPr>
+            <a:spLocks noChangeAspect="1"/>
+          </p:cNvSpPr>
           <p:nvPr/>
         </p:nvSpPr>
-        <p:spPr>
+        <p:spPr bwMode="auto">
           <a:xfrm>
-            <a:off x="7108274" y="0"/>
-            <a:ext cx="5083725" cy="6858000"/>
+            <a:off x="7669651" y="446089"/>
+            <a:ext cx="4522349" cy="5414962"/>
           </a:xfrm>
-          <a:prstGeom prst="rect">
+          <a:custGeom>
             <a:avLst/>
-          </a:prstGeom>
-          <a:solidFill>
-            <a:schemeClr val="tx1"/>
-          </a:solidFill>
-          <a:ln>
-            <a:noFill/>
-          </a:ln>
+            <a:gdLst/>
+            <a:ahLst/>
+            <a:cxnLst/>
+            <a:rect l="0" t="0" r="r" b="b"/>
+            <a:pathLst>
+              <a:path w="2879" h="4320">
+                <a:moveTo>
+                  <a:pt x="183" y="0"/>
+                </a:moveTo>
+                <a:lnTo>
+                  <a:pt x="183" y="1197"/>
+                </a:lnTo>
+                <a:lnTo>
+                  <a:pt x="8" y="1372"/>
+                </a:lnTo>
+                <a:lnTo>
+                  <a:pt x="8" y="1372"/>
+                </a:lnTo>
+                <a:lnTo>
+                  <a:pt x="6" y="1376"/>
+                </a:lnTo>
+                <a:lnTo>
+                  <a:pt x="3" y="1382"/>
+                </a:lnTo>
+                <a:lnTo>
+                  <a:pt x="0" y="1387"/>
+                </a:lnTo>
+                <a:lnTo>
+                  <a:pt x="0" y="1393"/>
+                </a:lnTo>
+                <a:lnTo>
+                  <a:pt x="0" y="1399"/>
+                </a:lnTo>
+                <a:lnTo>
+                  <a:pt x="3" y="1404"/>
+                </a:lnTo>
+                <a:lnTo>
+                  <a:pt x="6" y="1410"/>
+                </a:lnTo>
+                <a:lnTo>
+                  <a:pt x="8" y="1414"/>
+                </a:lnTo>
+                <a:lnTo>
+                  <a:pt x="183" y="1589"/>
+                </a:lnTo>
+                <a:lnTo>
+                  <a:pt x="183" y="4320"/>
+                </a:lnTo>
+                <a:lnTo>
+                  <a:pt x="2879" y="4320"/>
+                </a:lnTo>
+                <a:lnTo>
+                  <a:pt x="2879" y="0"/>
+                </a:lnTo>
+                <a:lnTo>
+                  <a:pt x="183" y="0"/>
+                </a:lnTo>
+                <a:close/>
+              </a:path>
+            </a:pathLst>
+          </a:custGeom>
+          <a:ln/>
+          <a:extLst>
+            <a:ext uri="{91240B29-F687-4f45-9708-019B960494DF}">
+              <a14:hiddenLine xmlns:a14="http://schemas.microsoft.com/office/drawing/2010/main" xmlns="" w="9525">
+                <a:solidFill>
+                  <a:srgbClr val="000000"/>
+                </a:solidFill>
+                <a:round/>
+                <a:headEnd/>
+                <a:tailEnd/>
+              </a14:hiddenLine>
+            </a:ext>
+          </a:extLst>
         </p:spPr>
         <p:style>
-          <a:lnRef idx="2">
-            <a:schemeClr val="accent1">
-              <a:shade val="50000"/>
-            </a:schemeClr>
+          <a:lnRef idx="1">
+            <a:schemeClr val="accent1"/>
           </a:lnRef>
-          <a:fillRef idx="1">
+          <a:fillRef idx="3">
             <a:schemeClr val="accent1"/>
           </a:fillRef>
-          <a:effectRef idx="0">
+          <a:effectRef idx="2">
             <a:schemeClr val="accent1"/>
           </a:effectRef>
           <a:fontRef idx="minor">
             <a:schemeClr val="lt1"/>
           </a:fontRef>
         </p:style>
-        <p:txBody>
-          <a:bodyPr rtlCol="0" anchor="ctr"/>
-          <a:lstStyle/>
-          <a:p>
-            <a:pPr algn="ctr"/>
-            <a:endParaRPr lang="en-US"/>
-          </a:p>
-        </p:txBody>
-      </p:sp>
-      <p:sp>
-        <p:nvSpPr>
-          <p:cNvPr id="2" name="Vertical Title 1">
-            <a:extLst>
-              <a:ext uri="{FF2B5EF4-FFF2-40B4-BE49-F238E27FC236}">
-                <a16:creationId xmlns:a16="http://schemas.microsoft.com/office/drawing/2014/main" id="{32DC521B-8B54-4843-9FF4-B2C30FA0043F}"/>
-              </a:ext>
-            </a:extLst>
-          </p:cNvPr>
+      </p:sp>
+      <p:sp>
+        <p:nvSpPr>
+          <p:cNvPr id="2" name="Vertical Title 1"/>
           <p:cNvSpPr>
             <a:spLocks noGrp="1"/>
           </p:cNvSpPr>
@@ -728,12 +2468,12 @@
         </p:nvSpPr>
         <p:spPr>
           <a:xfrm>
-            <a:off x="7751740" y="643467"/>
-            <a:ext cx="3477092" cy="5533495"/>
+            <a:off x="8183540" y="586171"/>
+            <a:ext cx="2494791" cy="5134798"/>
           </a:xfrm>
         </p:spPr>
         <p:txBody>
-          <a:bodyPr vert="eaVert" tIns="91440" bIns="91440"/>
+          <a:bodyPr vert="eaVert"/>
           <a:lstStyle/>
           <a:p>
             <a:r>
@@ -746,13 +2486,7 @@
       </p:sp>
       <p:sp>
         <p:nvSpPr>
-          <p:cNvPr id="3" name="Vertical Text Placeholder 2">
-            <a:extLst>
-              <a:ext uri="{FF2B5EF4-FFF2-40B4-BE49-F238E27FC236}">
-                <a16:creationId xmlns:a16="http://schemas.microsoft.com/office/drawing/2014/main" id="{410E3F10-9E27-41E6-A965-4243E37BE3D5}"/>
-              </a:ext>
-            </a:extLst>
-          </p:cNvPr>
+          <p:cNvPr id="3" name="Vertical Text Placeholder 2"/>
           <p:cNvSpPr>
             <a:spLocks noGrp="1"/>
           </p:cNvSpPr>
@@ -762,12 +2496,12 @@
         </p:nvSpPr>
         <p:spPr>
           <a:xfrm>
-            <a:off x="960120" y="643467"/>
-            <a:ext cx="5504687" cy="5533496"/>
+            <a:off x="810001" y="446089"/>
+            <a:ext cx="6611540" cy="5414962"/>
           </a:xfrm>
         </p:spPr>
         <p:txBody>
-          <a:bodyPr vert="eaVert" tIns="91440" bIns="91440"/>
+          <a:bodyPr vert="eaVert" anchor="t"/>
           <a:lstStyle/>
           <a:p>
             <a:pPr lvl="0"/>
@@ -809,13 +2543,7 @@
       </p:sp>
       <p:sp>
         <p:nvSpPr>
-          <p:cNvPr id="7" name="Date Placeholder 6">
-            <a:extLst>
-              <a:ext uri="{FF2B5EF4-FFF2-40B4-BE49-F238E27FC236}">
-                <a16:creationId xmlns:a16="http://schemas.microsoft.com/office/drawing/2014/main" id="{6341D62D-51A0-4AD7-8027-BF548FB6AAF3}"/>
-              </a:ext>
-            </a:extLst>
-          </p:cNvPr>
+          <p:cNvPr id="4" name="Date Placeholder 3"/>
           <p:cNvSpPr>
             <a:spLocks noGrp="1"/>
           </p:cNvSpPr>
@@ -823,43 +2551,24 @@
             <p:ph type="dt" sz="half" idx="10"/>
           </p:nvPr>
         </p:nvSpPr>
-        <p:spPr>
-          <a:xfrm>
-            <a:off x="7617898" y="6356350"/>
-            <a:ext cx="2522798" cy="365125"/>
-          </a:xfrm>
-        </p:spPr>
+        <p:spPr/>
         <p:txBody>
           <a:bodyPr/>
-          <a:lstStyle>
-            <a:lvl1pPr>
-              <a:defRPr>
-                <a:solidFill>
-                  <a:schemeClr val="bg1"/>
-                </a:solidFill>
-              </a:defRPr>
-            </a:lvl1pPr>
-          </a:lstStyle>
+          <a:lstStyle/>
           <a:p>
             <a:pPr algn="r"/>
             <a:fld id="{A37D6D71-8B28-4ED6-B932-04B197003D23}" type="datetimeFigureOut">
               <a:rPr lang="en-US" smtClean="0"/>
               <a:pPr algn="r"/>
-              <a:t>3/2/2023</a:t>
+              <a:t>3/7/2023</a:t>
             </a:fld>
-            <a:endParaRPr lang="en-US" dirty="0"/>
-          </a:p>
-        </p:txBody>
-      </p:sp>
-      <p:sp>
-        <p:nvSpPr>
-          <p:cNvPr id="8" name="Footer Placeholder 7">
-            <a:extLst>
-              <a:ext uri="{FF2B5EF4-FFF2-40B4-BE49-F238E27FC236}">
-                <a16:creationId xmlns:a16="http://schemas.microsoft.com/office/drawing/2014/main" id="{A5857492-A701-44A1-B1D5-7B2C8CD06582}"/>
-              </a:ext>
-            </a:extLst>
-          </p:cNvPr>
+            <a:endParaRPr lang="en-US"/>
+          </a:p>
+        </p:txBody>
+      </p:sp>
+      <p:sp>
+        <p:nvSpPr>
+          <p:cNvPr id="5" name="Footer Placeholder 4"/>
           <p:cNvSpPr>
             <a:spLocks noGrp="1"/>
           </p:cNvSpPr>
@@ -872,7 +2581,7 @@
           <a:bodyPr/>
           <a:lstStyle/>
           <a:p>
-            <a:endParaRPr lang="en-US" dirty="0">
+            <a:endParaRPr lang="en-US">
               <a:solidFill>
                 <a:schemeClr val="tx1"/>
               </a:solidFill>
@@ -882,13 +2591,7 @@
       </p:sp>
       <p:sp>
         <p:nvSpPr>
-          <p:cNvPr id="9" name="Slide Number Placeholder 8">
-            <a:extLst>
-              <a:ext uri="{FF2B5EF4-FFF2-40B4-BE49-F238E27FC236}">
-                <a16:creationId xmlns:a16="http://schemas.microsoft.com/office/drawing/2014/main" id="{EED2E8AE-F1AA-4D19-A434-102501D3B460}"/>
-              </a:ext>
-            </a:extLst>
-          </p:cNvPr>
+          <p:cNvPr id="6" name="Slide Number Placeholder 5"/>
           <p:cNvSpPr>
             <a:spLocks noGrp="1"/>
           </p:cNvSpPr>
@@ -899,15 +2602,7 @@
         <p:spPr/>
         <p:txBody>
           <a:bodyPr/>
-          <a:lstStyle>
-            <a:lvl1pPr>
-              <a:defRPr>
-                <a:solidFill>
-                  <a:schemeClr val="bg1"/>
-                </a:solidFill>
-              </a:defRPr>
-            </a:lvl1pPr>
-          </a:lstStyle>
+          <a:lstStyle/>
           <a:p>
             <a:pPr algn="l"/>
             <a:fld id="{F97E8200-1950-409B-82E7-99938E7AE355}" type="slidenum">
@@ -915,14 +2610,14 @@
               <a:pPr algn="l"/>
               <a:t>‹#›</a:t>
             </a:fld>
-            <a:endParaRPr lang="en-US" dirty="0"/>
+            <a:endParaRPr lang="en-US"/>
           </a:p>
         </p:txBody>
       </p:sp>
     </p:spTree>
     <p:extLst>
       <p:ext uri="{BB962C8B-B14F-4D97-AF65-F5344CB8AC3E}">
-        <p14:creationId xmlns:p14="http://schemas.microsoft.com/office/powerpoint/2010/main" val="3466857924"/>
+        <p14:creationId xmlns:p14="http://schemas.microsoft.com/office/powerpoint/2010/main" val="3206255622"/>
       </p:ext>
     </p:extLst>
   </p:cSld>
@@ -951,13 +2646,110 @@
       </p:grpSpPr>
       <p:sp>
         <p:nvSpPr>
-          <p:cNvPr id="2" name="Title 1">
-            <a:extLst>
-              <a:ext uri="{FF2B5EF4-FFF2-40B4-BE49-F238E27FC236}">
-                <a16:creationId xmlns:a16="http://schemas.microsoft.com/office/drawing/2014/main" id="{2E380910-921F-4143-AB01-0F0AFC2908C4}"/>
-              </a:ext>
-            </a:extLst>
-          </p:cNvPr>
+          <p:cNvPr id="11" name="Freeform 6"/>
+          <p:cNvSpPr/>
+          <p:nvPr/>
+        </p:nvSpPr>
+        <p:spPr bwMode="auto">
+          <a:xfrm>
+            <a:off x="0" y="0"/>
+            <a:ext cx="12192000" cy="2185988"/>
+          </a:xfrm>
+          <a:custGeom>
+            <a:avLst/>
+            <a:gdLst/>
+            <a:ahLst/>
+            <a:cxnLst/>
+            <a:rect l="0" t="0" r="r" b="b"/>
+            <a:pathLst>
+              <a:path w="5760" h="1377">
+                <a:moveTo>
+                  <a:pt x="5760" y="0"/>
+                </a:moveTo>
+                <a:lnTo>
+                  <a:pt x="0" y="0"/>
+                </a:lnTo>
+                <a:lnTo>
+                  <a:pt x="0" y="1189"/>
+                </a:lnTo>
+                <a:lnTo>
+                  <a:pt x="943" y="1189"/>
+                </a:lnTo>
+                <a:lnTo>
+                  <a:pt x="1123" y="1369"/>
+                </a:lnTo>
+                <a:lnTo>
+                  <a:pt x="1123" y="1369"/>
+                </a:lnTo>
+                <a:lnTo>
+                  <a:pt x="1127" y="1371"/>
+                </a:lnTo>
+                <a:lnTo>
+                  <a:pt x="1133" y="1374"/>
+                </a:lnTo>
+                <a:lnTo>
+                  <a:pt x="1139" y="1377"/>
+                </a:lnTo>
+                <a:lnTo>
+                  <a:pt x="1144" y="1377"/>
+                </a:lnTo>
+                <a:lnTo>
+                  <a:pt x="1150" y="1377"/>
+                </a:lnTo>
+                <a:lnTo>
+                  <a:pt x="1155" y="1374"/>
+                </a:lnTo>
+                <a:lnTo>
+                  <a:pt x="1161" y="1371"/>
+                </a:lnTo>
+                <a:lnTo>
+                  <a:pt x="1165" y="1369"/>
+                </a:lnTo>
+                <a:lnTo>
+                  <a:pt x="1345" y="1189"/>
+                </a:lnTo>
+                <a:lnTo>
+                  <a:pt x="5760" y="1189"/>
+                </a:lnTo>
+                <a:lnTo>
+                  <a:pt x="5760" y="0"/>
+                </a:lnTo>
+                <a:close/>
+              </a:path>
+            </a:pathLst>
+          </a:custGeom>
+          <a:ln/>
+          <a:extLst>
+            <a:ext uri="{91240B29-F687-4f45-9708-019B960494DF}">
+              <a14:hiddenLine xmlns:a14="http://schemas.microsoft.com/office/drawing/2010/main" xmlns="" w="9525">
+                <a:solidFill>
+                  <a:srgbClr val="000000"/>
+                </a:solidFill>
+                <a:round/>
+                <a:headEnd/>
+                <a:tailEnd/>
+              </a14:hiddenLine>
+            </a:ext>
+          </a:extLst>
+        </p:spPr>
+        <p:style>
+          <a:lnRef idx="1">
+            <a:schemeClr val="accent1"/>
+          </a:lnRef>
+          <a:fillRef idx="3">
+            <a:schemeClr val="accent1"/>
+          </a:fillRef>
+          <a:effectRef idx="2">
+            <a:schemeClr val="accent1"/>
+          </a:effectRef>
+          <a:fontRef idx="minor">
+            <a:schemeClr val="lt1"/>
+          </a:fontRef>
+        </p:style>
+      </p:sp>
+      <p:sp>
+        <p:nvSpPr>
+          <p:cNvPr id="2" name="Title 1"/>
           <p:cNvSpPr>
             <a:spLocks noGrp="1"/>
           </p:cNvSpPr>
@@ -965,7 +2757,12 @@
             <p:ph type="title"/>
           </p:nvPr>
         </p:nvSpPr>
-        <p:spPr/>
+        <p:spPr>
+          <a:xfrm>
+            <a:off x="810000" y="447188"/>
+            <a:ext cx="10571998" cy="970450"/>
+          </a:xfrm>
+        </p:spPr>
         <p:txBody>
           <a:bodyPr/>
           <a:lstStyle/>
@@ -974,18 +2771,13 @@
               <a:rPr lang="en-US"/>
               <a:t>Click to edit Master title style</a:t>
             </a:r>
-          </a:p>
-        </p:txBody>
-      </p:sp>
-      <p:sp>
-        <p:nvSpPr>
-          <p:cNvPr id="3" name="Content Placeholder 2">
-            <a:extLst>
-              <a:ext uri="{FF2B5EF4-FFF2-40B4-BE49-F238E27FC236}">
-                <a16:creationId xmlns:a16="http://schemas.microsoft.com/office/drawing/2014/main" id="{6E0182FC-5A0B-4C24-A6ED-990ED5BA9085}"/>
-              </a:ext>
-            </a:extLst>
-          </p:cNvPr>
+            <a:endParaRPr lang="en-US" dirty="0"/>
+          </a:p>
+        </p:txBody>
+      </p:sp>
+      <p:sp>
+        <p:nvSpPr>
+          <p:cNvPr id="3" name="Content Placeholder 2"/>
           <p:cNvSpPr>
             <a:spLocks noGrp="1"/>
           </p:cNvSpPr>
@@ -993,7 +2785,12 @@
             <p:ph idx="1"/>
           </p:nvPr>
         </p:nvSpPr>
-        <p:spPr/>
+        <p:spPr>
+          <a:xfrm>
+            <a:off x="818712" y="2222287"/>
+            <a:ext cx="10554574" cy="3636511"/>
+          </a:xfrm>
+        </p:spPr>
         <p:txBody>
           <a:bodyPr/>
           <a:lstStyle/>
@@ -1031,18 +2828,13 @@
               <a:rPr lang="en-US"/>
               <a:t>Fifth level</a:t>
             </a:r>
-          </a:p>
-        </p:txBody>
-      </p:sp>
-      <p:sp>
-        <p:nvSpPr>
-          <p:cNvPr id="7" name="Date Placeholder 6">
-            <a:extLst>
-              <a:ext uri="{FF2B5EF4-FFF2-40B4-BE49-F238E27FC236}">
-                <a16:creationId xmlns:a16="http://schemas.microsoft.com/office/drawing/2014/main" id="{9B6172F4-3DB0-4AE3-8926-081B78034C68}"/>
-              </a:ext>
-            </a:extLst>
-          </p:cNvPr>
+            <a:endParaRPr lang="en-US" dirty="0"/>
+          </a:p>
+        </p:txBody>
+      </p:sp>
+      <p:sp>
+        <p:nvSpPr>
+          <p:cNvPr id="4" name="Date Placeholder 3"/>
           <p:cNvSpPr>
             <a:spLocks noGrp="1"/>
           </p:cNvSpPr>
@@ -1059,21 +2851,15 @@
             <a:fld id="{A37D6D71-8B28-4ED6-B932-04B197003D23}" type="datetimeFigureOut">
               <a:rPr lang="en-US" smtClean="0"/>
               <a:pPr algn="r"/>
-              <a:t>3/2/2023</a:t>
+              <a:t>3/7/2023</a:t>
             </a:fld>
-            <a:endParaRPr lang="en-US" dirty="0"/>
-          </a:p>
-        </p:txBody>
-      </p:sp>
-      <p:sp>
-        <p:nvSpPr>
-          <p:cNvPr id="8" name="Footer Placeholder 7">
-            <a:extLst>
-              <a:ext uri="{FF2B5EF4-FFF2-40B4-BE49-F238E27FC236}">
-                <a16:creationId xmlns:a16="http://schemas.microsoft.com/office/drawing/2014/main" id="{825F1358-C731-465B-BCB1-2CCBFD6ECF7E}"/>
-              </a:ext>
-            </a:extLst>
-          </p:cNvPr>
+            <a:endParaRPr lang="en-US"/>
+          </a:p>
+        </p:txBody>
+      </p:sp>
+      <p:sp>
+        <p:nvSpPr>
+          <p:cNvPr id="5" name="Footer Placeholder 4"/>
           <p:cNvSpPr>
             <a:spLocks noGrp="1"/>
           </p:cNvSpPr>
@@ -1086,7 +2872,7 @@
           <a:bodyPr/>
           <a:lstStyle/>
           <a:p>
-            <a:endParaRPr lang="en-US" dirty="0">
+            <a:endParaRPr lang="en-US">
               <a:solidFill>
                 <a:schemeClr val="tx1"/>
               </a:solidFill>
@@ -1096,13 +2882,7 @@
       </p:sp>
       <p:sp>
         <p:nvSpPr>
-          <p:cNvPr id="9" name="Slide Number Placeholder 8">
-            <a:extLst>
-              <a:ext uri="{FF2B5EF4-FFF2-40B4-BE49-F238E27FC236}">
-                <a16:creationId xmlns:a16="http://schemas.microsoft.com/office/drawing/2014/main" id="{C8D59536-57D3-4C8A-A207-568465A32E45}"/>
-              </a:ext>
-            </a:extLst>
-          </p:cNvPr>
+          <p:cNvPr id="6" name="Slide Number Placeholder 5"/>
           <p:cNvSpPr>
             <a:spLocks noGrp="1"/>
           </p:cNvSpPr>
@@ -1121,14 +2901,14 @@
               <a:pPr algn="l"/>
               <a:t>‹#›</a:t>
             </a:fld>
-            <a:endParaRPr lang="en-US" dirty="0"/>
+            <a:endParaRPr lang="en-US"/>
           </a:p>
         </p:txBody>
       </p:sp>
     </p:spTree>
     <p:extLst>
       <p:ext uri="{BB962C8B-B14F-4D97-AF65-F5344CB8AC3E}">
-        <p14:creationId xmlns:p14="http://schemas.microsoft.com/office/powerpoint/2010/main" val="3473532104"/>
+        <p14:creationId xmlns:p14="http://schemas.microsoft.com/office/powerpoint/2010/main" val="725214153"/>
       </p:ext>
     </p:extLst>
   </p:cSld>
@@ -1139,7 +2919,7 @@
 </file>
 
 <file path=ppt/slideLayouts/slideLayout3.xml><?xml version="1.0" encoding="utf-8"?>
-<p:sldLayout xmlns:a="http://schemas.openxmlformats.org/drawingml/2006/main" xmlns:r="http://schemas.openxmlformats.org/officeDocument/2006/relationships" xmlns:p="http://schemas.openxmlformats.org/presentationml/2006/main" showMasterSp="0" type="secHead" preserve="1">
+<p:sldLayout xmlns:a="http://schemas.openxmlformats.org/drawingml/2006/main" xmlns:r="http://schemas.openxmlformats.org/officeDocument/2006/relationships" xmlns:p="http://schemas.openxmlformats.org/presentationml/2006/main" type="secHead" preserve="1">
   <p:cSld name="Section Header">
     <p:spTree>
       <p:nvGrpSpPr>
@@ -1157,65 +2937,104 @@
       </p:grpSpPr>
       <p:sp>
         <p:nvSpPr>
-          <p:cNvPr id="8" name="Rectangle 7">
-            <a:extLst>
-              <a:ext uri="{FF2B5EF4-FFF2-40B4-BE49-F238E27FC236}">
-                <a16:creationId xmlns:a16="http://schemas.microsoft.com/office/drawing/2014/main" id="{B81E0804-8E9E-4C6E-B18D-44FE715B239E}"/>
-              </a:ext>
-            </a:extLst>
-          </p:cNvPr>
+          <p:cNvPr id="10" name="Freeform 7"/>
           <p:cNvSpPr/>
           <p:nvPr/>
         </p:nvSpPr>
-        <p:spPr>
+        <p:spPr bwMode="auto">
           <a:xfrm>
-            <a:off x="0" y="0"/>
-            <a:ext cx="12192000" cy="4224973"/>
+            <a:off x="0" y="1"/>
+            <a:ext cx="12192000" cy="5203825"/>
           </a:xfrm>
-          <a:prstGeom prst="rect">
+          <a:custGeom>
             <a:avLst/>
-          </a:prstGeom>
-          <a:solidFill>
-            <a:schemeClr val="tx1"/>
-          </a:solidFill>
+            <a:gdLst/>
+            <a:ahLst/>
+            <a:cxnLst/>
+            <a:rect l="0" t="0" r="r" b="b"/>
+            <a:pathLst>
+              <a:path w="5760" h="3278">
+                <a:moveTo>
+                  <a:pt x="0" y="0"/>
+                </a:moveTo>
+                <a:lnTo>
+                  <a:pt x="5760" y="0"/>
+                </a:lnTo>
+                <a:lnTo>
+                  <a:pt x="5760" y="3090"/>
+                </a:lnTo>
+                <a:lnTo>
+                  <a:pt x="4817" y="3090"/>
+                </a:lnTo>
+                <a:lnTo>
+                  <a:pt x="4637" y="3270"/>
+                </a:lnTo>
+                <a:lnTo>
+                  <a:pt x="4637" y="3270"/>
+                </a:lnTo>
+                <a:lnTo>
+                  <a:pt x="4633" y="3272"/>
+                </a:lnTo>
+                <a:lnTo>
+                  <a:pt x="4627" y="3275"/>
+                </a:lnTo>
+                <a:lnTo>
+                  <a:pt x="4621" y="3278"/>
+                </a:lnTo>
+                <a:lnTo>
+                  <a:pt x="4616" y="3278"/>
+                </a:lnTo>
+                <a:lnTo>
+                  <a:pt x="4610" y="3278"/>
+                </a:lnTo>
+                <a:lnTo>
+                  <a:pt x="4605" y="3275"/>
+                </a:lnTo>
+                <a:lnTo>
+                  <a:pt x="4599" y="3272"/>
+                </a:lnTo>
+                <a:lnTo>
+                  <a:pt x="4595" y="3270"/>
+                </a:lnTo>
+                <a:lnTo>
+                  <a:pt x="4415" y="3090"/>
+                </a:lnTo>
+                <a:lnTo>
+                  <a:pt x="0" y="3090"/>
+                </a:lnTo>
+                <a:lnTo>
+                  <a:pt x="0" y="0"/>
+                </a:lnTo>
+                <a:lnTo>
+                  <a:pt x="0" y="0"/>
+                </a:lnTo>
+                <a:close/>
+              </a:path>
+            </a:pathLst>
+          </a:custGeom>
           <a:ln>
-            <a:noFill/>
+            <a:headEnd/>
+            <a:tailEnd/>
           </a:ln>
         </p:spPr>
         <p:style>
-          <a:lnRef idx="2">
-            <a:schemeClr val="accent1">
-              <a:shade val="50000"/>
-            </a:schemeClr>
+          <a:lnRef idx="1">
+            <a:schemeClr val="accent1"/>
           </a:lnRef>
-          <a:fillRef idx="1">
+          <a:fillRef idx="3">
             <a:schemeClr val="accent1"/>
           </a:fillRef>
-          <a:effectRef idx="0">
+          <a:effectRef idx="2">
             <a:schemeClr val="accent1"/>
           </a:effectRef>
           <a:fontRef idx="minor">
             <a:schemeClr val="lt1"/>
           </a:fontRef>
         </p:style>
-        <p:txBody>
-          <a:bodyPr rtlCol="0" anchor="ctr"/>
-          <a:lstStyle/>
-          <a:p>
-            <a:pPr algn="ctr"/>
-            <a:endParaRPr lang="en-US"/>
-          </a:p>
-        </p:txBody>
-      </p:sp>
-      <p:sp>
-        <p:nvSpPr>
-          <p:cNvPr id="2" name="Title 1">
-            <a:extLst>
-              <a:ext uri="{FF2B5EF4-FFF2-40B4-BE49-F238E27FC236}">
-                <a16:creationId xmlns:a16="http://schemas.microsoft.com/office/drawing/2014/main" id="{EC278AA1-17A5-44BF-8791-EACDA31F5D86}"/>
-              </a:ext>
-            </a:extLst>
-          </p:cNvPr>
+      </p:sp>
+      <p:sp>
+        <p:nvSpPr>
+          <p:cNvPr id="2" name="Title 1"/>
           <p:cNvSpPr>
             <a:spLocks noGrp="1"/>
           </p:cNvSpPr>
@@ -1225,58 +3044,50 @@
         </p:nvSpPr>
         <p:spPr>
           <a:xfrm>
-            <a:off x="960120" y="768096"/>
-            <a:ext cx="10268712" cy="3136392"/>
+            <a:off x="810000" y="2951396"/>
+            <a:ext cx="10561418" cy="1468800"/>
           </a:xfrm>
         </p:spPr>
         <p:txBody>
-          <a:bodyPr anchor="b">
-            <a:normAutofit/>
+          <a:bodyPr anchor="b"/>
+          <a:lstStyle>
+            <a:lvl1pPr algn="r">
+              <a:defRPr sz="4800" b="1" cap="none"/>
+            </a:lvl1pPr>
+          </a:lstStyle>
+          <a:p>
+            <a:r>
+              <a:rPr lang="en-US"/>
+              <a:t>Click to edit Master title style</a:t>
+            </a:r>
+            <a:endParaRPr lang="en-US" dirty="0"/>
+          </a:p>
+        </p:txBody>
+      </p:sp>
+      <p:sp>
+        <p:nvSpPr>
+          <p:cNvPr id="3" name="Text Placeholder 2"/>
+          <p:cNvSpPr>
+            <a:spLocks noGrp="1"/>
+          </p:cNvSpPr>
+          <p:nvPr>
+            <p:ph type="body" idx="1"/>
+          </p:nvPr>
+        </p:nvSpPr>
+        <p:spPr>
+          <a:xfrm>
+            <a:off x="810000" y="5281201"/>
+            <a:ext cx="10561418" cy="433955"/>
+          </a:xfrm>
+        </p:spPr>
+        <p:txBody>
+          <a:bodyPr anchor="t">
+            <a:noAutofit/>
           </a:bodyPr>
           <a:lstStyle>
-            <a:lvl1pPr>
-              <a:defRPr sz="7200" baseline="0"/>
-            </a:lvl1pPr>
-          </a:lstStyle>
-          <a:p>
-            <a:r>
-              <a:rPr lang="en-US"/>
-              <a:t>Click to edit Master title style</a:t>
-            </a:r>
-            <a:endParaRPr lang="en-US" dirty="0"/>
-          </a:p>
-        </p:txBody>
-      </p:sp>
-      <p:sp>
-        <p:nvSpPr>
-          <p:cNvPr id="3" name="Text Placeholder 2">
-            <a:extLst>
-              <a:ext uri="{FF2B5EF4-FFF2-40B4-BE49-F238E27FC236}">
-                <a16:creationId xmlns:a16="http://schemas.microsoft.com/office/drawing/2014/main" id="{601203A5-DA79-4778-AB85-150365748494}"/>
-              </a:ext>
-            </a:extLst>
-          </p:cNvPr>
-          <p:cNvSpPr>
-            <a:spLocks noGrp="1"/>
-          </p:cNvSpPr>
-          <p:nvPr>
-            <p:ph type="body" idx="1"/>
-          </p:nvPr>
-        </p:nvSpPr>
-        <p:spPr>
-          <a:xfrm>
-            <a:off x="960120" y="4544568"/>
-            <a:ext cx="10268712" cy="1545336"/>
-          </a:xfrm>
-        </p:spPr>
-        <p:txBody>
-          <a:bodyPr>
-            <a:normAutofit/>
-          </a:bodyPr>
-          <a:lstStyle>
-            <a:lvl1pPr marL="0" indent="0">
+            <a:lvl1pPr marL="0" indent="0" algn="r">
               <a:buNone/>
-              <a:defRPr sz="3600">
+              <a:defRPr sz="1800">
                 <a:solidFill>
                   <a:schemeClr val="tx1"/>
                 </a:solidFill>
@@ -1284,7 +3095,7 @@
             </a:lvl1pPr>
             <a:lvl2pPr marL="457200" indent="0">
               <a:buNone/>
-              <a:defRPr sz="2000">
+              <a:defRPr sz="1800">
                 <a:solidFill>
                   <a:schemeClr val="tx1">
                     <a:tint val="75000"/>
@@ -1294,7 +3105,7 @@
             </a:lvl2pPr>
             <a:lvl3pPr marL="914400" indent="0">
               <a:buNone/>
-              <a:defRPr sz="1800">
+              <a:defRPr sz="1600">
                 <a:solidFill>
                   <a:schemeClr val="tx1">
                     <a:tint val="75000"/>
@@ -1304,7 +3115,7 @@
             </a:lvl3pPr>
             <a:lvl4pPr marL="1371600" indent="0">
               <a:buNone/>
-              <a:defRPr sz="1600">
+              <a:defRPr sz="1400">
                 <a:solidFill>
                   <a:schemeClr val="tx1">
                     <a:tint val="75000"/>
@@ -1314,7 +3125,7 @@
             </a:lvl4pPr>
             <a:lvl5pPr marL="1828800" indent="0">
               <a:buNone/>
-              <a:defRPr sz="1600">
+              <a:defRPr sz="1400">
                 <a:solidFill>
                   <a:schemeClr val="tx1">
                     <a:tint val="75000"/>
@@ -1324,7 +3135,7 @@
             </a:lvl5pPr>
             <a:lvl6pPr marL="2286000" indent="0">
               <a:buNone/>
-              <a:defRPr sz="1600">
+              <a:defRPr sz="1400">
                 <a:solidFill>
                   <a:schemeClr val="tx1">
                     <a:tint val="75000"/>
@@ -1334,7 +3145,7 @@
             </a:lvl6pPr>
             <a:lvl7pPr marL="2743200" indent="0">
               <a:buNone/>
-              <a:defRPr sz="1600">
+              <a:defRPr sz="1400">
                 <a:solidFill>
                   <a:schemeClr val="tx1">
                     <a:tint val="75000"/>
@@ -1344,7 +3155,7 @@
             </a:lvl7pPr>
             <a:lvl8pPr marL="3200400" indent="0">
               <a:buNone/>
-              <a:defRPr sz="1600">
+              <a:defRPr sz="1400">
                 <a:solidFill>
                   <a:schemeClr val="tx1">
                     <a:tint val="75000"/>
@@ -1354,7 +3165,7 @@
             </a:lvl8pPr>
             <a:lvl9pPr marL="3657600" indent="0">
               <a:buNone/>
-              <a:defRPr sz="1600">
+              <a:defRPr sz="1400">
                 <a:solidFill>
                   <a:schemeClr val="tx1">
                     <a:tint val="75000"/>
@@ -1374,13 +3185,7 @@
       </p:sp>
       <p:sp>
         <p:nvSpPr>
-          <p:cNvPr id="9" name="Date Placeholder 8">
-            <a:extLst>
-              <a:ext uri="{FF2B5EF4-FFF2-40B4-BE49-F238E27FC236}">
-                <a16:creationId xmlns:a16="http://schemas.microsoft.com/office/drawing/2014/main" id="{CE3B1B5E-0912-44AE-BAED-70B980E53915}"/>
-              </a:ext>
-            </a:extLst>
-          </p:cNvPr>
+          <p:cNvPr id="4" name="Date Placeholder 3"/>
           <p:cNvSpPr>
             <a:spLocks noGrp="1"/>
           </p:cNvSpPr>
@@ -1397,21 +3202,15 @@
             <a:fld id="{A37D6D71-8B28-4ED6-B932-04B197003D23}" type="datetimeFigureOut">
               <a:rPr lang="en-US" smtClean="0"/>
               <a:pPr algn="r"/>
-              <a:t>3/2/2023</a:t>
+              <a:t>3/7/2023</a:t>
             </a:fld>
-            <a:endParaRPr lang="en-US" dirty="0"/>
-          </a:p>
-        </p:txBody>
-      </p:sp>
-      <p:sp>
-        <p:nvSpPr>
-          <p:cNvPr id="10" name="Footer Placeholder 9">
-            <a:extLst>
-              <a:ext uri="{FF2B5EF4-FFF2-40B4-BE49-F238E27FC236}">
-                <a16:creationId xmlns:a16="http://schemas.microsoft.com/office/drawing/2014/main" id="{346C82F1-A7B2-4F03-A26B-59D79BF5BFD5}"/>
-              </a:ext>
-            </a:extLst>
-          </p:cNvPr>
+            <a:endParaRPr lang="en-US"/>
+          </a:p>
+        </p:txBody>
+      </p:sp>
+      <p:sp>
+        <p:nvSpPr>
+          <p:cNvPr id="5" name="Footer Placeholder 4"/>
           <p:cNvSpPr>
             <a:spLocks noGrp="1"/>
           </p:cNvSpPr>
@@ -1424,7 +3223,7 @@
           <a:bodyPr/>
           <a:lstStyle/>
           <a:p>
-            <a:endParaRPr lang="en-US" dirty="0">
+            <a:endParaRPr lang="en-US">
               <a:solidFill>
                 <a:schemeClr val="tx1"/>
               </a:solidFill>
@@ -1434,13 +3233,7 @@
       </p:sp>
       <p:sp>
         <p:nvSpPr>
-          <p:cNvPr id="11" name="Slide Number Placeholder 10">
-            <a:extLst>
-              <a:ext uri="{FF2B5EF4-FFF2-40B4-BE49-F238E27FC236}">
-                <a16:creationId xmlns:a16="http://schemas.microsoft.com/office/drawing/2014/main" id="{B1DC1ABC-47A9-477B-A29D-F6690EE6B532}"/>
-              </a:ext>
-            </a:extLst>
-          </p:cNvPr>
+          <p:cNvPr id="6" name="Slide Number Placeholder 5"/>
           <p:cNvSpPr>
             <a:spLocks noGrp="1"/>
           </p:cNvSpPr>
@@ -1459,14 +3252,14 @@
               <a:pPr algn="l"/>
               <a:t>‹#›</a:t>
             </a:fld>
-            <a:endParaRPr lang="en-US" dirty="0"/>
+            <a:endParaRPr lang="en-US"/>
           </a:p>
         </p:txBody>
       </p:sp>
     </p:spTree>
     <p:extLst>
       <p:ext uri="{BB962C8B-B14F-4D97-AF65-F5344CB8AC3E}">
-        <p14:creationId xmlns:p14="http://schemas.microsoft.com/office/powerpoint/2010/main" val="2986349738"/>
+        <p14:creationId xmlns:p14="http://schemas.microsoft.com/office/powerpoint/2010/main" val="2823502019"/>
       </p:ext>
     </p:extLst>
   </p:cSld>
@@ -1495,13 +3288,110 @@
       </p:grpSpPr>
       <p:sp>
         <p:nvSpPr>
-          <p:cNvPr id="2" name="Title 1">
-            <a:extLst>
-              <a:ext uri="{FF2B5EF4-FFF2-40B4-BE49-F238E27FC236}">
-                <a16:creationId xmlns:a16="http://schemas.microsoft.com/office/drawing/2014/main" id="{D035F398-F05F-4793-9FA5-5B817EB95A05}"/>
-              </a:ext>
-            </a:extLst>
-          </p:cNvPr>
+          <p:cNvPr id="8" name="Freeform 6"/>
+          <p:cNvSpPr/>
+          <p:nvPr/>
+        </p:nvSpPr>
+        <p:spPr bwMode="auto">
+          <a:xfrm>
+            <a:off x="0" y="0"/>
+            <a:ext cx="12192000" cy="2185988"/>
+          </a:xfrm>
+          <a:custGeom>
+            <a:avLst/>
+            <a:gdLst/>
+            <a:ahLst/>
+            <a:cxnLst/>
+            <a:rect l="0" t="0" r="r" b="b"/>
+            <a:pathLst>
+              <a:path w="5760" h="1377">
+                <a:moveTo>
+                  <a:pt x="5760" y="0"/>
+                </a:moveTo>
+                <a:lnTo>
+                  <a:pt x="0" y="0"/>
+                </a:lnTo>
+                <a:lnTo>
+                  <a:pt x="0" y="1189"/>
+                </a:lnTo>
+                <a:lnTo>
+                  <a:pt x="943" y="1189"/>
+                </a:lnTo>
+                <a:lnTo>
+                  <a:pt x="1123" y="1369"/>
+                </a:lnTo>
+                <a:lnTo>
+                  <a:pt x="1123" y="1369"/>
+                </a:lnTo>
+                <a:lnTo>
+                  <a:pt x="1127" y="1371"/>
+                </a:lnTo>
+                <a:lnTo>
+                  <a:pt x="1133" y="1374"/>
+                </a:lnTo>
+                <a:lnTo>
+                  <a:pt x="1139" y="1377"/>
+                </a:lnTo>
+                <a:lnTo>
+                  <a:pt x="1144" y="1377"/>
+                </a:lnTo>
+                <a:lnTo>
+                  <a:pt x="1150" y="1377"/>
+                </a:lnTo>
+                <a:lnTo>
+                  <a:pt x="1155" y="1374"/>
+                </a:lnTo>
+                <a:lnTo>
+                  <a:pt x="1161" y="1371"/>
+                </a:lnTo>
+                <a:lnTo>
+                  <a:pt x="1165" y="1369"/>
+                </a:lnTo>
+                <a:lnTo>
+                  <a:pt x="1345" y="1189"/>
+                </a:lnTo>
+                <a:lnTo>
+                  <a:pt x="5760" y="1189"/>
+                </a:lnTo>
+                <a:lnTo>
+                  <a:pt x="5760" y="0"/>
+                </a:lnTo>
+                <a:close/>
+              </a:path>
+            </a:pathLst>
+          </a:custGeom>
+          <a:ln/>
+          <a:extLst>
+            <a:ext uri="{91240B29-F687-4f45-9708-019B960494DF}">
+              <a14:hiddenLine xmlns:a14="http://schemas.microsoft.com/office/drawing/2010/main" xmlns="" w="9525">
+                <a:solidFill>
+                  <a:srgbClr val="000000"/>
+                </a:solidFill>
+                <a:round/>
+                <a:headEnd/>
+                <a:tailEnd/>
+              </a14:hiddenLine>
+            </a:ext>
+          </a:extLst>
+        </p:spPr>
+        <p:style>
+          <a:lnRef idx="1">
+            <a:schemeClr val="accent1"/>
+          </a:lnRef>
+          <a:fillRef idx="3">
+            <a:schemeClr val="accent1"/>
+          </a:fillRef>
+          <a:effectRef idx="2">
+            <a:schemeClr val="accent1"/>
+          </a:effectRef>
+          <a:fontRef idx="minor">
+            <a:schemeClr val="lt1"/>
+          </a:fontRef>
+        </p:style>
+      </p:sp>
+      <p:sp>
+        <p:nvSpPr>
+          <p:cNvPr id="2" name="Title 1"/>
           <p:cNvSpPr>
             <a:spLocks noGrp="1"/>
           </p:cNvSpPr>
@@ -1518,18 +3408,13 @@
               <a:rPr lang="en-US"/>
               <a:t>Click to edit Master title style</a:t>
             </a:r>
-          </a:p>
-        </p:txBody>
-      </p:sp>
-      <p:sp>
-        <p:nvSpPr>
-          <p:cNvPr id="3" name="Content Placeholder 2">
-            <a:extLst>
-              <a:ext uri="{FF2B5EF4-FFF2-40B4-BE49-F238E27FC236}">
-                <a16:creationId xmlns:a16="http://schemas.microsoft.com/office/drawing/2014/main" id="{7617F1CD-2CD4-4BBB-AB36-73A20B1A8D69}"/>
-              </a:ext>
-            </a:extLst>
-          </p:cNvPr>
+            <a:endParaRPr lang="en-US" dirty="0"/>
+          </a:p>
+        </p:txBody>
+      </p:sp>
+      <p:sp>
+        <p:nvSpPr>
+          <p:cNvPr id="3" name="Content Placeholder 2"/>
           <p:cNvSpPr>
             <a:spLocks noGrp="1"/>
           </p:cNvSpPr>
@@ -1539,12 +3424,14 @@
         </p:nvSpPr>
         <p:spPr>
           <a:xfrm>
-            <a:off x="960120" y="2587752"/>
-            <a:ext cx="4815840" cy="3593592"/>
+            <a:off x="818712" y="2222287"/>
+            <a:ext cx="5185873" cy="3638763"/>
           </a:xfrm>
         </p:spPr>
         <p:txBody>
-          <a:bodyPr/>
+          <a:bodyPr>
+            <a:normAutofit/>
+          </a:bodyPr>
           <a:lstStyle/>
           <a:p>
             <a:pPr lvl="0"/>
@@ -1586,13 +3473,7 @@
       </p:sp>
       <p:sp>
         <p:nvSpPr>
-          <p:cNvPr id="4" name="Content Placeholder 3">
-            <a:extLst>
-              <a:ext uri="{FF2B5EF4-FFF2-40B4-BE49-F238E27FC236}">
-                <a16:creationId xmlns:a16="http://schemas.microsoft.com/office/drawing/2014/main" id="{D67BBE02-B884-4CCC-9CBD-13B792BBA2BE}"/>
-              </a:ext>
-            </a:extLst>
-          </p:cNvPr>
+          <p:cNvPr id="4" name="Content Placeholder 3"/>
           <p:cNvSpPr>
             <a:spLocks noGrp="1"/>
           </p:cNvSpPr>
@@ -1602,12 +3483,14 @@
         </p:nvSpPr>
         <p:spPr>
           <a:xfrm>
-            <a:off x="6412992" y="2583371"/>
-            <a:ext cx="4815840" cy="3593592"/>
+            <a:off x="6187415" y="2222287"/>
+            <a:ext cx="5194583" cy="3638764"/>
           </a:xfrm>
         </p:spPr>
         <p:txBody>
-          <a:bodyPr/>
+          <a:bodyPr>
+            <a:normAutofit/>
+          </a:bodyPr>
           <a:lstStyle/>
           <a:p>
             <a:pPr lvl="0"/>
@@ -1649,13 +3532,7 @@
       </p:sp>
       <p:sp>
         <p:nvSpPr>
-          <p:cNvPr id="12" name="Date Placeholder 11">
-            <a:extLst>
-              <a:ext uri="{FF2B5EF4-FFF2-40B4-BE49-F238E27FC236}">
-                <a16:creationId xmlns:a16="http://schemas.microsoft.com/office/drawing/2014/main" id="{B7FBE509-AA68-4D63-A589-AD5DE7FFFECA}"/>
-              </a:ext>
-            </a:extLst>
-          </p:cNvPr>
+          <p:cNvPr id="5" name="Date Placeholder 4"/>
           <p:cNvSpPr>
             <a:spLocks noGrp="1"/>
           </p:cNvSpPr>
@@ -1672,21 +3549,15 @@
             <a:fld id="{A37D6D71-8B28-4ED6-B932-04B197003D23}" type="datetimeFigureOut">
               <a:rPr lang="en-US" smtClean="0"/>
               <a:pPr algn="r"/>
-              <a:t>3/2/2023</a:t>
+              <a:t>3/7/2023</a:t>
             </a:fld>
-            <a:endParaRPr lang="en-US" dirty="0"/>
-          </a:p>
-        </p:txBody>
-      </p:sp>
-      <p:sp>
-        <p:nvSpPr>
-          <p:cNvPr id="13" name="Footer Placeholder 12">
-            <a:extLst>
-              <a:ext uri="{FF2B5EF4-FFF2-40B4-BE49-F238E27FC236}">
-                <a16:creationId xmlns:a16="http://schemas.microsoft.com/office/drawing/2014/main" id="{9C1A4D52-57E4-4F45-BC2C-9FD73E9CEC59}"/>
-              </a:ext>
-            </a:extLst>
-          </p:cNvPr>
+            <a:endParaRPr lang="en-US"/>
+          </a:p>
+        </p:txBody>
+      </p:sp>
+      <p:sp>
+        <p:nvSpPr>
+          <p:cNvPr id="6" name="Footer Placeholder 5"/>
           <p:cNvSpPr>
             <a:spLocks noGrp="1"/>
           </p:cNvSpPr>
@@ -1699,7 +3570,7 @@
           <a:bodyPr/>
           <a:lstStyle/>
           <a:p>
-            <a:endParaRPr lang="en-US" dirty="0">
+            <a:endParaRPr lang="en-US">
               <a:solidFill>
                 <a:schemeClr val="tx1"/>
               </a:solidFill>
@@ -1709,13 +3580,7 @@
       </p:sp>
       <p:sp>
         <p:nvSpPr>
-          <p:cNvPr id="14" name="Slide Number Placeholder 13">
-            <a:extLst>
-              <a:ext uri="{FF2B5EF4-FFF2-40B4-BE49-F238E27FC236}">
-                <a16:creationId xmlns:a16="http://schemas.microsoft.com/office/drawing/2014/main" id="{E76AD5E1-358D-4236-85AE-74713259EF08}"/>
-              </a:ext>
-            </a:extLst>
-          </p:cNvPr>
+          <p:cNvPr id="7" name="Slide Number Placeholder 6"/>
           <p:cNvSpPr>
             <a:spLocks noGrp="1"/>
           </p:cNvSpPr>
@@ -1734,14 +3599,14 @@
               <a:pPr algn="l"/>
               <a:t>‹#›</a:t>
             </a:fld>
-            <a:endParaRPr lang="en-US" dirty="0"/>
+            <a:endParaRPr lang="en-US"/>
           </a:p>
         </p:txBody>
       </p:sp>
     </p:spTree>
     <p:extLst>
       <p:ext uri="{BB962C8B-B14F-4D97-AF65-F5344CB8AC3E}">
-        <p14:creationId xmlns:p14="http://schemas.microsoft.com/office/powerpoint/2010/main" val="3573034703"/>
+        <p14:creationId xmlns:p14="http://schemas.microsoft.com/office/powerpoint/2010/main" val="4213211247"/>
       </p:ext>
     </p:extLst>
   </p:cSld>
@@ -1752,7 +3617,7 @@
 </file>
 
 <file path=ppt/slideLayouts/slideLayout5.xml><?xml version="1.0" encoding="utf-8"?>
-<p:sldLayout xmlns:a="http://schemas.openxmlformats.org/drawingml/2006/main" xmlns:r="http://schemas.openxmlformats.org/officeDocument/2006/relationships" xmlns:p="http://schemas.openxmlformats.org/presentationml/2006/main" preserve="1">
+<p:sldLayout xmlns:a="http://schemas.openxmlformats.org/drawingml/2006/main" xmlns:r="http://schemas.openxmlformats.org/officeDocument/2006/relationships" xmlns:p="http://schemas.openxmlformats.org/presentationml/2006/main" type="twoTxTwoObj" preserve="1">
   <p:cSld name="Comparison">
     <p:spTree>
       <p:nvGrpSpPr>
@@ -1770,13 +3635,137 @@
       </p:grpSpPr>
       <p:sp>
         <p:nvSpPr>
-          <p:cNvPr id="3" name="Text Placeholder 2">
-            <a:extLst>
-              <a:ext uri="{FF2B5EF4-FFF2-40B4-BE49-F238E27FC236}">
-                <a16:creationId xmlns:a16="http://schemas.microsoft.com/office/drawing/2014/main" id="{E287D32C-166A-4FBE-B24D-C25769095429}"/>
-              </a:ext>
-            </a:extLst>
-          </p:cNvPr>
+          <p:cNvPr id="10" name="Freeform 6"/>
+          <p:cNvSpPr/>
+          <p:nvPr/>
+        </p:nvSpPr>
+        <p:spPr bwMode="auto">
+          <a:xfrm>
+            <a:off x="0" y="0"/>
+            <a:ext cx="12192000" cy="2185988"/>
+          </a:xfrm>
+          <a:custGeom>
+            <a:avLst/>
+            <a:gdLst/>
+            <a:ahLst/>
+            <a:cxnLst/>
+            <a:rect l="0" t="0" r="r" b="b"/>
+            <a:pathLst>
+              <a:path w="5760" h="1377">
+                <a:moveTo>
+                  <a:pt x="5760" y="0"/>
+                </a:moveTo>
+                <a:lnTo>
+                  <a:pt x="0" y="0"/>
+                </a:lnTo>
+                <a:lnTo>
+                  <a:pt x="0" y="1189"/>
+                </a:lnTo>
+                <a:lnTo>
+                  <a:pt x="943" y="1189"/>
+                </a:lnTo>
+                <a:lnTo>
+                  <a:pt x="1123" y="1369"/>
+                </a:lnTo>
+                <a:lnTo>
+                  <a:pt x="1123" y="1369"/>
+                </a:lnTo>
+                <a:lnTo>
+                  <a:pt x="1127" y="1371"/>
+                </a:lnTo>
+                <a:lnTo>
+                  <a:pt x="1133" y="1374"/>
+                </a:lnTo>
+                <a:lnTo>
+                  <a:pt x="1139" y="1377"/>
+                </a:lnTo>
+                <a:lnTo>
+                  <a:pt x="1144" y="1377"/>
+                </a:lnTo>
+                <a:lnTo>
+                  <a:pt x="1150" y="1377"/>
+                </a:lnTo>
+                <a:lnTo>
+                  <a:pt x="1155" y="1374"/>
+                </a:lnTo>
+                <a:lnTo>
+                  <a:pt x="1161" y="1371"/>
+                </a:lnTo>
+                <a:lnTo>
+                  <a:pt x="1165" y="1369"/>
+                </a:lnTo>
+                <a:lnTo>
+                  <a:pt x="1345" y="1189"/>
+                </a:lnTo>
+                <a:lnTo>
+                  <a:pt x="5760" y="1189"/>
+                </a:lnTo>
+                <a:lnTo>
+                  <a:pt x="5760" y="0"/>
+                </a:lnTo>
+                <a:close/>
+              </a:path>
+            </a:pathLst>
+          </a:custGeom>
+          <a:ln/>
+          <a:extLst>
+            <a:ext uri="{91240B29-F687-4f45-9708-019B960494DF}">
+              <a14:hiddenLine xmlns:a14="http://schemas.microsoft.com/office/drawing/2010/main" xmlns="" w="9525">
+                <a:solidFill>
+                  <a:srgbClr val="000000"/>
+                </a:solidFill>
+                <a:round/>
+                <a:headEnd/>
+                <a:tailEnd/>
+              </a14:hiddenLine>
+            </a:ext>
+          </a:extLst>
+        </p:spPr>
+        <p:style>
+          <a:lnRef idx="1">
+            <a:schemeClr val="accent1"/>
+          </a:lnRef>
+          <a:fillRef idx="3">
+            <a:schemeClr val="accent1"/>
+          </a:fillRef>
+          <a:effectRef idx="2">
+            <a:schemeClr val="accent1"/>
+          </a:effectRef>
+          <a:fontRef idx="minor">
+            <a:schemeClr val="lt1"/>
+          </a:fontRef>
+        </p:style>
+      </p:sp>
+      <p:sp>
+        <p:nvSpPr>
+          <p:cNvPr id="2" name="Title 1"/>
+          <p:cNvSpPr>
+            <a:spLocks noGrp="1"/>
+          </p:cNvSpPr>
+          <p:nvPr>
+            <p:ph type="title"/>
+          </p:nvPr>
+        </p:nvSpPr>
+        <p:spPr/>
+        <p:txBody>
+          <a:bodyPr/>
+          <a:lstStyle>
+            <a:lvl1pPr>
+              <a:defRPr/>
+            </a:lvl1pPr>
+          </a:lstStyle>
+          <a:p>
+            <a:r>
+              <a:rPr lang="en-US"/>
+              <a:t>Click to edit Master title style</a:t>
+            </a:r>
+            <a:endParaRPr lang="en-US" dirty="0"/>
+          </a:p>
+        </p:txBody>
+      </p:sp>
+      <p:sp>
+        <p:nvSpPr>
+          <p:cNvPr id="3" name="Text Placeholder 2"/>
           <p:cNvSpPr>
             <a:spLocks noGrp="1"/>
           </p:cNvSpPr>
@@ -1786,16 +3775,18 @@
         </p:nvSpPr>
         <p:spPr>
           <a:xfrm>
-            <a:off x="960121" y="2587752"/>
-            <a:ext cx="4818888" cy="892048"/>
+            <a:off x="814728" y="2174875"/>
+            <a:ext cx="5189857" cy="576262"/>
           </a:xfrm>
         </p:spPr>
         <p:txBody>
-          <a:bodyPr anchor="ctr"/>
+          <a:bodyPr anchor="b">
+            <a:noAutofit/>
+          </a:bodyPr>
           <a:lstStyle>
-            <a:lvl1pPr marL="0" indent="0">
+            <a:lvl1pPr marL="0" indent="0" algn="ctr">
               <a:buNone/>
-              <a:defRPr sz="2600" b="0" cap="all" baseline="0"/>
+              <a:defRPr sz="2000" b="0"/>
             </a:lvl1pPr>
             <a:lvl2pPr marL="457200" indent="0">
               <a:buNone/>
@@ -1841,13 +3832,7 @@
       </p:sp>
       <p:sp>
         <p:nvSpPr>
-          <p:cNvPr id="4" name="Content Placeholder 3">
-            <a:extLst>
-              <a:ext uri="{FF2B5EF4-FFF2-40B4-BE49-F238E27FC236}">
-                <a16:creationId xmlns:a16="http://schemas.microsoft.com/office/drawing/2014/main" id="{DA9EC567-F249-462A-B71A-9C40D50E26AA}"/>
-              </a:ext>
-            </a:extLst>
-          </p:cNvPr>
+          <p:cNvPr id="4" name="Content Placeholder 3"/>
           <p:cNvSpPr>
             <a:spLocks noGrp="1"/>
           </p:cNvSpPr>
@@ -1857,12 +3842,14 @@
         </p:nvSpPr>
         <p:spPr>
           <a:xfrm>
-            <a:off x="960120" y="3594538"/>
-            <a:ext cx="4818888" cy="2586806"/>
+            <a:off x="814729" y="2751138"/>
+            <a:ext cx="5189856" cy="3109913"/>
           </a:xfrm>
         </p:spPr>
         <p:txBody>
-          <a:bodyPr/>
+          <a:bodyPr anchor="t">
+            <a:normAutofit/>
+          </a:bodyPr>
           <a:lstStyle/>
           <a:p>
             <a:pPr lvl="0"/>
@@ -1904,13 +3891,7 @@
       </p:sp>
       <p:sp>
         <p:nvSpPr>
-          <p:cNvPr id="5" name="Text Placeholder 4">
-            <a:extLst>
-              <a:ext uri="{FF2B5EF4-FFF2-40B4-BE49-F238E27FC236}">
-                <a16:creationId xmlns:a16="http://schemas.microsoft.com/office/drawing/2014/main" id="{3BB7D2C6-69D1-4DE4-BF68-5FB0623DB9E3}"/>
-              </a:ext>
-            </a:extLst>
-          </p:cNvPr>
+          <p:cNvPr id="5" name="Text Placeholder 4"/>
           <p:cNvSpPr>
             <a:spLocks noGrp="1"/>
           </p:cNvSpPr>
@@ -1920,16 +3901,18 @@
         </p:nvSpPr>
         <p:spPr>
           <a:xfrm>
-            <a:off x="6409944" y="2587752"/>
-            <a:ext cx="4818888" cy="892048"/>
+            <a:off x="6187415" y="2174875"/>
+            <a:ext cx="5194583" cy="576262"/>
           </a:xfrm>
         </p:spPr>
         <p:txBody>
-          <a:bodyPr anchor="ctr"/>
+          <a:bodyPr anchor="b">
+            <a:noAutofit/>
+          </a:bodyPr>
           <a:lstStyle>
-            <a:lvl1pPr marL="0" indent="0">
+            <a:lvl1pPr marL="0" indent="0" algn="ctr">
               <a:buNone/>
-              <a:defRPr sz="2600" b="0" cap="all" baseline="0"/>
+              <a:defRPr sz="2000" b="0"/>
             </a:lvl1pPr>
             <a:lvl2pPr marL="457200" indent="0">
               <a:buNone/>
@@ -1975,13 +3958,7 @@
       </p:sp>
       <p:sp>
         <p:nvSpPr>
-          <p:cNvPr id="6" name="Content Placeholder 5">
-            <a:extLst>
-              <a:ext uri="{FF2B5EF4-FFF2-40B4-BE49-F238E27FC236}">
-                <a16:creationId xmlns:a16="http://schemas.microsoft.com/office/drawing/2014/main" id="{53367CC7-ED09-4F8D-A39A-C5969D33B9F8}"/>
-              </a:ext>
-            </a:extLst>
-          </p:cNvPr>
+          <p:cNvPr id="6" name="Content Placeholder 5"/>
           <p:cNvSpPr>
             <a:spLocks noGrp="1"/>
           </p:cNvSpPr>
@@ -1991,12 +3968,14 @@
         </p:nvSpPr>
         <p:spPr>
           <a:xfrm>
-            <a:off x="6409944" y="3594538"/>
-            <a:ext cx="4818888" cy="2586806"/>
+            <a:off x="6187415" y="2751138"/>
+            <a:ext cx="5194583" cy="3109913"/>
           </a:xfrm>
         </p:spPr>
         <p:txBody>
-          <a:bodyPr/>
+          <a:bodyPr anchor="t">
+            <a:normAutofit/>
+          </a:bodyPr>
           <a:lstStyle/>
           <a:p>
             <a:pPr lvl="0"/>
@@ -2038,13 +4017,7 @@
       </p:sp>
       <p:sp>
         <p:nvSpPr>
-          <p:cNvPr id="10" name="Date Placeholder 9">
-            <a:extLst>
-              <a:ext uri="{FF2B5EF4-FFF2-40B4-BE49-F238E27FC236}">
-                <a16:creationId xmlns:a16="http://schemas.microsoft.com/office/drawing/2014/main" id="{5F92A44F-DE98-4FB5-B474-5DCCDD267A79}"/>
-              </a:ext>
-            </a:extLst>
-          </p:cNvPr>
+          <p:cNvPr id="7" name="Date Placeholder 6"/>
           <p:cNvSpPr>
             <a:spLocks noGrp="1"/>
           </p:cNvSpPr>
@@ -2061,21 +4034,15 @@
             <a:fld id="{A37D6D71-8B28-4ED6-B932-04B197003D23}" type="datetimeFigureOut">
               <a:rPr lang="en-US" smtClean="0"/>
               <a:pPr algn="r"/>
-              <a:t>3/2/2023</a:t>
+              <a:t>3/7/2023</a:t>
             </a:fld>
-            <a:endParaRPr lang="en-US" dirty="0"/>
-          </a:p>
-        </p:txBody>
-      </p:sp>
-      <p:sp>
-        <p:nvSpPr>
-          <p:cNvPr id="11" name="Footer Placeholder 10">
-            <a:extLst>
-              <a:ext uri="{FF2B5EF4-FFF2-40B4-BE49-F238E27FC236}">
-                <a16:creationId xmlns:a16="http://schemas.microsoft.com/office/drawing/2014/main" id="{3ACC79DA-A9E4-4E93-93F1-81907A901BBB}"/>
-              </a:ext>
-            </a:extLst>
-          </p:cNvPr>
+            <a:endParaRPr lang="en-US"/>
+          </a:p>
+        </p:txBody>
+      </p:sp>
+      <p:sp>
+        <p:nvSpPr>
+          <p:cNvPr id="8" name="Footer Placeholder 7"/>
           <p:cNvSpPr>
             <a:spLocks noGrp="1"/>
           </p:cNvSpPr>
@@ -2088,7 +4055,7 @@
           <a:bodyPr/>
           <a:lstStyle/>
           <a:p>
-            <a:endParaRPr lang="en-US" dirty="0">
+            <a:endParaRPr lang="en-US">
               <a:solidFill>
                 <a:schemeClr val="tx1"/>
               </a:solidFill>
@@ -2098,13 +4065,7 @@
       </p:sp>
       <p:sp>
         <p:nvSpPr>
-          <p:cNvPr id="12" name="Slide Number Placeholder 11">
-            <a:extLst>
-              <a:ext uri="{FF2B5EF4-FFF2-40B4-BE49-F238E27FC236}">
-                <a16:creationId xmlns:a16="http://schemas.microsoft.com/office/drawing/2014/main" id="{404DFE57-AA80-4ED8-AD77-35CC56F3FBC6}"/>
-              </a:ext>
-            </a:extLst>
-          </p:cNvPr>
+          <p:cNvPr id="9" name="Slide Number Placeholder 8"/>
           <p:cNvSpPr>
             <a:spLocks noGrp="1"/>
           </p:cNvSpPr>
@@ -2123,42 +4084,14 @@
               <a:pPr algn="l"/>
               <a:t>‹#›</a:t>
             </a:fld>
-            <a:endParaRPr lang="en-US" dirty="0"/>
-          </a:p>
-        </p:txBody>
-      </p:sp>
-      <p:sp>
-        <p:nvSpPr>
-          <p:cNvPr id="13" name="Title 12">
-            <a:extLst>
-              <a:ext uri="{FF2B5EF4-FFF2-40B4-BE49-F238E27FC236}">
-                <a16:creationId xmlns:a16="http://schemas.microsoft.com/office/drawing/2014/main" id="{FB62259C-ADDF-4293-AD3B-AB2E04A7483B}"/>
-              </a:ext>
-            </a:extLst>
-          </p:cNvPr>
-          <p:cNvSpPr>
-            <a:spLocks noGrp="1"/>
-          </p:cNvSpPr>
-          <p:nvPr>
-            <p:ph type="title"/>
-          </p:nvPr>
-        </p:nvSpPr>
-        <p:spPr/>
-        <p:txBody>
-          <a:bodyPr/>
-          <a:lstStyle/>
-          <a:p>
-            <a:r>
-              <a:rPr lang="en-US"/>
-              <a:t>Click to edit Master title style</a:t>
-            </a:r>
+            <a:endParaRPr lang="en-US"/>
           </a:p>
         </p:txBody>
       </p:sp>
     </p:spTree>
     <p:extLst>
       <p:ext uri="{BB962C8B-B14F-4D97-AF65-F5344CB8AC3E}">
-        <p14:creationId xmlns:p14="http://schemas.microsoft.com/office/powerpoint/2010/main" val="3080366845"/>
+        <p14:creationId xmlns:p14="http://schemas.microsoft.com/office/powerpoint/2010/main" val="3068571484"/>
       </p:ext>
     </p:extLst>
   </p:cSld>
@@ -2187,13 +4120,110 @@
       </p:grpSpPr>
       <p:sp>
         <p:nvSpPr>
-          <p:cNvPr id="2" name="Title 1">
-            <a:extLst>
-              <a:ext uri="{FF2B5EF4-FFF2-40B4-BE49-F238E27FC236}">
-                <a16:creationId xmlns:a16="http://schemas.microsoft.com/office/drawing/2014/main" id="{34BC7BA0-DC57-452F-85B7-C979AA690920}"/>
-              </a:ext>
-            </a:extLst>
-          </p:cNvPr>
+          <p:cNvPr id="6" name="Freeform 6"/>
+          <p:cNvSpPr/>
+          <p:nvPr/>
+        </p:nvSpPr>
+        <p:spPr bwMode="auto">
+          <a:xfrm>
+            <a:off x="0" y="0"/>
+            <a:ext cx="12192000" cy="2185988"/>
+          </a:xfrm>
+          <a:custGeom>
+            <a:avLst/>
+            <a:gdLst/>
+            <a:ahLst/>
+            <a:cxnLst/>
+            <a:rect l="0" t="0" r="r" b="b"/>
+            <a:pathLst>
+              <a:path w="5760" h="1377">
+                <a:moveTo>
+                  <a:pt x="5760" y="0"/>
+                </a:moveTo>
+                <a:lnTo>
+                  <a:pt x="0" y="0"/>
+                </a:lnTo>
+                <a:lnTo>
+                  <a:pt x="0" y="1189"/>
+                </a:lnTo>
+                <a:lnTo>
+                  <a:pt x="943" y="1189"/>
+                </a:lnTo>
+                <a:lnTo>
+                  <a:pt x="1123" y="1369"/>
+                </a:lnTo>
+                <a:lnTo>
+                  <a:pt x="1123" y="1369"/>
+                </a:lnTo>
+                <a:lnTo>
+                  <a:pt x="1127" y="1371"/>
+                </a:lnTo>
+                <a:lnTo>
+                  <a:pt x="1133" y="1374"/>
+                </a:lnTo>
+                <a:lnTo>
+                  <a:pt x="1139" y="1377"/>
+                </a:lnTo>
+                <a:lnTo>
+                  <a:pt x="1144" y="1377"/>
+                </a:lnTo>
+                <a:lnTo>
+                  <a:pt x="1150" y="1377"/>
+                </a:lnTo>
+                <a:lnTo>
+                  <a:pt x="1155" y="1374"/>
+                </a:lnTo>
+                <a:lnTo>
+                  <a:pt x="1161" y="1371"/>
+                </a:lnTo>
+                <a:lnTo>
+                  <a:pt x="1165" y="1369"/>
+                </a:lnTo>
+                <a:lnTo>
+                  <a:pt x="1345" y="1189"/>
+                </a:lnTo>
+                <a:lnTo>
+                  <a:pt x="5760" y="1189"/>
+                </a:lnTo>
+                <a:lnTo>
+                  <a:pt x="5760" y="0"/>
+                </a:lnTo>
+                <a:close/>
+              </a:path>
+            </a:pathLst>
+          </a:custGeom>
+          <a:ln/>
+          <a:extLst>
+            <a:ext uri="{91240B29-F687-4f45-9708-019B960494DF}">
+              <a14:hiddenLine xmlns:a14="http://schemas.microsoft.com/office/drawing/2010/main" xmlns="" w="9525">
+                <a:solidFill>
+                  <a:srgbClr val="000000"/>
+                </a:solidFill>
+                <a:round/>
+                <a:headEnd/>
+                <a:tailEnd/>
+              </a14:hiddenLine>
+            </a:ext>
+          </a:extLst>
+        </p:spPr>
+        <p:style>
+          <a:lnRef idx="1">
+            <a:schemeClr val="accent1"/>
+          </a:lnRef>
+          <a:fillRef idx="3">
+            <a:schemeClr val="accent1"/>
+          </a:fillRef>
+          <a:effectRef idx="2">
+            <a:schemeClr val="accent1"/>
+          </a:effectRef>
+          <a:fontRef idx="minor">
+            <a:schemeClr val="lt1"/>
+          </a:fontRef>
+        </p:style>
+      </p:sp>
+      <p:sp>
+        <p:nvSpPr>
+          <p:cNvPr id="2" name="Title 1"/>
           <p:cNvSpPr>
             <a:spLocks noGrp="1"/>
           </p:cNvSpPr>
@@ -2210,18 +4240,13 @@
               <a:rPr lang="en-US"/>
               <a:t>Click to edit Master title style</a:t>
             </a:r>
-          </a:p>
-        </p:txBody>
-      </p:sp>
-      <p:sp>
-        <p:nvSpPr>
-          <p:cNvPr id="6" name="Date Placeholder 5">
-            <a:extLst>
-              <a:ext uri="{FF2B5EF4-FFF2-40B4-BE49-F238E27FC236}">
-                <a16:creationId xmlns:a16="http://schemas.microsoft.com/office/drawing/2014/main" id="{F1C53797-8D72-4774-AC93-EB9FDD650CCD}"/>
-              </a:ext>
-            </a:extLst>
-          </p:cNvPr>
+            <a:endParaRPr lang="en-US" dirty="0"/>
+          </a:p>
+        </p:txBody>
+      </p:sp>
+      <p:sp>
+        <p:nvSpPr>
+          <p:cNvPr id="3" name="Date Placeholder 2"/>
           <p:cNvSpPr>
             <a:spLocks noGrp="1"/>
           </p:cNvSpPr>
@@ -2238,21 +4263,15 @@
             <a:fld id="{A37D6D71-8B28-4ED6-B932-04B197003D23}" type="datetimeFigureOut">
               <a:rPr lang="en-US" smtClean="0"/>
               <a:pPr algn="r"/>
-              <a:t>3/2/2023</a:t>
+              <a:t>3/7/2023</a:t>
             </a:fld>
-            <a:endParaRPr lang="en-US" dirty="0"/>
-          </a:p>
-        </p:txBody>
-      </p:sp>
-      <p:sp>
-        <p:nvSpPr>
-          <p:cNvPr id="7" name="Footer Placeholder 6">
-            <a:extLst>
-              <a:ext uri="{FF2B5EF4-FFF2-40B4-BE49-F238E27FC236}">
-                <a16:creationId xmlns:a16="http://schemas.microsoft.com/office/drawing/2014/main" id="{9E945AB7-1A32-4516-ABF9-B40958AE2E73}"/>
-              </a:ext>
-            </a:extLst>
-          </p:cNvPr>
+            <a:endParaRPr lang="en-US"/>
+          </a:p>
+        </p:txBody>
+      </p:sp>
+      <p:sp>
+        <p:nvSpPr>
+          <p:cNvPr id="4" name="Footer Placeholder 3"/>
           <p:cNvSpPr>
             <a:spLocks noGrp="1"/>
           </p:cNvSpPr>
@@ -2265,7 +4284,7 @@
           <a:bodyPr/>
           <a:lstStyle/>
           <a:p>
-            <a:endParaRPr lang="en-US" dirty="0">
+            <a:endParaRPr lang="en-US">
               <a:solidFill>
                 <a:schemeClr val="tx1"/>
               </a:solidFill>
@@ -2275,13 +4294,7 @@
       </p:sp>
       <p:sp>
         <p:nvSpPr>
-          <p:cNvPr id="8" name="Slide Number Placeholder 7">
-            <a:extLst>
-              <a:ext uri="{FF2B5EF4-FFF2-40B4-BE49-F238E27FC236}">
-                <a16:creationId xmlns:a16="http://schemas.microsoft.com/office/drawing/2014/main" id="{B22923C3-1D67-4089-A6B1-9A10315E807F}"/>
-              </a:ext>
-            </a:extLst>
-          </p:cNvPr>
+          <p:cNvPr id="5" name="Slide Number Placeholder 4"/>
           <p:cNvSpPr>
             <a:spLocks noGrp="1"/>
           </p:cNvSpPr>
@@ -2300,14 +4313,14 @@
               <a:pPr algn="l"/>
               <a:t>‹#›</a:t>
             </a:fld>
-            <a:endParaRPr lang="en-US" dirty="0"/>
+            <a:endParaRPr lang="en-US"/>
           </a:p>
         </p:txBody>
       </p:sp>
     </p:spTree>
     <p:extLst>
       <p:ext uri="{BB962C8B-B14F-4D97-AF65-F5344CB8AC3E}">
-        <p14:creationId xmlns:p14="http://schemas.microsoft.com/office/powerpoint/2010/main" val="2591521227"/>
+        <p14:creationId xmlns:p14="http://schemas.microsoft.com/office/powerpoint/2010/main" val="1806297051"/>
       </p:ext>
     </p:extLst>
   </p:cSld>
@@ -2318,7 +4331,7 @@
 </file>
 
 <file path=ppt/slideLayouts/slideLayout7.xml><?xml version="1.0" encoding="utf-8"?>
-<p:sldLayout xmlns:a="http://schemas.openxmlformats.org/drawingml/2006/main" xmlns:r="http://schemas.openxmlformats.org/officeDocument/2006/relationships" xmlns:p="http://schemas.openxmlformats.org/presentationml/2006/main" showMasterSp="0" type="blank" preserve="1">
+<p:sldLayout xmlns:a="http://schemas.openxmlformats.org/drawingml/2006/main" xmlns:r="http://schemas.openxmlformats.org/officeDocument/2006/relationships" xmlns:p="http://schemas.openxmlformats.org/presentationml/2006/main" type="blank" preserve="1">
   <p:cSld name="Blank">
     <p:spTree>
       <p:nvGrpSpPr>
@@ -2336,13 +4349,7 @@
       </p:grpSpPr>
       <p:sp>
         <p:nvSpPr>
-          <p:cNvPr id="5" name="Date Placeholder 4">
-            <a:extLst>
-              <a:ext uri="{FF2B5EF4-FFF2-40B4-BE49-F238E27FC236}">
-                <a16:creationId xmlns:a16="http://schemas.microsoft.com/office/drawing/2014/main" id="{FC0A8DC1-14F6-453B-A724-D6493F063F83}"/>
-              </a:ext>
-            </a:extLst>
-          </p:cNvPr>
+          <p:cNvPr id="2" name="Date Placeholder 1"/>
           <p:cNvSpPr>
             <a:spLocks noGrp="1"/>
           </p:cNvSpPr>
@@ -2359,21 +4366,15 @@
             <a:fld id="{A37D6D71-8B28-4ED6-B932-04B197003D23}" type="datetimeFigureOut">
               <a:rPr lang="en-US" smtClean="0"/>
               <a:pPr algn="r"/>
-              <a:t>3/2/2023</a:t>
+              <a:t>3/7/2023</a:t>
             </a:fld>
-            <a:endParaRPr lang="en-US" dirty="0"/>
-          </a:p>
-        </p:txBody>
-      </p:sp>
-      <p:sp>
-        <p:nvSpPr>
-          <p:cNvPr id="6" name="Footer Placeholder 5">
-            <a:extLst>
-              <a:ext uri="{FF2B5EF4-FFF2-40B4-BE49-F238E27FC236}">
-                <a16:creationId xmlns:a16="http://schemas.microsoft.com/office/drawing/2014/main" id="{66E63FF0-1A91-4698-B12A-112D05373593}"/>
-              </a:ext>
-            </a:extLst>
-          </p:cNvPr>
+            <a:endParaRPr lang="en-US"/>
+          </a:p>
+        </p:txBody>
+      </p:sp>
+      <p:sp>
+        <p:nvSpPr>
+          <p:cNvPr id="3" name="Footer Placeholder 2"/>
           <p:cNvSpPr>
             <a:spLocks noGrp="1"/>
           </p:cNvSpPr>
@@ -2386,7 +4387,7 @@
           <a:bodyPr/>
           <a:lstStyle/>
           <a:p>
-            <a:endParaRPr lang="en-US" dirty="0">
+            <a:endParaRPr lang="en-US">
               <a:solidFill>
                 <a:schemeClr val="tx1"/>
               </a:solidFill>
@@ -2396,13 +4397,7 @@
       </p:sp>
       <p:sp>
         <p:nvSpPr>
-          <p:cNvPr id="7" name="Slide Number Placeholder 6">
-            <a:extLst>
-              <a:ext uri="{FF2B5EF4-FFF2-40B4-BE49-F238E27FC236}">
-                <a16:creationId xmlns:a16="http://schemas.microsoft.com/office/drawing/2014/main" id="{1E066D53-44B3-4F04-93FD-9756A60139F9}"/>
-              </a:ext>
-            </a:extLst>
-          </p:cNvPr>
+          <p:cNvPr id="4" name="Slide Number Placeholder 3"/>
           <p:cNvSpPr>
             <a:spLocks noGrp="1"/>
           </p:cNvSpPr>
@@ -2421,14 +4416,14 @@
               <a:pPr algn="l"/>
               <a:t>‹#›</a:t>
             </a:fld>
-            <a:endParaRPr lang="en-US" dirty="0"/>
+            <a:endParaRPr lang="en-US"/>
           </a:p>
         </p:txBody>
       </p:sp>
     </p:spTree>
     <p:extLst>
       <p:ext uri="{BB962C8B-B14F-4D97-AF65-F5344CB8AC3E}">
-        <p14:creationId xmlns:p14="http://schemas.microsoft.com/office/powerpoint/2010/main" val="1092559868"/>
+        <p14:creationId xmlns:p14="http://schemas.microsoft.com/office/powerpoint/2010/main" val="1345809182"/>
       </p:ext>
     </p:extLst>
   </p:cSld>
@@ -2439,7 +4434,7 @@
 </file>
 
 <file path=ppt/slideLayouts/slideLayout8.xml><?xml version="1.0" encoding="utf-8"?>
-<p:sldLayout xmlns:a="http://schemas.openxmlformats.org/drawingml/2006/main" xmlns:r="http://schemas.openxmlformats.org/officeDocument/2006/relationships" xmlns:p="http://schemas.openxmlformats.org/presentationml/2006/main" preserve="1">
+<p:sldLayout xmlns:a="http://schemas.openxmlformats.org/drawingml/2006/main" xmlns:r="http://schemas.openxmlformats.org/officeDocument/2006/relationships" xmlns:p="http://schemas.openxmlformats.org/presentationml/2006/main" type="objTx" preserve="1">
   <p:cSld name="Content with Caption">
     <p:spTree>
       <p:nvGrpSpPr>
@@ -2457,57 +4452,273 @@
       </p:grpSpPr>
       <p:sp>
         <p:nvSpPr>
-          <p:cNvPr id="3" name="Content Placeholder 2">
-            <a:extLst>
-              <a:ext uri="{FF2B5EF4-FFF2-40B4-BE49-F238E27FC236}">
-                <a16:creationId xmlns:a16="http://schemas.microsoft.com/office/drawing/2014/main" id="{4083A0FE-F7E3-433E-9A29-D778690D223A}"/>
-              </a:ext>
-            </a:extLst>
-          </p:cNvPr>
-          <p:cNvSpPr>
-            <a:spLocks noGrp="1"/>
-          </p:cNvSpPr>
-          <p:nvPr>
-            <p:ph idx="1"/>
+          <p:cNvPr id="12" name="Freeform 6"/>
+          <p:cNvSpPr>
+            <a:spLocks noChangeAspect="1"/>
+          </p:cNvSpPr>
+          <p:nvPr/>
+        </p:nvSpPr>
+        <p:spPr bwMode="auto">
+          <a:xfrm>
+            <a:off x="1073151" y="446087"/>
+            <a:ext cx="3547533" cy="1814651"/>
+          </a:xfrm>
+          <a:custGeom>
+            <a:avLst/>
+            <a:gdLst/>
+            <a:ahLst/>
+            <a:cxnLst/>
+            <a:rect l="0" t="0" r="r" b="b"/>
+            <a:pathLst>
+              <a:path w="3384" h="2308">
+                <a:moveTo>
+                  <a:pt x="3340" y="0"/>
+                </a:moveTo>
+                <a:lnTo>
+                  <a:pt x="44" y="0"/>
+                </a:lnTo>
+                <a:lnTo>
+                  <a:pt x="44" y="0"/>
+                </a:lnTo>
+                <a:lnTo>
+                  <a:pt x="34" y="0"/>
+                </a:lnTo>
+                <a:lnTo>
+                  <a:pt x="26" y="4"/>
+                </a:lnTo>
+                <a:lnTo>
+                  <a:pt x="20" y="8"/>
+                </a:lnTo>
+                <a:lnTo>
+                  <a:pt x="12" y="12"/>
+                </a:lnTo>
+                <a:lnTo>
+                  <a:pt x="8" y="20"/>
+                </a:lnTo>
+                <a:lnTo>
+                  <a:pt x="4" y="26"/>
+                </a:lnTo>
+                <a:lnTo>
+                  <a:pt x="0" y="34"/>
+                </a:lnTo>
+                <a:lnTo>
+                  <a:pt x="0" y="44"/>
+                </a:lnTo>
+                <a:lnTo>
+                  <a:pt x="0" y="2076"/>
+                </a:lnTo>
+                <a:lnTo>
+                  <a:pt x="0" y="2076"/>
+                </a:lnTo>
+                <a:lnTo>
+                  <a:pt x="0" y="2086"/>
+                </a:lnTo>
+                <a:lnTo>
+                  <a:pt x="4" y="2094"/>
+                </a:lnTo>
+                <a:lnTo>
+                  <a:pt x="8" y="2100"/>
+                </a:lnTo>
+                <a:lnTo>
+                  <a:pt x="12" y="2108"/>
+                </a:lnTo>
+                <a:lnTo>
+                  <a:pt x="20" y="2112"/>
+                </a:lnTo>
+                <a:lnTo>
+                  <a:pt x="26" y="2116"/>
+                </a:lnTo>
+                <a:lnTo>
+                  <a:pt x="34" y="2120"/>
+                </a:lnTo>
+                <a:lnTo>
+                  <a:pt x="44" y="2120"/>
+                </a:lnTo>
+                <a:lnTo>
+                  <a:pt x="474" y="2120"/>
+                </a:lnTo>
+                <a:lnTo>
+                  <a:pt x="650" y="2296"/>
+                </a:lnTo>
+                <a:lnTo>
+                  <a:pt x="650" y="2296"/>
+                </a:lnTo>
+                <a:lnTo>
+                  <a:pt x="656" y="2300"/>
+                </a:lnTo>
+                <a:lnTo>
+                  <a:pt x="664" y="2304"/>
+                </a:lnTo>
+                <a:lnTo>
+                  <a:pt x="672" y="2308"/>
+                </a:lnTo>
+                <a:lnTo>
+                  <a:pt x="680" y="2308"/>
+                </a:lnTo>
+                <a:lnTo>
+                  <a:pt x="688" y="2308"/>
+                </a:lnTo>
+                <a:lnTo>
+                  <a:pt x="696" y="2304"/>
+                </a:lnTo>
+                <a:lnTo>
+                  <a:pt x="704" y="2300"/>
+                </a:lnTo>
+                <a:lnTo>
+                  <a:pt x="710" y="2296"/>
+                </a:lnTo>
+                <a:lnTo>
+                  <a:pt x="886" y="2120"/>
+                </a:lnTo>
+                <a:lnTo>
+                  <a:pt x="3340" y="2120"/>
+                </a:lnTo>
+                <a:lnTo>
+                  <a:pt x="3340" y="2120"/>
+                </a:lnTo>
+                <a:lnTo>
+                  <a:pt x="3350" y="2120"/>
+                </a:lnTo>
+                <a:lnTo>
+                  <a:pt x="3358" y="2116"/>
+                </a:lnTo>
+                <a:lnTo>
+                  <a:pt x="3364" y="2112"/>
+                </a:lnTo>
+                <a:lnTo>
+                  <a:pt x="3372" y="2108"/>
+                </a:lnTo>
+                <a:lnTo>
+                  <a:pt x="3376" y="2100"/>
+                </a:lnTo>
+                <a:lnTo>
+                  <a:pt x="3380" y="2094"/>
+                </a:lnTo>
+                <a:lnTo>
+                  <a:pt x="3384" y="2086"/>
+                </a:lnTo>
+                <a:lnTo>
+                  <a:pt x="3384" y="2076"/>
+                </a:lnTo>
+                <a:lnTo>
+                  <a:pt x="3384" y="44"/>
+                </a:lnTo>
+                <a:lnTo>
+                  <a:pt x="3384" y="44"/>
+                </a:lnTo>
+                <a:lnTo>
+                  <a:pt x="3384" y="34"/>
+                </a:lnTo>
+                <a:lnTo>
+                  <a:pt x="3380" y="26"/>
+                </a:lnTo>
+                <a:lnTo>
+                  <a:pt x="3376" y="20"/>
+                </a:lnTo>
+                <a:lnTo>
+                  <a:pt x="3372" y="12"/>
+                </a:lnTo>
+                <a:lnTo>
+                  <a:pt x="3364" y="8"/>
+                </a:lnTo>
+                <a:lnTo>
+                  <a:pt x="3358" y="4"/>
+                </a:lnTo>
+                <a:lnTo>
+                  <a:pt x="3350" y="0"/>
+                </a:lnTo>
+                <a:lnTo>
+                  <a:pt x="3340" y="0"/>
+                </a:lnTo>
+                <a:lnTo>
+                  <a:pt x="3340" y="0"/>
+                </a:lnTo>
+                <a:close/>
+              </a:path>
+            </a:pathLst>
+          </a:custGeom>
+          <a:ln/>
+          <a:extLst>
+            <a:ext uri="{91240B29-F687-4f45-9708-019B960494DF}">
+              <a14:hiddenLine xmlns:a14="http://schemas.microsoft.com/office/drawing/2010/main" xmlns="" w="9525">
+                <a:solidFill>
+                  <a:srgbClr val="000000"/>
+                </a:solidFill>
+                <a:round/>
+                <a:headEnd/>
+                <a:tailEnd/>
+              </a14:hiddenLine>
+            </a:ext>
+          </a:extLst>
+        </p:spPr>
+        <p:style>
+          <a:lnRef idx="1">
+            <a:schemeClr val="accent1"/>
+          </a:lnRef>
+          <a:fillRef idx="3">
+            <a:schemeClr val="accent1"/>
+          </a:fillRef>
+          <a:effectRef idx="2">
+            <a:schemeClr val="accent1"/>
+          </a:effectRef>
+          <a:fontRef idx="minor">
+            <a:schemeClr val="lt1"/>
+          </a:fontRef>
+        </p:style>
+      </p:sp>
+      <p:sp>
+        <p:nvSpPr>
+          <p:cNvPr id="2" name="Title 1"/>
+          <p:cNvSpPr>
+            <a:spLocks noGrp="1"/>
+          </p:cNvSpPr>
+          <p:nvPr>
+            <p:ph type="title"/>
           </p:nvPr>
         </p:nvSpPr>
         <p:spPr>
           <a:xfrm>
-            <a:off x="5183188" y="2591850"/>
-            <a:ext cx="6045644" cy="3593592"/>
+            <a:off x="1073151" y="446088"/>
+            <a:ext cx="3547533" cy="1618396"/>
           </a:xfrm>
         </p:spPr>
         <p:txBody>
-          <a:bodyPr/>
+          <a:bodyPr anchor="b"/>
           <a:lstStyle>
-            <a:lvl1pPr>
-              <a:defRPr sz="3200"/>
+            <a:lvl1pPr algn="l">
+              <a:defRPr sz="2000" b="1"/>
             </a:lvl1pPr>
-            <a:lvl2pPr>
-              <a:defRPr sz="2800"/>
-            </a:lvl2pPr>
-            <a:lvl3pPr>
-              <a:defRPr sz="2400"/>
-            </a:lvl3pPr>
-            <a:lvl4pPr>
-              <a:defRPr sz="2000"/>
-            </a:lvl4pPr>
-            <a:lvl5pPr>
-              <a:defRPr sz="2000"/>
-            </a:lvl5pPr>
-            <a:lvl6pPr>
-              <a:defRPr sz="2000"/>
-            </a:lvl6pPr>
-            <a:lvl7pPr>
-              <a:defRPr sz="2000"/>
-            </a:lvl7pPr>
-            <a:lvl8pPr>
-              <a:defRPr sz="2000"/>
-            </a:lvl8pPr>
-            <a:lvl9pPr>
-              <a:defRPr sz="2000"/>
-            </a:lvl9pPr>
           </a:lstStyle>
+          <a:p>
+            <a:r>
+              <a:rPr lang="en-US"/>
+              <a:t>Click to edit Master title style</a:t>
+            </a:r>
+            <a:endParaRPr lang="en-US" dirty="0"/>
+          </a:p>
+        </p:txBody>
+      </p:sp>
+      <p:sp>
+        <p:nvSpPr>
+          <p:cNvPr id="3" name="Content Placeholder 2"/>
+          <p:cNvSpPr>
+            <a:spLocks noGrp="1"/>
+          </p:cNvSpPr>
+          <p:nvPr>
+            <p:ph idx="1"/>
+          </p:nvPr>
+        </p:nvSpPr>
+        <p:spPr>
+          <a:xfrm>
+            <a:off x="4855633" y="446088"/>
+            <a:ext cx="6252633" cy="5414963"/>
+          </a:xfrm>
+        </p:spPr>
+        <p:txBody>
+          <a:bodyPr>
+            <a:normAutofit/>
+          </a:bodyPr>
+          <a:lstStyle/>
           <a:p>
             <a:pPr lvl="0"/>
             <a:r>
@@ -2548,13 +4759,7 @@
       </p:sp>
       <p:sp>
         <p:nvSpPr>
-          <p:cNvPr id="4" name="Text Placeholder 3">
-            <a:extLst>
-              <a:ext uri="{FF2B5EF4-FFF2-40B4-BE49-F238E27FC236}">
-                <a16:creationId xmlns:a16="http://schemas.microsoft.com/office/drawing/2014/main" id="{1794B15D-55F5-4208-AF40-41CAFEB56F4C}"/>
-              </a:ext>
-            </a:extLst>
-          </p:cNvPr>
+          <p:cNvPr id="4" name="Text Placeholder 3"/>
           <p:cNvSpPr>
             <a:spLocks noGrp="1"/>
           </p:cNvSpPr>
@@ -2564,50 +4769,48 @@
         </p:nvSpPr>
         <p:spPr>
           <a:xfrm>
-            <a:off x="960120" y="2591850"/>
-            <a:ext cx="3811905" cy="3277137"/>
+            <a:off x="1073151" y="2260738"/>
+            <a:ext cx="3547533" cy="3600311"/>
           </a:xfrm>
         </p:spPr>
         <p:txBody>
-          <a:bodyPr anchor="ctr">
-            <a:normAutofit/>
-          </a:bodyPr>
+          <a:bodyPr/>
           <a:lstStyle>
             <a:lvl1pPr marL="0" indent="0">
               <a:buNone/>
-              <a:defRPr sz="2400"/>
+              <a:defRPr sz="1400"/>
             </a:lvl1pPr>
             <a:lvl2pPr marL="457200" indent="0">
               <a:buNone/>
-              <a:defRPr sz="1400"/>
+              <a:defRPr sz="1200"/>
             </a:lvl2pPr>
             <a:lvl3pPr marL="914400" indent="0">
               <a:buNone/>
-              <a:defRPr sz="1200"/>
+              <a:defRPr sz="1000"/>
             </a:lvl3pPr>
             <a:lvl4pPr marL="1371600" indent="0">
               <a:buNone/>
-              <a:defRPr sz="1000"/>
+              <a:defRPr sz="900"/>
             </a:lvl4pPr>
             <a:lvl5pPr marL="1828800" indent="0">
               <a:buNone/>
-              <a:defRPr sz="1000"/>
+              <a:defRPr sz="900"/>
             </a:lvl5pPr>
             <a:lvl6pPr marL="2286000" indent="0">
               <a:buNone/>
-              <a:defRPr sz="1000"/>
+              <a:defRPr sz="900"/>
             </a:lvl6pPr>
             <a:lvl7pPr marL="2743200" indent="0">
               <a:buNone/>
-              <a:defRPr sz="1000"/>
+              <a:defRPr sz="900"/>
             </a:lvl7pPr>
             <a:lvl8pPr marL="3200400" indent="0">
               <a:buNone/>
-              <a:defRPr sz="1000"/>
+              <a:defRPr sz="900"/>
             </a:lvl8pPr>
             <a:lvl9pPr marL="3657600" indent="0">
               <a:buNone/>
-              <a:defRPr sz="1000"/>
+              <a:defRPr sz="900"/>
             </a:lvl9pPr>
           </a:lstStyle>
           <a:p>
@@ -2621,13 +4824,7 @@
       </p:sp>
       <p:sp>
         <p:nvSpPr>
-          <p:cNvPr id="8" name="Date Placeholder 7">
-            <a:extLst>
-              <a:ext uri="{FF2B5EF4-FFF2-40B4-BE49-F238E27FC236}">
-                <a16:creationId xmlns:a16="http://schemas.microsoft.com/office/drawing/2014/main" id="{E8A46CE7-2F0F-4C85-B633-B9FCB8347AE7}"/>
-              </a:ext>
-            </a:extLst>
-          </p:cNvPr>
+          <p:cNvPr id="5" name="Date Placeholder 4"/>
           <p:cNvSpPr>
             <a:spLocks noGrp="1"/>
           </p:cNvSpPr>
@@ -2644,21 +4841,15 @@
             <a:fld id="{A37D6D71-8B28-4ED6-B932-04B197003D23}" type="datetimeFigureOut">
               <a:rPr lang="en-US" smtClean="0"/>
               <a:pPr algn="r"/>
-              <a:t>3/2/2023</a:t>
+              <a:t>3/7/2023</a:t>
             </a:fld>
-            <a:endParaRPr lang="en-US" dirty="0"/>
-          </a:p>
-        </p:txBody>
-      </p:sp>
-      <p:sp>
-        <p:nvSpPr>
-          <p:cNvPr id="9" name="Footer Placeholder 8">
-            <a:extLst>
-              <a:ext uri="{FF2B5EF4-FFF2-40B4-BE49-F238E27FC236}">
-                <a16:creationId xmlns:a16="http://schemas.microsoft.com/office/drawing/2014/main" id="{D0900919-3A73-4918-9D97-8DBE7ABB7A19}"/>
-              </a:ext>
-            </a:extLst>
-          </p:cNvPr>
+            <a:endParaRPr lang="en-US"/>
+          </a:p>
+        </p:txBody>
+      </p:sp>
+      <p:sp>
+        <p:nvSpPr>
+          <p:cNvPr id="6" name="Footer Placeholder 5"/>
           <p:cNvSpPr>
             <a:spLocks noGrp="1"/>
           </p:cNvSpPr>
@@ -2671,7 +4862,7 @@
           <a:bodyPr/>
           <a:lstStyle/>
           <a:p>
-            <a:endParaRPr lang="en-US" dirty="0">
+            <a:endParaRPr lang="en-US">
               <a:solidFill>
                 <a:schemeClr val="tx1"/>
               </a:solidFill>
@@ -2681,13 +4872,7 @@
       </p:sp>
       <p:sp>
         <p:nvSpPr>
-          <p:cNvPr id="10" name="Slide Number Placeholder 9">
-            <a:extLst>
-              <a:ext uri="{FF2B5EF4-FFF2-40B4-BE49-F238E27FC236}">
-                <a16:creationId xmlns:a16="http://schemas.microsoft.com/office/drawing/2014/main" id="{08BC1001-E44E-4A9A-9E60-2E319A844F65}"/>
-              </a:ext>
-            </a:extLst>
-          </p:cNvPr>
+          <p:cNvPr id="7" name="Slide Number Placeholder 6"/>
           <p:cNvSpPr>
             <a:spLocks noGrp="1"/>
           </p:cNvSpPr>
@@ -2706,42 +4891,14 @@
               <a:pPr algn="l"/>
               <a:t>‹#›</a:t>
             </a:fld>
-            <a:endParaRPr lang="en-US" dirty="0"/>
-          </a:p>
-        </p:txBody>
-      </p:sp>
-      <p:sp>
-        <p:nvSpPr>
-          <p:cNvPr id="11" name="Title 10">
-            <a:extLst>
-              <a:ext uri="{FF2B5EF4-FFF2-40B4-BE49-F238E27FC236}">
-                <a16:creationId xmlns:a16="http://schemas.microsoft.com/office/drawing/2014/main" id="{A125AC31-022C-40AA-B65C-C9AC48395A6E}"/>
-              </a:ext>
-            </a:extLst>
-          </p:cNvPr>
-          <p:cNvSpPr>
-            <a:spLocks noGrp="1"/>
-          </p:cNvSpPr>
-          <p:nvPr>
-            <p:ph type="title"/>
-          </p:nvPr>
-        </p:nvSpPr>
-        <p:spPr/>
-        <p:txBody>
-          <a:bodyPr/>
-          <a:lstStyle/>
-          <a:p>
-            <a:r>
-              <a:rPr lang="en-US"/>
-              <a:t>Click to edit Master title style</a:t>
-            </a:r>
+            <a:endParaRPr lang="en-US"/>
           </a:p>
         </p:txBody>
       </p:sp>
     </p:spTree>
     <p:extLst>
       <p:ext uri="{BB962C8B-B14F-4D97-AF65-F5344CB8AC3E}">
-        <p14:creationId xmlns:p14="http://schemas.microsoft.com/office/powerpoint/2010/main" val="4209855585"/>
+        <p14:creationId xmlns:p14="http://schemas.microsoft.com/office/powerpoint/2010/main" val="870909555"/>
       </p:ext>
     </p:extLst>
   </p:cSld>
@@ -2752,7 +4909,7 @@
 </file>
 
 <file path=ppt/slideLayouts/slideLayout9.xml><?xml version="1.0" encoding="utf-8"?>
-<p:sldLayout xmlns:a="http://schemas.openxmlformats.org/drawingml/2006/main" xmlns:r="http://schemas.openxmlformats.org/officeDocument/2006/relationships" xmlns:p="http://schemas.openxmlformats.org/presentationml/2006/main" preserve="1">
+<p:sldLayout xmlns:a="http://schemas.openxmlformats.org/drawingml/2006/main" xmlns:r="http://schemas.openxmlformats.org/officeDocument/2006/relationships" xmlns:p="http://schemas.openxmlformats.org/presentationml/2006/main" type="picTx" preserve="1">
   <p:cSld name="Picture with Caption">
     <p:spTree>
       <p:nvGrpSpPr>
@@ -2770,73 +4927,140 @@
       </p:grpSpPr>
       <p:sp>
         <p:nvSpPr>
-          <p:cNvPr id="3" name="Picture Placeholder 2">
-            <a:extLst>
-              <a:ext uri="{FF2B5EF4-FFF2-40B4-BE49-F238E27FC236}">
-                <a16:creationId xmlns:a16="http://schemas.microsoft.com/office/drawing/2014/main" id="{A797A575-703F-410E-9A84-F9B578FEAE80}"/>
-              </a:ext>
-            </a:extLst>
-          </p:cNvPr>
-          <p:cNvSpPr>
-            <a:spLocks noGrp="1"/>
-          </p:cNvSpPr>
-          <p:nvPr>
-            <p:ph type="pic" idx="1"/>
+          <p:cNvPr id="2" name="Title 1"/>
+          <p:cNvSpPr>
+            <a:spLocks noGrp="1"/>
+          </p:cNvSpPr>
+          <p:nvPr>
+            <p:ph type="title"/>
           </p:nvPr>
         </p:nvSpPr>
         <p:spPr>
           <a:xfrm>
-            <a:off x="0" y="2267712"/>
-            <a:ext cx="6571469" cy="4590288"/>
+            <a:off x="814728" y="727522"/>
+            <a:ext cx="4852988" cy="1617163"/>
           </a:xfrm>
-          <a:solidFill>
-            <a:schemeClr val="bg1">
-              <a:lumMod val="85000"/>
-            </a:schemeClr>
-          </a:solidFill>
-          <a:ln>
-            <a:noFill/>
+        </p:spPr>
+        <p:txBody>
+          <a:bodyPr anchor="b">
+            <a:normAutofit/>
+          </a:bodyPr>
+          <a:lstStyle>
+            <a:lvl1pPr algn="l">
+              <a:defRPr sz="2400" b="0"/>
+            </a:lvl1pPr>
+          </a:lstStyle>
+          <a:p>
+            <a:r>
+              <a:rPr lang="en-US"/>
+              <a:t>Click to edit Master title style</a:t>
+            </a:r>
+            <a:endParaRPr lang="en-US" dirty="0"/>
+          </a:p>
+        </p:txBody>
+      </p:sp>
+      <p:sp>
+        <p:nvSpPr>
+          <p:cNvPr id="9" name="Picture Placeholder 11"/>
+          <p:cNvSpPr>
+            <a:spLocks noGrp="1" noChangeAspect="1"/>
+          </p:cNvSpPr>
+          <p:nvPr>
+            <p:ph type="pic" sz="quarter" idx="13"/>
+          </p:nvPr>
+        </p:nvSpPr>
+        <p:spPr bwMode="auto">
+          <a:xfrm>
+            <a:off x="6098117" y="0"/>
+            <a:ext cx="6093883" cy="6858000"/>
+          </a:xfrm>
+          <a:custGeom>
+            <a:avLst/>
+            <a:gdLst/>
+            <a:ahLst/>
+            <a:cxnLst/>
+            <a:rect l="0" t="0" r="r" b="b"/>
+            <a:pathLst>
+              <a:path w="2879" h="4320">
+                <a:moveTo>
+                  <a:pt x="183" y="0"/>
+                </a:moveTo>
+                <a:lnTo>
+                  <a:pt x="183" y="1197"/>
+                </a:lnTo>
+                <a:lnTo>
+                  <a:pt x="8" y="1372"/>
+                </a:lnTo>
+                <a:lnTo>
+                  <a:pt x="8" y="1372"/>
+                </a:lnTo>
+                <a:lnTo>
+                  <a:pt x="6" y="1376"/>
+                </a:lnTo>
+                <a:lnTo>
+                  <a:pt x="3" y="1382"/>
+                </a:lnTo>
+                <a:lnTo>
+                  <a:pt x="0" y="1387"/>
+                </a:lnTo>
+                <a:lnTo>
+                  <a:pt x="0" y="1393"/>
+                </a:lnTo>
+                <a:lnTo>
+                  <a:pt x="0" y="1399"/>
+                </a:lnTo>
+                <a:lnTo>
+                  <a:pt x="3" y="1404"/>
+                </a:lnTo>
+                <a:lnTo>
+                  <a:pt x="6" y="1410"/>
+                </a:lnTo>
+                <a:lnTo>
+                  <a:pt x="8" y="1414"/>
+                </a:lnTo>
+                <a:lnTo>
+                  <a:pt x="183" y="1589"/>
+                </a:lnTo>
+                <a:lnTo>
+                  <a:pt x="183" y="4320"/>
+                </a:lnTo>
+                <a:lnTo>
+                  <a:pt x="2879" y="4320"/>
+                </a:lnTo>
+                <a:lnTo>
+                  <a:pt x="2879" y="0"/>
+                </a:lnTo>
+                <a:lnTo>
+                  <a:pt x="183" y="0"/>
+                </a:lnTo>
+                <a:close/>
+              </a:path>
+            </a:pathLst>
+          </a:custGeom>
+          <a:noFill/>
+          <a:ln w="9525">
+            <a:solidFill>
+              <a:schemeClr val="tx2"/>
+            </a:solidFill>
+            <a:round/>
+            <a:headEnd/>
+            <a:tailEnd/>
           </a:ln>
+          <a:effectLst/>
         </p:spPr>
         <p:txBody>
-          <a:bodyPr/>
+          <a:bodyPr wrap="square" numCol="1" anchor="t" anchorCtr="0" compatLnSpc="1">
+            <a:prstTxWarp prst="textNoShape">
+              <a:avLst/>
+            </a:prstTxWarp>
+            <a:normAutofit/>
+          </a:bodyPr>
           <a:lstStyle>
-            <a:lvl1pPr marL="0" indent="0">
+            <a:lvl1pPr algn="ctr">
+              <a:buFontTx/>
               <a:buNone/>
-              <a:defRPr sz="3200"/>
+              <a:defRPr sz="1400"/>
             </a:lvl1pPr>
-            <a:lvl2pPr marL="457200" indent="0">
-              <a:buNone/>
-              <a:defRPr sz="2800"/>
-            </a:lvl2pPr>
-            <a:lvl3pPr marL="914400" indent="0">
-              <a:buNone/>
-              <a:defRPr sz="2400"/>
-            </a:lvl3pPr>
-            <a:lvl4pPr marL="1371600" indent="0">
-              <a:buNone/>
-              <a:defRPr sz="2000"/>
-            </a:lvl4pPr>
-            <a:lvl5pPr marL="1828800" indent="0">
-              <a:buNone/>
-              <a:defRPr sz="2000"/>
-            </a:lvl5pPr>
-            <a:lvl6pPr marL="2286000" indent="0">
-              <a:buNone/>
-              <a:defRPr sz="2000"/>
-            </a:lvl6pPr>
-            <a:lvl7pPr marL="2743200" indent="0">
-              <a:buNone/>
-              <a:defRPr sz="2000"/>
-            </a:lvl7pPr>
-            <a:lvl8pPr marL="3200400" indent="0">
-              <a:buNone/>
-              <a:defRPr sz="2000"/>
-            </a:lvl8pPr>
-            <a:lvl9pPr marL="3657600" indent="0">
-              <a:buNone/>
-              <a:defRPr sz="2000"/>
-            </a:lvl9pPr>
           </a:lstStyle>
           <a:p>
             <a:r>
@@ -2849,13 +5073,7 @@
       </p:sp>
       <p:sp>
         <p:nvSpPr>
-          <p:cNvPr id="4" name="Text Placeholder 3">
-            <a:extLst>
-              <a:ext uri="{FF2B5EF4-FFF2-40B4-BE49-F238E27FC236}">
-                <a16:creationId xmlns:a16="http://schemas.microsoft.com/office/drawing/2014/main" id="{1518B509-934D-400A-A922-45B61AC6EDD8}"/>
-              </a:ext>
-            </a:extLst>
-          </p:cNvPr>
+          <p:cNvPr id="4" name="Text Placeholder 3"/>
           <p:cNvSpPr>
             <a:spLocks noGrp="1"/>
           </p:cNvSpPr>
@@ -2865,50 +5083,50 @@
         </p:nvSpPr>
         <p:spPr>
           <a:xfrm>
-            <a:off x="7235971" y="2587752"/>
-            <a:ext cx="3992856" cy="3593592"/>
+            <a:off x="814728" y="2344684"/>
+            <a:ext cx="4852988" cy="3516365"/>
           </a:xfrm>
         </p:spPr>
         <p:txBody>
-          <a:bodyPr anchor="ctr">
+          <a:bodyPr anchor="t">
             <a:normAutofit/>
           </a:bodyPr>
           <a:lstStyle>
             <a:lvl1pPr marL="0" indent="0">
               <a:buNone/>
-              <a:defRPr sz="2400"/>
+              <a:defRPr sz="1200"/>
             </a:lvl1pPr>
             <a:lvl2pPr marL="457200" indent="0">
               <a:buNone/>
-              <a:defRPr sz="1400"/>
+              <a:defRPr sz="1200"/>
             </a:lvl2pPr>
             <a:lvl3pPr marL="914400" indent="0">
               <a:buNone/>
-              <a:defRPr sz="1200"/>
+              <a:defRPr sz="1000"/>
             </a:lvl3pPr>
             <a:lvl4pPr marL="1371600" indent="0">
               <a:buNone/>
-              <a:defRPr sz="1000"/>
+              <a:defRPr sz="900"/>
             </a:lvl4pPr>
             <a:lvl5pPr marL="1828800" indent="0">
               <a:buNone/>
-              <a:defRPr sz="1000"/>
+              <a:defRPr sz="900"/>
             </a:lvl5pPr>
             <a:lvl6pPr marL="2286000" indent="0">
               <a:buNone/>
-              <a:defRPr sz="1000"/>
+              <a:defRPr sz="900"/>
             </a:lvl6pPr>
             <a:lvl7pPr marL="2743200" indent="0">
               <a:buNone/>
-              <a:defRPr sz="1000"/>
+              <a:defRPr sz="900"/>
             </a:lvl7pPr>
             <a:lvl8pPr marL="3200400" indent="0">
               <a:buNone/>
-              <a:defRPr sz="1000"/>
+              <a:defRPr sz="900"/>
             </a:lvl8pPr>
             <a:lvl9pPr marL="3657600" indent="0">
               <a:buNone/>
-              <a:defRPr sz="1000"/>
+              <a:defRPr sz="900"/>
             </a:lvl9pPr>
           </a:lstStyle>
           <a:p>
@@ -2922,13 +5140,7 @@
       </p:sp>
       <p:sp>
         <p:nvSpPr>
-          <p:cNvPr id="8" name="Date Placeholder 7">
-            <a:extLst>
-              <a:ext uri="{FF2B5EF4-FFF2-40B4-BE49-F238E27FC236}">
-                <a16:creationId xmlns:a16="http://schemas.microsoft.com/office/drawing/2014/main" id="{99813C51-6954-4F3A-A043-D1BCC8B50F83}"/>
-              </a:ext>
-            </a:extLst>
-          </p:cNvPr>
+          <p:cNvPr id="5" name="Date Placeholder 4"/>
           <p:cNvSpPr>
             <a:spLocks noGrp="1"/>
           </p:cNvSpPr>
@@ -2936,7 +5148,12 @@
             <p:ph type="dt" sz="half" idx="10"/>
           </p:nvPr>
         </p:nvSpPr>
-        <p:spPr/>
+        <p:spPr>
+          <a:xfrm>
+            <a:off x="3885810" y="6041362"/>
+            <a:ext cx="976879" cy="365125"/>
+          </a:xfrm>
+        </p:spPr>
         <p:txBody>
           <a:bodyPr/>
           <a:lstStyle/>
@@ -2945,21 +5162,15 @@
             <a:fld id="{A37D6D71-8B28-4ED6-B932-04B197003D23}" type="datetimeFigureOut">
               <a:rPr lang="en-US" smtClean="0"/>
               <a:pPr algn="r"/>
-              <a:t>3/2/2023</a:t>
+              <a:t>3/7/2023</a:t>
             </a:fld>
-            <a:endParaRPr lang="en-US" dirty="0"/>
-          </a:p>
-        </p:txBody>
-      </p:sp>
-      <p:sp>
-        <p:nvSpPr>
-          <p:cNvPr id="9" name="Footer Placeholder 8">
-            <a:extLst>
-              <a:ext uri="{FF2B5EF4-FFF2-40B4-BE49-F238E27FC236}">
-                <a16:creationId xmlns:a16="http://schemas.microsoft.com/office/drawing/2014/main" id="{C0AC32FB-49A3-40E4-9D24-177597043627}"/>
-              </a:ext>
-            </a:extLst>
-          </p:cNvPr>
+            <a:endParaRPr lang="en-US" spc="50"/>
+          </a:p>
+        </p:txBody>
+      </p:sp>
+      <p:sp>
+        <p:nvSpPr>
+          <p:cNvPr id="6" name="Footer Placeholder 5"/>
           <p:cNvSpPr>
             <a:spLocks noGrp="1"/>
           </p:cNvSpPr>
@@ -2967,47 +5178,23 @@
             <p:ph type="ftr" sz="quarter" idx="11"/>
           </p:nvPr>
         </p:nvSpPr>
-        <p:spPr/>
+        <p:spPr>
+          <a:xfrm>
+            <a:off x="590396" y="6041362"/>
+            <a:ext cx="3295413" cy="365125"/>
+          </a:xfrm>
+        </p:spPr>
         <p:txBody>
           <a:bodyPr/>
-          <a:lstStyle>
-            <a:lvl1pPr>
-              <a:defRPr>
-                <a:solidFill>
-                  <a:srgbClr val="FFFFFF"/>
-                </a:solidFill>
-                <a:effectLst>
-                  <a:outerShdw blurRad="50800" dist="38100" dir="2700000" algn="tl" rotWithShape="0">
-                    <a:prstClr val="black">
-                      <a:alpha val="43000"/>
-                    </a:prstClr>
-                  </a:outerShdw>
-                </a:effectLst>
-              </a:defRPr>
-            </a:lvl1pPr>
-          </a:lstStyle>
-          <a:p>
-            <a:endParaRPr lang="en-US" dirty="0">
-              <a:effectLst>
-                <a:outerShdw blurRad="50800" dist="38100" dir="2700000" algn="tl" rotWithShape="0">
-                  <a:prstClr val="black">
-                    <a:alpha val="43000"/>
-                  </a:prstClr>
-                </a:outerShdw>
-              </a:effectLst>
-            </a:endParaRPr>
-          </a:p>
-        </p:txBody>
-      </p:sp>
-      <p:sp>
-        <p:nvSpPr>
-          <p:cNvPr id="10" name="Slide Number Placeholder 9">
-            <a:extLst>
-              <a:ext uri="{FF2B5EF4-FFF2-40B4-BE49-F238E27FC236}">
-                <a16:creationId xmlns:a16="http://schemas.microsoft.com/office/drawing/2014/main" id="{EC93F5E6-DAE6-447B-8038-5F4C9A799F57}"/>
-              </a:ext>
-            </a:extLst>
-          </p:cNvPr>
+          <a:lstStyle/>
+          <a:p>
+            <a:endParaRPr lang="en-US" spc="50"/>
+          </a:p>
+        </p:txBody>
+      </p:sp>
+      <p:sp>
+        <p:nvSpPr>
+          <p:cNvPr id="7" name="Slide Number Placeholder 6"/>
           <p:cNvSpPr>
             <a:spLocks noGrp="1"/>
           </p:cNvSpPr>
@@ -3015,7 +5202,12 @@
             <p:ph type="sldNum" sz="quarter" idx="12"/>
           </p:nvPr>
         </p:nvSpPr>
-        <p:spPr/>
+        <p:spPr>
+          <a:xfrm>
+            <a:off x="4862689" y="5915888"/>
+            <a:ext cx="1062155" cy="490599"/>
+          </a:xfrm>
+        </p:spPr>
         <p:txBody>
           <a:bodyPr/>
           <a:lstStyle/>
@@ -3026,42 +5218,14 @@
               <a:pPr algn="l"/>
               <a:t>‹#›</a:t>
             </a:fld>
-            <a:endParaRPr lang="en-US" dirty="0"/>
-          </a:p>
-        </p:txBody>
-      </p:sp>
-      <p:sp>
-        <p:nvSpPr>
-          <p:cNvPr id="2" name="Title 1">
-            <a:extLst>
-              <a:ext uri="{FF2B5EF4-FFF2-40B4-BE49-F238E27FC236}">
-                <a16:creationId xmlns:a16="http://schemas.microsoft.com/office/drawing/2014/main" id="{9BFF97FB-514D-4FE8-A9A4-E9A111A56ED4}"/>
-              </a:ext>
-            </a:extLst>
-          </p:cNvPr>
-          <p:cNvSpPr>
-            <a:spLocks noGrp="1"/>
-          </p:cNvSpPr>
-          <p:nvPr>
-            <p:ph type="title"/>
-          </p:nvPr>
-        </p:nvSpPr>
-        <p:spPr/>
-        <p:txBody>
-          <a:bodyPr/>
-          <a:lstStyle/>
-          <a:p>
-            <a:r>
-              <a:rPr lang="en-US"/>
-              <a:t>Click to edit Master title style</a:t>
-            </a:r>
+            <a:endParaRPr lang="en-US"/>
           </a:p>
         </p:txBody>
       </p:sp>
     </p:spTree>
     <p:extLst>
       <p:ext uri="{BB962C8B-B14F-4D97-AF65-F5344CB8AC3E}">
-        <p14:creationId xmlns:p14="http://schemas.microsoft.com/office/powerpoint/2010/main" val="2066433588"/>
+        <p14:creationId xmlns:p14="http://schemas.microsoft.com/office/powerpoint/2010/main" val="1450351280"/>
       </p:ext>
     </p:extLst>
   </p:cSld>
@@ -3076,7 +5240,7 @@
   <p:cSld>
     <p:bg>
       <p:bgRef idx="1001">
-        <a:schemeClr val="bg1"/>
+        <a:schemeClr val="bg2"/>
       </p:bgRef>
     </p:bg>
     <p:spTree>
@@ -3095,26 +5259,844 @@
       </p:grpSpPr>
       <p:sp>
         <p:nvSpPr>
-          <p:cNvPr id="8" name="Rectangle 7">
-            <a:extLst>
-              <a:ext uri="{FF2B5EF4-FFF2-40B4-BE49-F238E27FC236}">
-                <a16:creationId xmlns:a16="http://schemas.microsoft.com/office/drawing/2014/main" id="{1D153959-30FA-4987-A094-7243641F474B}"/>
-              </a:ext>
-            </a:extLst>
-          </p:cNvPr>
-          <p:cNvSpPr/>
-          <p:nvPr/>
+          <p:cNvPr id="2" name="Title Placeholder 1"/>
+          <p:cNvSpPr>
+            <a:spLocks noGrp="1"/>
+          </p:cNvSpPr>
+          <p:nvPr>
+            <p:ph type="title"/>
+          </p:nvPr>
         </p:nvSpPr>
         <p:spPr>
           <a:xfrm>
-            <a:off x="0" y="0"/>
-            <a:ext cx="12192000" cy="2264989"/>
+            <a:off x="810000" y="447188"/>
+            <a:ext cx="10571998" cy="970450"/>
           </a:xfrm>
           <a:prstGeom prst="rect">
             <a:avLst/>
           </a:prstGeom>
+          <a:effectLst>
+            <a:outerShdw blurRad="50800" dir="14400000">
+              <a:srgbClr val="000000">
+                <a:alpha val="60000"/>
+              </a:srgbClr>
+            </a:outerShdw>
+          </a:effectLst>
+        </p:spPr>
+        <p:txBody>
+          <a:bodyPr vert="horz" lIns="91440" tIns="45720" rIns="91440" bIns="45720" rtlCol="0" anchor="b">
+            <a:noAutofit/>
+          </a:bodyPr>
+          <a:lstStyle/>
+          <a:p>
+            <a:r>
+              <a:rPr lang="en-US"/>
+              <a:t>Click to edit Master title style</a:t>
+            </a:r>
+            <a:endParaRPr lang="en-US" dirty="0"/>
+          </a:p>
+        </p:txBody>
+      </p:sp>
+      <p:sp>
+        <p:nvSpPr>
+          <p:cNvPr id="3" name="Text Placeholder 2"/>
+          <p:cNvSpPr>
+            <a:spLocks noGrp="1"/>
+          </p:cNvSpPr>
+          <p:nvPr>
+            <p:ph type="body" idx="1"/>
+          </p:nvPr>
+        </p:nvSpPr>
+        <p:spPr>
+          <a:xfrm>
+            <a:off x="810000" y="2184401"/>
+            <a:ext cx="10563285" cy="3674397"/>
+          </a:xfrm>
+          <a:prstGeom prst="rect">
+            <a:avLst/>
+          </a:prstGeom>
+          <a:effectLst>
+            <a:outerShdw blurRad="50800" dir="14400000">
+              <a:srgbClr val="000000">
+                <a:alpha val="40000"/>
+              </a:srgbClr>
+            </a:outerShdw>
+          </a:effectLst>
+        </p:spPr>
+        <p:txBody>
+          <a:bodyPr vert="horz" lIns="91440" tIns="45720" rIns="91440" bIns="45720" rtlCol="0" anchor="ctr">
+            <a:normAutofit/>
+          </a:bodyPr>
+          <a:lstStyle/>
+          <a:p>
+            <a:pPr lvl="0"/>
+            <a:r>
+              <a:rPr lang="en-US"/>
+              <a:t>Click to edit Master text styles</a:t>
+            </a:r>
+          </a:p>
+          <a:p>
+            <a:pPr lvl="1"/>
+            <a:r>
+              <a:rPr lang="en-US"/>
+              <a:t>Second level</a:t>
+            </a:r>
+          </a:p>
+          <a:p>
+            <a:pPr lvl="2"/>
+            <a:r>
+              <a:rPr lang="en-US"/>
+              <a:t>Third level</a:t>
+            </a:r>
+          </a:p>
+          <a:p>
+            <a:pPr lvl="3"/>
+            <a:r>
+              <a:rPr lang="en-US"/>
+              <a:t>Fourth level</a:t>
+            </a:r>
+          </a:p>
+          <a:p>
+            <a:pPr lvl="4"/>
+            <a:r>
+              <a:rPr lang="en-US"/>
+              <a:t>Fifth level</a:t>
+            </a:r>
+            <a:endParaRPr lang="en-US" dirty="0"/>
+          </a:p>
+        </p:txBody>
+      </p:sp>
+      <p:sp>
+        <p:nvSpPr>
+          <p:cNvPr id="5" name="Footer Placeholder 4"/>
+          <p:cNvSpPr>
+            <a:spLocks noGrp="1"/>
+          </p:cNvSpPr>
+          <p:nvPr>
+            <p:ph type="ftr" sz="quarter" idx="3"/>
+          </p:nvPr>
+        </p:nvSpPr>
+        <p:spPr>
+          <a:xfrm>
+            <a:off x="451514" y="6041362"/>
+            <a:ext cx="8644320" cy="365125"/>
+          </a:xfrm>
+          <a:prstGeom prst="rect">
+            <a:avLst/>
+          </a:prstGeom>
+        </p:spPr>
+        <p:txBody>
+          <a:bodyPr vert="horz" lIns="91440" tIns="45720" rIns="91440" bIns="45720" rtlCol="0" anchor="b"/>
+          <a:lstStyle>
+            <a:lvl1pPr algn="l">
+              <a:defRPr sz="900">
+                <a:solidFill>
+                  <a:schemeClr val="tx1"/>
+                </a:solidFill>
+              </a:defRPr>
+            </a:lvl1pPr>
+          </a:lstStyle>
+          <a:p>
+            <a:endParaRPr lang="en-US" spc="50"/>
+          </a:p>
+        </p:txBody>
+      </p:sp>
+      <p:sp>
+        <p:nvSpPr>
+          <p:cNvPr id="4" name="Date Placeholder 3"/>
+          <p:cNvSpPr>
+            <a:spLocks noGrp="1"/>
+          </p:cNvSpPr>
+          <p:nvPr>
+            <p:ph type="dt" sz="half" idx="2"/>
+          </p:nvPr>
+        </p:nvSpPr>
+        <p:spPr>
+          <a:xfrm>
+            <a:off x="9334626" y="6041362"/>
+            <a:ext cx="1343706" cy="365125"/>
+          </a:xfrm>
+          <a:prstGeom prst="rect">
+            <a:avLst/>
+          </a:prstGeom>
+        </p:spPr>
+        <p:txBody>
+          <a:bodyPr vert="horz" lIns="91440" tIns="45720" rIns="91440" bIns="45720" rtlCol="0" anchor="b"/>
+          <a:lstStyle>
+            <a:lvl1pPr algn="r">
+              <a:defRPr sz="900">
+                <a:solidFill>
+                  <a:schemeClr val="tx1"/>
+                </a:solidFill>
+              </a:defRPr>
+            </a:lvl1pPr>
+          </a:lstStyle>
+          <a:p>
+            <a:pPr algn="r"/>
+            <a:fld id="{A37D6D71-8B28-4ED6-B932-04B197003D23}" type="datetimeFigureOut">
+              <a:rPr lang="en-US" smtClean="0"/>
+              <a:pPr algn="r"/>
+              <a:t>3/7/2023</a:t>
+            </a:fld>
+            <a:endParaRPr lang="en-US" spc="50"/>
+          </a:p>
+        </p:txBody>
+      </p:sp>
+      <p:sp>
+        <p:nvSpPr>
+          <p:cNvPr id="6" name="Slide Number Placeholder 5"/>
+          <p:cNvSpPr>
+            <a:spLocks noGrp="1"/>
+          </p:cNvSpPr>
+          <p:nvPr>
+            <p:ph type="sldNum" sz="quarter" idx="4"/>
+          </p:nvPr>
+        </p:nvSpPr>
+        <p:spPr>
+          <a:xfrm>
+            <a:off x="10678331" y="5915888"/>
+            <a:ext cx="1062155" cy="490599"/>
+          </a:xfrm>
+          <a:prstGeom prst="rect">
+            <a:avLst/>
+          </a:prstGeom>
+        </p:spPr>
+        <p:txBody>
+          <a:bodyPr vert="horz" lIns="91440" tIns="45720" rIns="91440" bIns="10800" rtlCol="0" anchor="b"/>
+          <a:lstStyle>
+            <a:lvl1pPr algn="r">
+              <a:defRPr sz="2000">
+                <a:solidFill>
+                  <a:schemeClr val="accent1"/>
+                </a:solidFill>
+              </a:defRPr>
+            </a:lvl1pPr>
+          </a:lstStyle>
+          <a:p>
+            <a:pPr algn="l"/>
+            <a:fld id="{F97E8200-1950-409B-82E7-99938E7AE355}" type="slidenum">
+              <a:rPr lang="en-US" smtClean="0"/>
+              <a:pPr algn="l"/>
+              <a:t>‹#›</a:t>
+            </a:fld>
+            <a:endParaRPr lang="en-US"/>
+          </a:p>
+        </p:txBody>
+      </p:sp>
+    </p:spTree>
+    <p:extLst>
+      <p:ext uri="{BB962C8B-B14F-4D97-AF65-F5344CB8AC3E}">
+        <p14:creationId xmlns:p14="http://schemas.microsoft.com/office/powerpoint/2010/main" val="3697658022"/>
+      </p:ext>
+    </p:extLst>
+  </p:cSld>
+  <p:clrMap bg1="dk1" tx1="lt1" bg2="dk2" tx2="lt2" accent1="accent1" accent2="accent2" accent3="accent3" accent4="accent4" accent5="accent5" accent6="accent6" hlink="hlink" folHlink="folHlink"/>
+  <p:sldLayoutIdLst>
+    <p:sldLayoutId id="2147483751" r:id="rId1"/>
+    <p:sldLayoutId id="2147483752" r:id="rId2"/>
+    <p:sldLayoutId id="2147483753" r:id="rId3"/>
+    <p:sldLayoutId id="2147483754" r:id="rId4"/>
+    <p:sldLayoutId id="2147483755" r:id="rId5"/>
+    <p:sldLayoutId id="2147483756" r:id="rId6"/>
+    <p:sldLayoutId id="2147483757" r:id="rId7"/>
+    <p:sldLayoutId id="2147483758" r:id="rId8"/>
+    <p:sldLayoutId id="2147483759" r:id="rId9"/>
+    <p:sldLayoutId id="2147483760" r:id="rId10"/>
+    <p:sldLayoutId id="2147483761" r:id="rId11"/>
+    <p:sldLayoutId id="2147483762" r:id="rId12"/>
+    <p:sldLayoutId id="2147483763" r:id="rId13"/>
+    <p:sldLayoutId id="2147483764" r:id="rId14"/>
+  </p:sldLayoutIdLst>
+  <p:txStyles>
+    <p:titleStyle>
+      <a:lvl1pPr algn="l" defTabSz="457200" rtl="0" eaLnBrk="1" latinLnBrk="0" hangingPunct="1">
+        <a:spcBef>
+          <a:spcPct val="0"/>
+        </a:spcBef>
+        <a:buNone/>
+        <a:defRPr sz="4000" b="1" kern="1200">
+          <a:solidFill>
+            <a:srgbClr val="FEFEFE"/>
+          </a:solidFill>
+          <a:latin typeface="+mj-lt"/>
+          <a:ea typeface="+mj-ea"/>
+          <a:cs typeface="+mj-cs"/>
+        </a:defRPr>
+      </a:lvl1pPr>
+      <a:lvl2pPr eaLnBrk="1" hangingPunct="1">
+        <a:defRPr>
+          <a:solidFill>
+            <a:schemeClr val="tx2"/>
+          </a:solidFill>
+        </a:defRPr>
+      </a:lvl2pPr>
+      <a:lvl3pPr eaLnBrk="1" hangingPunct="1">
+        <a:defRPr>
+          <a:solidFill>
+            <a:schemeClr val="tx2"/>
+          </a:solidFill>
+        </a:defRPr>
+      </a:lvl3pPr>
+      <a:lvl4pPr eaLnBrk="1" hangingPunct="1">
+        <a:defRPr>
+          <a:solidFill>
+            <a:schemeClr val="tx2"/>
+          </a:solidFill>
+        </a:defRPr>
+      </a:lvl4pPr>
+      <a:lvl5pPr eaLnBrk="1" hangingPunct="1">
+        <a:defRPr>
+          <a:solidFill>
+            <a:schemeClr val="tx2"/>
+          </a:solidFill>
+        </a:defRPr>
+      </a:lvl5pPr>
+      <a:lvl6pPr eaLnBrk="1" hangingPunct="1">
+        <a:defRPr>
+          <a:solidFill>
+            <a:schemeClr val="tx2"/>
+          </a:solidFill>
+        </a:defRPr>
+      </a:lvl6pPr>
+      <a:lvl7pPr eaLnBrk="1" hangingPunct="1">
+        <a:defRPr>
+          <a:solidFill>
+            <a:schemeClr val="tx2"/>
+          </a:solidFill>
+        </a:defRPr>
+      </a:lvl7pPr>
+      <a:lvl8pPr eaLnBrk="1" hangingPunct="1">
+        <a:defRPr>
+          <a:solidFill>
+            <a:schemeClr val="tx2"/>
+          </a:solidFill>
+        </a:defRPr>
+      </a:lvl8pPr>
+      <a:lvl9pPr eaLnBrk="1" hangingPunct="1">
+        <a:defRPr>
+          <a:solidFill>
+            <a:schemeClr val="tx2"/>
+          </a:solidFill>
+        </a:defRPr>
+      </a:lvl9pPr>
+    </p:titleStyle>
+    <p:bodyStyle>
+      <a:lvl1pPr marL="342900" indent="-342900" algn="l" defTabSz="457200" rtl="0" eaLnBrk="1" latinLnBrk="0" hangingPunct="1">
+        <a:spcBef>
+          <a:spcPct val="20000"/>
+        </a:spcBef>
+        <a:spcAft>
+          <a:spcPts val="600"/>
+        </a:spcAft>
+        <a:buClr>
+          <a:schemeClr val="accent1"/>
+        </a:buClr>
+        <a:buFont typeface="Wingdings 2" charset="2"/>
+        <a:buChar char=""/>
+        <a:defRPr sz="1800" kern="1200">
           <a:solidFill>
             <a:schemeClr val="tx1"/>
+          </a:solidFill>
+          <a:latin typeface="+mn-lt"/>
+          <a:ea typeface="+mn-ea"/>
+          <a:cs typeface="+mn-cs"/>
+        </a:defRPr>
+      </a:lvl1pPr>
+      <a:lvl2pPr marL="742950" indent="-285750" algn="l" defTabSz="457200" rtl="0" eaLnBrk="1" latinLnBrk="0" hangingPunct="1">
+        <a:spcBef>
+          <a:spcPct val="20000"/>
+        </a:spcBef>
+        <a:spcAft>
+          <a:spcPts val="600"/>
+        </a:spcAft>
+        <a:buClr>
+          <a:schemeClr val="accent1"/>
+        </a:buClr>
+        <a:buFont typeface="Wingdings 2" charset="2"/>
+        <a:buChar char=""/>
+        <a:defRPr sz="1600" kern="1200">
+          <a:solidFill>
+            <a:schemeClr val="tx1"/>
+          </a:solidFill>
+          <a:latin typeface="+mn-lt"/>
+          <a:ea typeface="+mn-ea"/>
+          <a:cs typeface="+mn-cs"/>
+        </a:defRPr>
+      </a:lvl2pPr>
+      <a:lvl3pPr marL="1143000" indent="-228600" algn="l" defTabSz="457200" rtl="0" eaLnBrk="1" latinLnBrk="0" hangingPunct="1">
+        <a:spcBef>
+          <a:spcPct val="20000"/>
+        </a:spcBef>
+        <a:spcAft>
+          <a:spcPts val="600"/>
+        </a:spcAft>
+        <a:buClr>
+          <a:schemeClr val="accent1"/>
+        </a:buClr>
+        <a:buFont typeface="Wingdings 2" charset="2"/>
+        <a:buChar char=""/>
+        <a:defRPr sz="1400" kern="1200">
+          <a:solidFill>
+            <a:schemeClr val="tx1"/>
+          </a:solidFill>
+          <a:latin typeface="+mn-lt"/>
+          <a:ea typeface="+mn-ea"/>
+          <a:cs typeface="+mn-cs"/>
+        </a:defRPr>
+      </a:lvl3pPr>
+      <a:lvl4pPr marL="1600200" indent="-228600" algn="l" defTabSz="457200" rtl="0" eaLnBrk="1" latinLnBrk="0" hangingPunct="1">
+        <a:spcBef>
+          <a:spcPct val="20000"/>
+        </a:spcBef>
+        <a:spcAft>
+          <a:spcPts val="600"/>
+        </a:spcAft>
+        <a:buClr>
+          <a:schemeClr val="accent1"/>
+        </a:buClr>
+        <a:buFont typeface="Wingdings 2" charset="2"/>
+        <a:buChar char=""/>
+        <a:defRPr sz="1200" kern="1200">
+          <a:solidFill>
+            <a:schemeClr val="tx1"/>
+          </a:solidFill>
+          <a:latin typeface="+mn-lt"/>
+          <a:ea typeface="+mn-ea"/>
+          <a:cs typeface="+mn-cs"/>
+        </a:defRPr>
+      </a:lvl4pPr>
+      <a:lvl5pPr marL="2057400" indent="-228600" algn="l" defTabSz="457200" rtl="0" eaLnBrk="1" latinLnBrk="0" hangingPunct="1">
+        <a:spcBef>
+          <a:spcPct val="20000"/>
+        </a:spcBef>
+        <a:spcAft>
+          <a:spcPts val="600"/>
+        </a:spcAft>
+        <a:buClr>
+          <a:schemeClr val="accent1"/>
+        </a:buClr>
+        <a:buFont typeface="Wingdings 2" charset="2"/>
+        <a:buChar char=""/>
+        <a:defRPr sz="1200" kern="1200">
+          <a:solidFill>
+            <a:schemeClr val="tx1"/>
+          </a:solidFill>
+          <a:latin typeface="+mn-lt"/>
+          <a:ea typeface="+mn-ea"/>
+          <a:cs typeface="+mn-cs"/>
+        </a:defRPr>
+      </a:lvl5pPr>
+      <a:lvl6pPr marL="2400000" indent="-228600" algn="l" defTabSz="457200" rtl="0" eaLnBrk="1" latinLnBrk="0" hangingPunct="1">
+        <a:spcBef>
+          <a:spcPct val="20000"/>
+        </a:spcBef>
+        <a:spcAft>
+          <a:spcPts val="600"/>
+        </a:spcAft>
+        <a:buClr>
+          <a:schemeClr val="accent1"/>
+        </a:buClr>
+        <a:buFont typeface="Wingdings 2" charset="2"/>
+        <a:buChar char=""/>
+        <a:defRPr sz="1200" kern="1200">
+          <a:solidFill>
+            <a:schemeClr val="tx1"/>
+          </a:solidFill>
+          <a:latin typeface="+mn-lt"/>
+          <a:ea typeface="+mn-ea"/>
+          <a:cs typeface="+mn-cs"/>
+        </a:defRPr>
+      </a:lvl6pPr>
+      <a:lvl7pPr marL="2800000" indent="-228600" algn="l" defTabSz="457200" rtl="0" eaLnBrk="1" latinLnBrk="0" hangingPunct="1">
+        <a:spcBef>
+          <a:spcPct val="20000"/>
+        </a:spcBef>
+        <a:spcAft>
+          <a:spcPts val="600"/>
+        </a:spcAft>
+        <a:buClr>
+          <a:schemeClr val="accent1"/>
+        </a:buClr>
+        <a:buFont typeface="Wingdings 2" charset="2"/>
+        <a:buChar char=""/>
+        <a:defRPr sz="1200" kern="1200">
+          <a:solidFill>
+            <a:schemeClr val="tx1"/>
+          </a:solidFill>
+          <a:latin typeface="+mn-lt"/>
+          <a:ea typeface="+mn-ea"/>
+          <a:cs typeface="+mn-cs"/>
+        </a:defRPr>
+      </a:lvl7pPr>
+      <a:lvl8pPr marL="3200000" indent="-228600" algn="l" defTabSz="457200" rtl="0" eaLnBrk="1" latinLnBrk="0" hangingPunct="1">
+        <a:spcBef>
+          <a:spcPct val="20000"/>
+        </a:spcBef>
+        <a:spcAft>
+          <a:spcPts val="600"/>
+        </a:spcAft>
+        <a:buClr>
+          <a:schemeClr val="accent1"/>
+        </a:buClr>
+        <a:buFont typeface="Wingdings 2" charset="2"/>
+        <a:buChar char=""/>
+        <a:defRPr sz="1200" kern="1200">
+          <a:solidFill>
+            <a:schemeClr val="tx1"/>
+          </a:solidFill>
+          <a:latin typeface="+mn-lt"/>
+          <a:ea typeface="+mn-ea"/>
+          <a:cs typeface="+mn-cs"/>
+        </a:defRPr>
+      </a:lvl8pPr>
+      <a:lvl9pPr marL="3600000" indent="-228600" algn="l" defTabSz="457200" rtl="0" eaLnBrk="1" latinLnBrk="0" hangingPunct="1">
+        <a:spcBef>
+          <a:spcPct val="20000"/>
+        </a:spcBef>
+        <a:spcAft>
+          <a:spcPts val="600"/>
+        </a:spcAft>
+        <a:buClr>
+          <a:schemeClr val="accent1"/>
+        </a:buClr>
+        <a:buFont typeface="Wingdings 2" charset="2"/>
+        <a:buChar char=""/>
+        <a:defRPr sz="1200" kern="1200">
+          <a:solidFill>
+            <a:schemeClr val="tx1"/>
+          </a:solidFill>
+          <a:latin typeface="+mn-lt"/>
+          <a:ea typeface="+mn-ea"/>
+          <a:cs typeface="+mn-cs"/>
+        </a:defRPr>
+      </a:lvl9pPr>
+    </p:bodyStyle>
+    <p:otherStyle>
+      <a:defPPr>
+        <a:defRPr lang="en-US"/>
+      </a:defPPr>
+      <a:lvl1pPr marL="0" algn="l" defTabSz="457200" rtl="0" eaLnBrk="1" latinLnBrk="0" hangingPunct="1">
+        <a:defRPr sz="1800" kern="1200">
+          <a:solidFill>
+            <a:schemeClr val="tx1"/>
+          </a:solidFill>
+          <a:latin typeface="+mn-lt"/>
+          <a:ea typeface="+mn-ea"/>
+          <a:cs typeface="+mn-cs"/>
+        </a:defRPr>
+      </a:lvl1pPr>
+      <a:lvl2pPr marL="457200" algn="l" defTabSz="457200" rtl="0" eaLnBrk="1" latinLnBrk="0" hangingPunct="1">
+        <a:defRPr sz="1800" kern="1200">
+          <a:solidFill>
+            <a:schemeClr val="tx1"/>
+          </a:solidFill>
+          <a:latin typeface="+mn-lt"/>
+          <a:ea typeface="+mn-ea"/>
+          <a:cs typeface="+mn-cs"/>
+        </a:defRPr>
+      </a:lvl2pPr>
+      <a:lvl3pPr marL="914400" algn="l" defTabSz="457200" rtl="0" eaLnBrk="1" latinLnBrk="0" hangingPunct="1">
+        <a:defRPr sz="1800" kern="1200">
+          <a:solidFill>
+            <a:schemeClr val="tx1"/>
+          </a:solidFill>
+          <a:latin typeface="+mn-lt"/>
+          <a:ea typeface="+mn-ea"/>
+          <a:cs typeface="+mn-cs"/>
+        </a:defRPr>
+      </a:lvl3pPr>
+      <a:lvl4pPr marL="1371600" algn="l" defTabSz="457200" rtl="0" eaLnBrk="1" latinLnBrk="0" hangingPunct="1">
+        <a:defRPr sz="1800" kern="1200">
+          <a:solidFill>
+            <a:schemeClr val="tx1"/>
+          </a:solidFill>
+          <a:latin typeface="+mn-lt"/>
+          <a:ea typeface="+mn-ea"/>
+          <a:cs typeface="+mn-cs"/>
+        </a:defRPr>
+      </a:lvl4pPr>
+      <a:lvl5pPr marL="1828800" algn="l" defTabSz="457200" rtl="0" eaLnBrk="1" latinLnBrk="0" hangingPunct="1">
+        <a:defRPr sz="1800" kern="1200">
+          <a:solidFill>
+            <a:schemeClr val="tx1"/>
+          </a:solidFill>
+          <a:latin typeface="+mn-lt"/>
+          <a:ea typeface="+mn-ea"/>
+          <a:cs typeface="+mn-cs"/>
+        </a:defRPr>
+      </a:lvl5pPr>
+      <a:lvl6pPr marL="2286000" algn="l" defTabSz="457200" rtl="0" eaLnBrk="1" latinLnBrk="0" hangingPunct="1">
+        <a:defRPr sz="1800" kern="1200">
+          <a:solidFill>
+            <a:schemeClr val="tx1"/>
+          </a:solidFill>
+          <a:latin typeface="+mn-lt"/>
+          <a:ea typeface="+mn-ea"/>
+          <a:cs typeface="+mn-cs"/>
+        </a:defRPr>
+      </a:lvl6pPr>
+      <a:lvl7pPr marL="2743200" algn="l" defTabSz="457200" rtl="0" eaLnBrk="1" latinLnBrk="0" hangingPunct="1">
+        <a:defRPr sz="1800" kern="1200">
+          <a:solidFill>
+            <a:schemeClr val="tx1"/>
+          </a:solidFill>
+          <a:latin typeface="+mn-lt"/>
+          <a:ea typeface="+mn-ea"/>
+          <a:cs typeface="+mn-cs"/>
+        </a:defRPr>
+      </a:lvl7pPr>
+      <a:lvl8pPr marL="3200400" algn="l" defTabSz="457200" rtl="0" eaLnBrk="1" latinLnBrk="0" hangingPunct="1">
+        <a:defRPr sz="1800" kern="1200">
+          <a:solidFill>
+            <a:schemeClr val="tx1"/>
+          </a:solidFill>
+          <a:latin typeface="+mn-lt"/>
+          <a:ea typeface="+mn-ea"/>
+          <a:cs typeface="+mn-cs"/>
+        </a:defRPr>
+      </a:lvl8pPr>
+      <a:lvl9pPr marL="3657600" algn="l" defTabSz="457200" rtl="0" eaLnBrk="1" latinLnBrk="0" hangingPunct="1">
+        <a:defRPr sz="1800" kern="1200">
+          <a:solidFill>
+            <a:schemeClr val="tx1"/>
+          </a:solidFill>
+          <a:latin typeface="+mn-lt"/>
+          <a:ea typeface="+mn-ea"/>
+          <a:cs typeface="+mn-cs"/>
+        </a:defRPr>
+      </a:lvl9pPr>
+    </p:otherStyle>
+  </p:txStyles>
+</p:sldMaster>
+</file>
+
+<file path=ppt/slides/slide1.xml><?xml version="1.0" encoding="utf-8"?>
+<p:sld xmlns:a="http://schemas.openxmlformats.org/drawingml/2006/main" xmlns:r="http://schemas.openxmlformats.org/officeDocument/2006/relationships" xmlns:p="http://schemas.openxmlformats.org/presentationml/2006/main">
+  <p:cSld>
+    <p:bg>
+      <p:bgPr>
+        <a:solidFill>
+          <a:schemeClr val="bg2"/>
+        </a:solidFill>
+        <a:effectLst/>
+      </p:bgPr>
+    </p:bg>
+    <p:spTree>
+      <p:nvGrpSpPr>
+        <p:cNvPr id="1" name=""/>
+        <p:cNvGrpSpPr/>
+        <p:nvPr/>
+      </p:nvGrpSpPr>
+      <p:grpSpPr>
+        <a:xfrm>
+          <a:off x="0" y="0"/>
+          <a:ext cx="0" cy="0"/>
+          <a:chOff x="0" y="0"/>
+          <a:chExt cx="0" cy="0"/>
+        </a:xfrm>
+      </p:grpSpPr>
+      <p:pic>
+        <p:nvPicPr>
+          <p:cNvPr id="14" name="Picture 3">
+            <a:extLst>
+              <a:ext uri="{FF2B5EF4-FFF2-40B4-BE49-F238E27FC236}">
+                <a16:creationId xmlns:a16="http://schemas.microsoft.com/office/drawing/2014/main" id="{E0DC1DF3-40BE-F487-2D66-E117B101BD49}"/>
+              </a:ext>
+            </a:extLst>
+          </p:cNvPr>
+          <p:cNvPicPr>
+            <a:picLocks noChangeAspect="1"/>
+          </p:cNvPicPr>
+          <p:nvPr/>
+        </p:nvPicPr>
+        <p:blipFill rotWithShape="1">
+          <a:blip r:embed="rId2">
+            <a:extLst>
+              <a:ext uri="{28A0092B-C50C-407E-A947-70E740481C1C}">
+                <a14:useLocalDpi xmlns:a14="http://schemas.microsoft.com/office/drawing/2010/main" val="0"/>
+              </a:ext>
+            </a:extLst>
+          </a:blip>
+          <a:srcRect t="11361" b="17434"/>
+          <a:stretch/>
+        </p:blipFill>
+        <p:spPr>
+          <a:xfrm>
+            <a:off x="-1" y="-1"/>
+            <a:ext cx="12192001" cy="4883281"/>
+          </a:xfrm>
+          <a:prstGeom prst="rect">
+            <a:avLst/>
+          </a:prstGeom>
+        </p:spPr>
+      </p:pic>
+      <p:sp>
+        <p:nvSpPr>
+          <p:cNvPr id="19" name="Freeform 9">
+            <a:extLst>
+              <a:ext uri="{FF2B5EF4-FFF2-40B4-BE49-F238E27FC236}">
+                <a16:creationId xmlns:a16="http://schemas.microsoft.com/office/drawing/2014/main" id="{AFB83730-58A8-42CA-90B3-5D5D2D1B00BC}"/>
+              </a:ext>
+              <a:ext uri="{C183D7F6-B498-43B3-948B-1728B52AA6E4}">
+                <adec:decorative xmlns:adec="http://schemas.microsoft.com/office/drawing/2017/decorative" val="1"/>
+              </a:ext>
+            </a:extLst>
+          </p:cNvPr>
+          <p:cNvSpPr>
+            <a:spLocks noGrp="1" noRot="1" noChangeAspect="1" noMove="1" noResize="1" noEditPoints="1" noAdjustHandles="1" noChangeArrowheads="1" noChangeShapeType="1" noTextEdit="1"/>
+          </p:cNvSpPr>
+          <p:nvPr>
+            <p:extLst>
+              <p:ext uri="{386F3935-93C4-4BCD-93E2-E3B085C9AB24}">
+                <p16:designElem xmlns:p16="http://schemas.microsoft.com/office/powerpoint/2015/main" val="1"/>
+              </p:ext>
+            </p:extLst>
+          </p:nvPr>
+        </p:nvSpPr>
+        <p:spPr bwMode="white">
+          <a:xfrm>
+            <a:off x="0" y="4547642"/>
+            <a:ext cx="12192000" cy="2332906"/>
+          </a:xfrm>
+          <a:custGeom>
+            <a:avLst/>
+            <a:gdLst>
+              <a:gd name="connsiteX0" fmla="*/ 0 w 12192000"/>
+              <a:gd name="connsiteY0" fmla="*/ 0 h 2332906"/>
+              <a:gd name="connsiteX1" fmla="*/ 1996017 w 12192000"/>
+              <a:gd name="connsiteY1" fmla="*/ 0 h 2332906"/>
+              <a:gd name="connsiteX2" fmla="*/ 2377017 w 12192000"/>
+              <a:gd name="connsiteY2" fmla="*/ 263783 h 2332906"/>
+              <a:gd name="connsiteX3" fmla="*/ 2385484 w 12192000"/>
+              <a:gd name="connsiteY3" fmla="*/ 266713 h 2332906"/>
+              <a:gd name="connsiteX4" fmla="*/ 2398184 w 12192000"/>
+              <a:gd name="connsiteY4" fmla="*/ 271110 h 2332906"/>
+              <a:gd name="connsiteX5" fmla="*/ 2410883 w 12192000"/>
+              <a:gd name="connsiteY5" fmla="*/ 275506 h 2332906"/>
+              <a:gd name="connsiteX6" fmla="*/ 2421467 w 12192000"/>
+              <a:gd name="connsiteY6" fmla="*/ 275506 h 2332906"/>
+              <a:gd name="connsiteX7" fmla="*/ 2434167 w 12192000"/>
+              <a:gd name="connsiteY7" fmla="*/ 275506 h 2332906"/>
+              <a:gd name="connsiteX8" fmla="*/ 2444750 w 12192000"/>
+              <a:gd name="connsiteY8" fmla="*/ 271110 h 2332906"/>
+              <a:gd name="connsiteX9" fmla="*/ 2457450 w 12192000"/>
+              <a:gd name="connsiteY9" fmla="*/ 266713 h 2332906"/>
+              <a:gd name="connsiteX10" fmla="*/ 2465917 w 12192000"/>
+              <a:gd name="connsiteY10" fmla="*/ 263783 h 2332906"/>
+              <a:gd name="connsiteX11" fmla="*/ 2846917 w 12192000"/>
+              <a:gd name="connsiteY11" fmla="*/ 0 h 2332906"/>
+              <a:gd name="connsiteX12" fmla="*/ 12192000 w 12192000"/>
+              <a:gd name="connsiteY12" fmla="*/ 0 h 2332906"/>
+              <a:gd name="connsiteX13" fmla="*/ 12192000 w 12192000"/>
+              <a:gd name="connsiteY13" fmla="*/ 2332906 h 2332906"/>
+              <a:gd name="connsiteX14" fmla="*/ 0 w 12192000"/>
+              <a:gd name="connsiteY14" fmla="*/ 2332906 h 2332906"/>
+            </a:gdLst>
+            <a:ahLst/>
+            <a:cxnLst>
+              <a:cxn ang="0">
+                <a:pos x="connsiteX0" y="connsiteY0"/>
+              </a:cxn>
+              <a:cxn ang="0">
+                <a:pos x="connsiteX1" y="connsiteY1"/>
+              </a:cxn>
+              <a:cxn ang="0">
+                <a:pos x="connsiteX2" y="connsiteY2"/>
+              </a:cxn>
+              <a:cxn ang="0">
+                <a:pos x="connsiteX3" y="connsiteY3"/>
+              </a:cxn>
+              <a:cxn ang="0">
+                <a:pos x="connsiteX4" y="connsiteY4"/>
+              </a:cxn>
+              <a:cxn ang="0">
+                <a:pos x="connsiteX5" y="connsiteY5"/>
+              </a:cxn>
+              <a:cxn ang="0">
+                <a:pos x="connsiteX6" y="connsiteY6"/>
+              </a:cxn>
+              <a:cxn ang="0">
+                <a:pos x="connsiteX7" y="connsiteY7"/>
+              </a:cxn>
+              <a:cxn ang="0">
+                <a:pos x="connsiteX8" y="connsiteY8"/>
+              </a:cxn>
+              <a:cxn ang="0">
+                <a:pos x="connsiteX9" y="connsiteY9"/>
+              </a:cxn>
+              <a:cxn ang="0">
+                <a:pos x="connsiteX10" y="connsiteY10"/>
+              </a:cxn>
+              <a:cxn ang="0">
+                <a:pos x="connsiteX11" y="connsiteY11"/>
+              </a:cxn>
+              <a:cxn ang="0">
+                <a:pos x="connsiteX12" y="connsiteY12"/>
+              </a:cxn>
+              <a:cxn ang="0">
+                <a:pos x="connsiteX13" y="connsiteY13"/>
+              </a:cxn>
+              <a:cxn ang="0">
+                <a:pos x="connsiteX14" y="connsiteY14"/>
+              </a:cxn>
+            </a:cxnLst>
+            <a:rect l="l" t="t" r="r" b="b"/>
+            <a:pathLst>
+              <a:path w="12192000" h="2332906">
+                <a:moveTo>
+                  <a:pt x="0" y="0"/>
+                </a:moveTo>
+                <a:lnTo>
+                  <a:pt x="1996017" y="0"/>
+                </a:lnTo>
+                <a:lnTo>
+                  <a:pt x="2377017" y="263783"/>
+                </a:lnTo>
+                <a:lnTo>
+                  <a:pt x="2385484" y="266713"/>
+                </a:lnTo>
+                <a:lnTo>
+                  <a:pt x="2398184" y="271110"/>
+                </a:lnTo>
+                <a:lnTo>
+                  <a:pt x="2410883" y="275506"/>
+                </a:lnTo>
+                <a:lnTo>
+                  <a:pt x="2421467" y="275506"/>
+                </a:lnTo>
+                <a:lnTo>
+                  <a:pt x="2434167" y="275506"/>
+                </a:lnTo>
+                <a:lnTo>
+                  <a:pt x="2444750" y="271110"/>
+                </a:lnTo>
+                <a:lnTo>
+                  <a:pt x="2457450" y="266713"/>
+                </a:lnTo>
+                <a:lnTo>
+                  <a:pt x="2465917" y="263783"/>
+                </a:lnTo>
+                <a:lnTo>
+                  <a:pt x="2846917" y="0"/>
+                </a:lnTo>
+                <a:lnTo>
+                  <a:pt x="12192000" y="0"/>
+                </a:lnTo>
+                <a:lnTo>
+                  <a:pt x="12192000" y="2332906"/>
+                </a:lnTo>
+                <a:lnTo>
+                  <a:pt x="0" y="2332906"/>
+                </a:lnTo>
+                <a:close/>
+              </a:path>
+            </a:pathLst>
+          </a:custGeom>
+          <a:solidFill>
+            <a:schemeClr val="bg1">
+              <a:lumMod val="85000"/>
+              <a:lumOff val="15000"/>
+            </a:schemeClr>
           </a:solidFill>
           <a:ln>
             <a:noFill/>
@@ -3147,10 +6129,10 @@
       </p:sp>
       <p:sp>
         <p:nvSpPr>
-          <p:cNvPr id="2" name="Title Placeholder 1">
+          <p:cNvPr id="2" name="Title 1">
             <a:extLst>
               <a:ext uri="{FF2B5EF4-FFF2-40B4-BE49-F238E27FC236}">
-                <a16:creationId xmlns:a16="http://schemas.microsoft.com/office/drawing/2014/main" id="{50216229-A6DB-436A-B327-667E80F0A563}"/>
+                <a16:creationId xmlns:a16="http://schemas.microsoft.com/office/drawing/2014/main" id="{E4E68A5B-19B7-892A-D206-7C0CE771DEF4}"/>
               </a:ext>
             </a:extLst>
           </p:cNvPr>
@@ -3158,38 +6140,35 @@
             <a:spLocks noGrp="1"/>
           </p:cNvSpPr>
           <p:nvPr>
-            <p:ph type="title"/>
+            <p:ph type="ctrTitle"/>
           </p:nvPr>
         </p:nvSpPr>
         <p:spPr>
           <a:xfrm>
-            <a:off x="960120" y="317814"/>
-            <a:ext cx="10268712" cy="1700784"/>
+            <a:off x="812788" y="4895558"/>
+            <a:ext cx="10572000" cy="779529"/>
           </a:xfrm>
-          <a:prstGeom prst="rect">
-            <a:avLst/>
-          </a:prstGeom>
         </p:spPr>
         <p:txBody>
-          <a:bodyPr vert="horz" lIns="91440" tIns="45720" rIns="91440" bIns="45720" rtlCol="0" anchor="ctr">
+          <a:bodyPr>
             <a:normAutofit/>
           </a:bodyPr>
           <a:lstStyle/>
           <a:p>
             <a:r>
-              <a:rPr lang="en-US"/>
-              <a:t>Click to edit Master title style</a:t>
-            </a:r>
-            <a:endParaRPr lang="en-US" dirty="0"/>
-          </a:p>
-        </p:txBody>
-      </p:sp>
-      <p:sp>
-        <p:nvSpPr>
-          <p:cNvPr id="3" name="Text Placeholder 2">
+              <a:rPr lang="en-US" sz="4000"/>
+              <a:t>Cooktastrophe</a:t>
+            </a:r>
+            <a:endParaRPr lang="en-IE" sz="4000"/>
+          </a:p>
+        </p:txBody>
+      </p:sp>
+      <p:sp>
+        <p:nvSpPr>
+          <p:cNvPr id="3" name="Subtitle 2">
             <a:extLst>
               <a:ext uri="{FF2B5EF4-FFF2-40B4-BE49-F238E27FC236}">
-                <a16:creationId xmlns:a16="http://schemas.microsoft.com/office/drawing/2014/main" id="{7B2B351D-270D-480D-8AF5-6A213ED2B3FB}"/>
+                <a16:creationId xmlns:a16="http://schemas.microsoft.com/office/drawing/2014/main" id="{2BC3F00D-C13C-DA3C-79BB-0B8F9090EA4F}"/>
               </a:ext>
             </a:extLst>
           </p:cNvPr>
@@ -3197,524 +6176,69 @@
             <a:spLocks noGrp="1"/>
           </p:cNvSpPr>
           <p:nvPr>
-            <p:ph type="body" idx="1"/>
+            <p:ph type="subTitle" idx="1"/>
           </p:nvPr>
         </p:nvSpPr>
         <p:spPr>
           <a:xfrm>
-            <a:off x="960120" y="2587752"/>
-            <a:ext cx="10268712" cy="3593592"/>
+            <a:off x="810001" y="5594109"/>
+            <a:ext cx="10572000" cy="779529"/>
           </a:xfrm>
-          <a:prstGeom prst="rect">
-            <a:avLst/>
-          </a:prstGeom>
         </p:spPr>
         <p:txBody>
-          <a:bodyPr vert="horz" lIns="91440" tIns="45720" rIns="91440" bIns="45720" rtlCol="0">
-            <a:normAutofit/>
+          <a:bodyPr>
+            <a:noAutofit/>
           </a:bodyPr>
           <a:lstStyle/>
           <a:p>
-            <a:pPr lvl="0"/>
-            <a:r>
-              <a:rPr lang="en-US"/>
-              <a:t>Click to edit Master text styles</a:t>
-            </a:r>
-          </a:p>
-          <a:p>
-            <a:pPr lvl="1"/>
-            <a:r>
-              <a:rPr lang="en-US"/>
-              <a:t>Second level</a:t>
-            </a:r>
-          </a:p>
-          <a:p>
-            <a:pPr lvl="2"/>
-            <a:r>
-              <a:rPr lang="en-US"/>
-              <a:t>Third level</a:t>
-            </a:r>
-          </a:p>
-          <a:p>
-            <a:pPr lvl="3"/>
-            <a:r>
-              <a:rPr lang="en-US"/>
-              <a:t>Fourth level</a:t>
-            </a:r>
-          </a:p>
-          <a:p>
-            <a:pPr lvl="4"/>
-            <a:r>
-              <a:rPr lang="en-US"/>
-              <a:t>Fifth level</a:t>
-            </a:r>
-            <a:endParaRPr lang="en-US" dirty="0"/>
-          </a:p>
-        </p:txBody>
-      </p:sp>
-      <p:sp>
-        <p:nvSpPr>
-          <p:cNvPr id="4" name="Date Placeholder 3">
-            <a:extLst>
-              <a:ext uri="{FF2B5EF4-FFF2-40B4-BE49-F238E27FC236}">
-                <a16:creationId xmlns:a16="http://schemas.microsoft.com/office/drawing/2014/main" id="{E1EB0E73-3310-4A8F-BB4A-7A6A99121A61}"/>
-              </a:ext>
-            </a:extLst>
-          </p:cNvPr>
-          <p:cNvSpPr>
-            <a:spLocks noGrp="1"/>
-          </p:cNvSpPr>
-          <p:nvPr>
-            <p:ph type="dt" sz="half" idx="2"/>
-          </p:nvPr>
-        </p:nvSpPr>
-        <p:spPr>
-          <a:xfrm>
-            <a:off x="6903720" y="6356350"/>
-            <a:ext cx="3236976" cy="365125"/>
-          </a:xfrm>
-          <a:prstGeom prst="rect">
-            <a:avLst/>
-          </a:prstGeom>
-        </p:spPr>
-        <p:txBody>
-          <a:bodyPr vert="horz" lIns="91440" tIns="45720" rIns="91440" bIns="45720" rtlCol="0" anchor="ctr"/>
-          <a:lstStyle>
-            <a:lvl1pPr algn="just">
-              <a:defRPr sz="1200" spc="50" baseline="0">
-                <a:solidFill>
-                  <a:schemeClr val="tx1"/>
-                </a:solidFill>
-              </a:defRPr>
-            </a:lvl1pPr>
-          </a:lstStyle>
-          <a:p>
-            <a:pPr algn="r"/>
-            <a:fld id="{A37D6D71-8B28-4ED6-B932-04B197003D23}" type="datetimeFigureOut">
-              <a:rPr lang="en-US" smtClean="0"/>
-              <a:pPr algn="r"/>
-              <a:t>3/2/2023</a:t>
-            </a:fld>
-            <a:endParaRPr lang="en-US" spc="50" dirty="0"/>
-          </a:p>
-        </p:txBody>
-      </p:sp>
-      <p:sp>
-        <p:nvSpPr>
-          <p:cNvPr id="5" name="Footer Placeholder 4">
-            <a:extLst>
-              <a:ext uri="{FF2B5EF4-FFF2-40B4-BE49-F238E27FC236}">
-                <a16:creationId xmlns:a16="http://schemas.microsoft.com/office/drawing/2014/main" id="{1381C4C0-515B-4404-A780-C31E7DFE54A4}"/>
-              </a:ext>
-            </a:extLst>
-          </p:cNvPr>
-          <p:cNvSpPr>
-            <a:spLocks noGrp="1"/>
-          </p:cNvSpPr>
-          <p:nvPr>
-            <p:ph type="ftr" sz="quarter" idx="3"/>
-          </p:nvPr>
-        </p:nvSpPr>
-        <p:spPr>
-          <a:xfrm>
-            <a:off x="960120" y="6356350"/>
-            <a:ext cx="5504688" cy="365125"/>
-          </a:xfrm>
-          <a:prstGeom prst="rect">
-            <a:avLst/>
-          </a:prstGeom>
-        </p:spPr>
-        <p:txBody>
-          <a:bodyPr vert="horz" lIns="91440" tIns="45720" rIns="91440" bIns="45720" rtlCol="0" anchor="ctr"/>
-          <a:lstStyle>
-            <a:lvl1pPr algn="l">
-              <a:defRPr sz="1100" cap="all" spc="50" baseline="0">
-                <a:solidFill>
-                  <a:schemeClr val="tx1"/>
-                </a:solidFill>
-              </a:defRPr>
-            </a:lvl1pPr>
-          </a:lstStyle>
-          <a:p>
-            <a:endParaRPr lang="en-US" spc="50" dirty="0"/>
-          </a:p>
-        </p:txBody>
-      </p:sp>
-      <p:sp>
-        <p:nvSpPr>
-          <p:cNvPr id="6" name="Slide Number Placeholder 5">
-            <a:extLst>
-              <a:ext uri="{FF2B5EF4-FFF2-40B4-BE49-F238E27FC236}">
-                <a16:creationId xmlns:a16="http://schemas.microsoft.com/office/drawing/2014/main" id="{944C30C7-F013-428C-A6F7-A8CCCD14CEF4}"/>
-              </a:ext>
-            </a:extLst>
-          </p:cNvPr>
-          <p:cNvSpPr>
-            <a:spLocks noGrp="1"/>
-          </p:cNvSpPr>
-          <p:nvPr>
-            <p:ph type="sldNum" sz="quarter" idx="4"/>
-          </p:nvPr>
-        </p:nvSpPr>
-        <p:spPr>
-          <a:xfrm>
-            <a:off x="10296144" y="6356350"/>
-            <a:ext cx="932688" cy="365125"/>
-          </a:xfrm>
-          <a:prstGeom prst="rect">
-            <a:avLst/>
-          </a:prstGeom>
-        </p:spPr>
-        <p:txBody>
-          <a:bodyPr vert="horz" lIns="91440" tIns="45720" rIns="91440" bIns="45720" rtlCol="0" anchor="ctr"/>
-          <a:lstStyle>
-            <a:lvl1pPr algn="r">
-              <a:defRPr sz="1200">
-                <a:solidFill>
-                  <a:schemeClr val="tx1"/>
-                </a:solidFill>
-              </a:defRPr>
-            </a:lvl1pPr>
-          </a:lstStyle>
-          <a:p>
-            <a:pPr algn="l"/>
-            <a:fld id="{F97E8200-1950-409B-82E7-99938E7AE355}" type="slidenum">
-              <a:rPr lang="en-US" smtClean="0"/>
-              <a:pPr algn="l"/>
-              <a:t>‹#›</a:t>
-            </a:fld>
-            <a:endParaRPr lang="en-US" dirty="0"/>
+            <a:pPr>
+              <a:lnSpc>
+                <a:spcPct val="90000"/>
+              </a:lnSpc>
+            </a:pPr>
+            <a:r>
+              <a:rPr lang="en-US" dirty="0"/>
+              <a:t>A VR Gaming Experience</a:t>
+            </a:r>
+          </a:p>
+          <a:p>
+            <a:pPr>
+              <a:lnSpc>
+                <a:spcPct val="90000"/>
+              </a:lnSpc>
+            </a:pPr>
+            <a:r>
+              <a:rPr lang="en-US" dirty="0"/>
+              <a:t>By Aisha, Jane, Karl and </a:t>
+            </a:r>
+            <a:r>
+              <a:rPr lang="en-US" dirty="0" err="1"/>
+              <a:t>Tadhg</a:t>
+            </a:r>
+            <a:endParaRPr lang="en-IE" dirty="0"/>
           </a:p>
         </p:txBody>
       </p:sp>
     </p:spTree>
     <p:extLst>
       <p:ext uri="{BB962C8B-B14F-4D97-AF65-F5344CB8AC3E}">
-        <p14:creationId xmlns:p14="http://schemas.microsoft.com/office/powerpoint/2010/main" val="734822157"/>
+        <p14:creationId xmlns:p14="http://schemas.microsoft.com/office/powerpoint/2010/main" val="857268925"/>
       </p:ext>
     </p:extLst>
   </p:cSld>
-  <p:clrMap bg1="lt1" tx1="dk1" bg2="lt2" tx2="dk2" accent1="accent1" accent2="accent2" accent3="accent3" accent4="accent4" accent5="accent5" accent6="accent6" hlink="hlink" folHlink="folHlink"/>
-  <p:sldLayoutIdLst>
-    <p:sldLayoutId id="2147483744" r:id="rId1"/>
-    <p:sldLayoutId id="2147483745" r:id="rId2"/>
-    <p:sldLayoutId id="2147483746" r:id="rId3"/>
-    <p:sldLayoutId id="2147483747" r:id="rId4"/>
-    <p:sldLayoutId id="2147483748" r:id="rId5"/>
-    <p:sldLayoutId id="2147483742" r:id="rId6"/>
-    <p:sldLayoutId id="2147483738" r:id="rId7"/>
-    <p:sldLayoutId id="2147483739" r:id="rId8"/>
-    <p:sldLayoutId id="2147483740" r:id="rId9"/>
-    <p:sldLayoutId id="2147483741" r:id="rId10"/>
-    <p:sldLayoutId id="2147483743" r:id="rId11"/>
-  </p:sldLayoutIdLst>
-  <p:txStyles>
-    <p:titleStyle>
-      <a:lvl1pPr algn="l" defTabSz="914400" rtl="0" eaLnBrk="1" latinLnBrk="0" hangingPunct="1">
-        <a:lnSpc>
-          <a:spcPct val="90000"/>
-        </a:lnSpc>
-        <a:spcBef>
-          <a:spcPct val="0"/>
-        </a:spcBef>
-        <a:buNone/>
-        <a:defRPr sz="6600" kern="1200" cap="all" spc="120" baseline="0">
-          <a:solidFill>
-            <a:schemeClr val="bg1"/>
-          </a:solidFill>
-          <a:latin typeface="+mj-lt"/>
-          <a:ea typeface="+mj-ea"/>
-          <a:cs typeface="+mj-cs"/>
-        </a:defRPr>
-      </a:lvl1pPr>
-    </p:titleStyle>
-    <p:bodyStyle>
-      <a:lvl1pPr marL="0" indent="0" algn="l" defTabSz="914400" rtl="0" eaLnBrk="1" latinLnBrk="0" hangingPunct="1">
-        <a:lnSpc>
-          <a:spcPct val="101000"/>
-        </a:lnSpc>
-        <a:spcBef>
-          <a:spcPts val="700"/>
-        </a:spcBef>
-        <a:spcAft>
-          <a:spcPts val="700"/>
-        </a:spcAft>
-        <a:buFont typeface="Arial" panose="020B0604020202020204" pitchFamily="34" charset="0"/>
-        <a:buNone/>
-        <a:defRPr sz="2600" kern="1200" spc="50" baseline="0">
-          <a:solidFill>
-            <a:schemeClr val="tx1"/>
-          </a:solidFill>
-          <a:latin typeface="+mn-lt"/>
-          <a:ea typeface="+mn-ea"/>
-          <a:cs typeface="+mn-cs"/>
-        </a:defRPr>
-      </a:lvl1pPr>
-      <a:lvl2pPr marL="274320" indent="-274320" algn="l" defTabSz="914400" rtl="0" eaLnBrk="1" latinLnBrk="0" hangingPunct="1">
-        <a:lnSpc>
-          <a:spcPct val="101000"/>
-        </a:lnSpc>
-        <a:spcBef>
-          <a:spcPts val="400"/>
-        </a:spcBef>
-        <a:spcAft>
-          <a:spcPts val="400"/>
-        </a:spcAft>
-        <a:buClrTx/>
-        <a:buFont typeface="Wingdings" panose="05000000000000000000" pitchFamily="2" charset="2"/>
-        <a:buChar char="§"/>
-        <a:defRPr sz="2300" kern="1200" spc="50" baseline="0">
-          <a:solidFill>
-            <a:schemeClr val="tx1"/>
-          </a:solidFill>
-          <a:latin typeface="+mn-lt"/>
-          <a:ea typeface="+mn-ea"/>
-          <a:cs typeface="+mn-cs"/>
-        </a:defRPr>
-      </a:lvl2pPr>
-      <a:lvl3pPr marL="274320" indent="0" algn="l" defTabSz="914400" rtl="0" eaLnBrk="1" latinLnBrk="0" hangingPunct="1">
-        <a:lnSpc>
-          <a:spcPct val="101000"/>
-        </a:lnSpc>
-        <a:spcBef>
-          <a:spcPts val="400"/>
-        </a:spcBef>
-        <a:spcAft>
-          <a:spcPts val="400"/>
-        </a:spcAft>
-        <a:buFont typeface="Arial" panose="020B0604020202020204" pitchFamily="34" charset="0"/>
-        <a:buNone/>
-        <a:defRPr sz="1800" b="1" kern="1200" spc="50" baseline="0">
-          <a:solidFill>
-            <a:schemeClr val="tx1"/>
-          </a:solidFill>
-          <a:latin typeface="+mn-lt"/>
-          <a:ea typeface="+mn-ea"/>
-          <a:cs typeface="+mn-cs"/>
-        </a:defRPr>
-      </a:lvl3pPr>
-      <a:lvl4pPr marL="594360" indent="-274320" algn="l" defTabSz="914400" rtl="0" eaLnBrk="1" latinLnBrk="0" hangingPunct="1">
-        <a:lnSpc>
-          <a:spcPct val="101000"/>
-        </a:lnSpc>
-        <a:spcBef>
-          <a:spcPts val="400"/>
-        </a:spcBef>
-        <a:spcAft>
-          <a:spcPts val="400"/>
-        </a:spcAft>
-        <a:buClrTx/>
-        <a:buFont typeface="Wingdings" panose="05000000000000000000" pitchFamily="2" charset="2"/>
-        <a:buChar char="§"/>
-        <a:defRPr sz="1800" kern="1200" spc="50" baseline="0">
-          <a:solidFill>
-            <a:schemeClr val="tx1"/>
-          </a:solidFill>
-          <a:latin typeface="+mn-lt"/>
-          <a:ea typeface="+mn-ea"/>
-          <a:cs typeface="+mn-cs"/>
-        </a:defRPr>
-      </a:lvl4pPr>
-      <a:lvl5pPr marL="594360" indent="0" algn="l" defTabSz="914400" rtl="0" eaLnBrk="1" latinLnBrk="0" hangingPunct="1">
-        <a:lnSpc>
-          <a:spcPct val="101000"/>
-        </a:lnSpc>
-        <a:spcBef>
-          <a:spcPts val="400"/>
-        </a:spcBef>
-        <a:spcAft>
-          <a:spcPts val="400"/>
-        </a:spcAft>
-        <a:buFont typeface="Arial" panose="020B0604020202020204" pitchFamily="34" charset="0"/>
-        <a:buNone/>
-        <a:defRPr sz="1800" b="1" kern="1200" spc="50" baseline="0">
-          <a:solidFill>
-            <a:schemeClr val="tx1"/>
-          </a:solidFill>
-          <a:latin typeface="+mn-lt"/>
-          <a:ea typeface="+mn-ea"/>
-          <a:cs typeface="+mn-cs"/>
-        </a:defRPr>
-      </a:lvl5pPr>
-      <a:lvl6pPr marL="2514600" indent="-228600" algn="l" defTabSz="914400" rtl="0" eaLnBrk="1" latinLnBrk="0" hangingPunct="1">
-        <a:lnSpc>
-          <a:spcPct val="90000"/>
-        </a:lnSpc>
-        <a:spcBef>
-          <a:spcPts val="500"/>
-        </a:spcBef>
-        <a:buFont typeface="Arial" panose="020B0604020202020204" pitchFamily="34" charset="0"/>
-        <a:buChar char="•"/>
-        <a:defRPr sz="1800" kern="1200">
-          <a:solidFill>
-            <a:schemeClr val="tx1"/>
-          </a:solidFill>
-          <a:latin typeface="+mn-lt"/>
-          <a:ea typeface="+mn-ea"/>
-          <a:cs typeface="+mn-cs"/>
-        </a:defRPr>
-      </a:lvl6pPr>
-      <a:lvl7pPr marL="2971800" indent="-228600" algn="l" defTabSz="914400" rtl="0" eaLnBrk="1" latinLnBrk="0" hangingPunct="1">
-        <a:lnSpc>
-          <a:spcPct val="90000"/>
-        </a:lnSpc>
-        <a:spcBef>
-          <a:spcPts val="500"/>
-        </a:spcBef>
-        <a:buFont typeface="Arial" panose="020B0604020202020204" pitchFamily="34" charset="0"/>
-        <a:buChar char="•"/>
-        <a:defRPr sz="1800" kern="1200">
-          <a:solidFill>
-            <a:schemeClr val="tx1"/>
-          </a:solidFill>
-          <a:latin typeface="+mn-lt"/>
-          <a:ea typeface="+mn-ea"/>
-          <a:cs typeface="+mn-cs"/>
-        </a:defRPr>
-      </a:lvl7pPr>
-      <a:lvl8pPr marL="3429000" indent="-228600" algn="l" defTabSz="914400" rtl="0" eaLnBrk="1" latinLnBrk="0" hangingPunct="1">
-        <a:lnSpc>
-          <a:spcPct val="90000"/>
-        </a:lnSpc>
-        <a:spcBef>
-          <a:spcPts val="500"/>
-        </a:spcBef>
-        <a:buFont typeface="Arial" panose="020B0604020202020204" pitchFamily="34" charset="0"/>
-        <a:buChar char="•"/>
-        <a:defRPr sz="1800" kern="1200">
-          <a:solidFill>
-            <a:schemeClr val="tx1"/>
-          </a:solidFill>
-          <a:latin typeface="+mn-lt"/>
-          <a:ea typeface="+mn-ea"/>
-          <a:cs typeface="+mn-cs"/>
-        </a:defRPr>
-      </a:lvl8pPr>
-      <a:lvl9pPr marL="3886200" indent="-228600" algn="l" defTabSz="914400" rtl="0" eaLnBrk="1" latinLnBrk="0" hangingPunct="1">
-        <a:lnSpc>
-          <a:spcPct val="90000"/>
-        </a:lnSpc>
-        <a:spcBef>
-          <a:spcPts val="500"/>
-        </a:spcBef>
-        <a:buFont typeface="Arial" panose="020B0604020202020204" pitchFamily="34" charset="0"/>
-        <a:buChar char="•"/>
-        <a:defRPr sz="1800" kern="1200">
-          <a:solidFill>
-            <a:schemeClr val="tx1"/>
-          </a:solidFill>
-          <a:latin typeface="+mn-lt"/>
-          <a:ea typeface="+mn-ea"/>
-          <a:cs typeface="+mn-cs"/>
-        </a:defRPr>
-      </a:lvl9pPr>
-    </p:bodyStyle>
-    <p:otherStyle>
-      <a:defPPr>
-        <a:defRPr lang="en-US"/>
-      </a:defPPr>
-      <a:lvl1pPr marL="0" algn="l" defTabSz="914400" rtl="0" eaLnBrk="1" latinLnBrk="0" hangingPunct="1">
-        <a:defRPr sz="1800" kern="1200">
-          <a:solidFill>
-            <a:schemeClr val="tx1"/>
-          </a:solidFill>
-          <a:latin typeface="+mn-lt"/>
-          <a:ea typeface="+mn-ea"/>
-          <a:cs typeface="+mn-cs"/>
-        </a:defRPr>
-      </a:lvl1pPr>
-      <a:lvl2pPr marL="457200" algn="l" defTabSz="914400" rtl="0" eaLnBrk="1" latinLnBrk="0" hangingPunct="1">
-        <a:defRPr sz="1800" kern="1200">
-          <a:solidFill>
-            <a:schemeClr val="tx1"/>
-          </a:solidFill>
-          <a:latin typeface="+mn-lt"/>
-          <a:ea typeface="+mn-ea"/>
-          <a:cs typeface="+mn-cs"/>
-        </a:defRPr>
-      </a:lvl2pPr>
-      <a:lvl3pPr marL="914400" algn="l" defTabSz="914400" rtl="0" eaLnBrk="1" latinLnBrk="0" hangingPunct="1">
-        <a:defRPr sz="1800" kern="1200">
-          <a:solidFill>
-            <a:schemeClr val="tx1"/>
-          </a:solidFill>
-          <a:latin typeface="+mn-lt"/>
-          <a:ea typeface="+mn-ea"/>
-          <a:cs typeface="+mn-cs"/>
-        </a:defRPr>
-      </a:lvl3pPr>
-      <a:lvl4pPr marL="1371600" algn="l" defTabSz="914400" rtl="0" eaLnBrk="1" latinLnBrk="0" hangingPunct="1">
-        <a:defRPr sz="1800" kern="1200">
-          <a:solidFill>
-            <a:schemeClr val="tx1"/>
-          </a:solidFill>
-          <a:latin typeface="+mn-lt"/>
-          <a:ea typeface="+mn-ea"/>
-          <a:cs typeface="+mn-cs"/>
-        </a:defRPr>
-      </a:lvl4pPr>
-      <a:lvl5pPr marL="1828800" algn="l" defTabSz="914400" rtl="0" eaLnBrk="1" latinLnBrk="0" hangingPunct="1">
-        <a:defRPr sz="1800" kern="1200">
-          <a:solidFill>
-            <a:schemeClr val="tx1"/>
-          </a:solidFill>
-          <a:latin typeface="+mn-lt"/>
-          <a:ea typeface="+mn-ea"/>
-          <a:cs typeface="+mn-cs"/>
-        </a:defRPr>
-      </a:lvl5pPr>
-      <a:lvl6pPr marL="2286000" algn="l" defTabSz="914400" rtl="0" eaLnBrk="1" latinLnBrk="0" hangingPunct="1">
-        <a:defRPr sz="1800" kern="1200">
-          <a:solidFill>
-            <a:schemeClr val="tx1"/>
-          </a:solidFill>
-          <a:latin typeface="+mn-lt"/>
-          <a:ea typeface="+mn-ea"/>
-          <a:cs typeface="+mn-cs"/>
-        </a:defRPr>
-      </a:lvl6pPr>
-      <a:lvl7pPr marL="2743200" algn="l" defTabSz="914400" rtl="0" eaLnBrk="1" latinLnBrk="0" hangingPunct="1">
-        <a:defRPr sz="1800" kern="1200">
-          <a:solidFill>
-            <a:schemeClr val="tx1"/>
-          </a:solidFill>
-          <a:latin typeface="+mn-lt"/>
-          <a:ea typeface="+mn-ea"/>
-          <a:cs typeface="+mn-cs"/>
-        </a:defRPr>
-      </a:lvl7pPr>
-      <a:lvl8pPr marL="3200400" algn="l" defTabSz="914400" rtl="0" eaLnBrk="1" latinLnBrk="0" hangingPunct="1">
-        <a:defRPr sz="1800" kern="1200">
-          <a:solidFill>
-            <a:schemeClr val="tx1"/>
-          </a:solidFill>
-          <a:latin typeface="+mn-lt"/>
-          <a:ea typeface="+mn-ea"/>
-          <a:cs typeface="+mn-cs"/>
-        </a:defRPr>
-      </a:lvl8pPr>
-      <a:lvl9pPr marL="3657600" algn="l" defTabSz="914400" rtl="0" eaLnBrk="1" latinLnBrk="0" hangingPunct="1">
-        <a:defRPr sz="1800" kern="1200">
-          <a:solidFill>
-            <a:schemeClr val="tx1"/>
-          </a:solidFill>
-          <a:latin typeface="+mn-lt"/>
-          <a:ea typeface="+mn-ea"/>
-          <a:cs typeface="+mn-cs"/>
-        </a:defRPr>
-      </a:lvl9pPr>
-    </p:otherStyle>
-  </p:txStyles>
-</p:sldMaster>
+  <p:clrMapOvr>
+    <a:masterClrMapping/>
+  </p:clrMapOvr>
+</p:sld>
 </file>
 
-<file path=ppt/slides/slide1.xml><?xml version="1.0" encoding="utf-8"?>
+<file path=ppt/slides/slide2.xml><?xml version="1.0" encoding="utf-8"?>
 <p:sld xmlns:a="http://schemas.openxmlformats.org/drawingml/2006/main" xmlns:r="http://schemas.openxmlformats.org/officeDocument/2006/relationships" xmlns:p="http://schemas.openxmlformats.org/presentationml/2006/main">
   <p:cSld>
     <p:bg>
       <p:bgPr>
         <a:solidFill>
-          <a:schemeClr val="bg1"/>
+          <a:schemeClr val="bg2"/>
         </a:solidFill>
         <a:effectLst/>
       </p:bgPr>
@@ -3735,10 +6259,10 @@
       </p:grpSpPr>
       <p:sp useBgFill="1">
         <p:nvSpPr>
-          <p:cNvPr id="42" name="Rectangle 41">
+          <p:cNvPr id="8" name="Rectangle 7">
             <a:extLst>
               <a:ext uri="{FF2B5EF4-FFF2-40B4-BE49-F238E27FC236}">
-                <a16:creationId xmlns:a16="http://schemas.microsoft.com/office/drawing/2014/main" id="{4AA13AD3-0A4F-475A-BEBB-DEEFF5C096C3}"/>
+                <a16:creationId xmlns:a16="http://schemas.microsoft.com/office/drawing/2014/main" id="{089A69AF-D57B-49B4-886C-D4A5DC194421}"/>
               </a:ext>
               <a:ext uri="{C183D7F6-B498-43B3-948B-1728B52AA6E4}">
                 <adec:decorative xmlns:adec="http://schemas.microsoft.com/office/drawing/2017/decorative" val="1"/>
@@ -3793,162 +6317,245 @@
           </a:p>
         </p:txBody>
       </p:sp>
-      <p:pic>
-        <p:nvPicPr>
-          <p:cNvPr id="14" name="Picture 3">
+      <p:sp>
+        <p:nvSpPr>
+          <p:cNvPr id="10" name="Freeform: Shape 9">
             <a:extLst>
               <a:ext uri="{FF2B5EF4-FFF2-40B4-BE49-F238E27FC236}">
-                <a16:creationId xmlns:a16="http://schemas.microsoft.com/office/drawing/2014/main" id="{E0DC1DF3-40BE-F487-2D66-E117B101BD49}"/>
+                <a16:creationId xmlns:a16="http://schemas.microsoft.com/office/drawing/2014/main" id="{CABDC08D-6093-4397-92D4-54D00E2BB1C2}"/>
+              </a:ext>
+              <a:ext uri="{C183D7F6-B498-43B3-948B-1728B52AA6E4}">
+                <adec:decorative xmlns:adec="http://schemas.microsoft.com/office/drawing/2017/decorative" val="1"/>
               </a:ext>
             </a:extLst>
           </p:cNvPr>
-          <p:cNvPicPr>
-            <a:picLocks noChangeAspect="1"/>
-          </p:cNvPicPr>
-          <p:nvPr/>
-        </p:nvPicPr>
-        <p:blipFill rotWithShape="1">
-          <a:blip r:embed="rId2">
-            <a:alphaModFix amt="60000"/>
-            <a:extLst>
-              <a:ext uri="{28A0092B-C50C-407E-A947-70E740481C1C}">
-                <a14:useLocalDpi xmlns:a14="http://schemas.microsoft.com/office/drawing/2010/main" val="0"/>
-              </a:ext>
-            </a:extLst>
-          </a:blip>
-          <a:srcRect/>
-          <a:stretch/>
-        </p:blipFill>
-        <p:spPr>
-          <a:xfrm>
-            <a:off x="20" y="10"/>
-            <a:ext cx="12191980" cy="6857990"/>
+          <p:cNvSpPr>
+            <a:spLocks noGrp="1" noRot="1" noChangeAspect="1" noMove="1" noResize="1" noEditPoints="1" noAdjustHandles="1" noChangeArrowheads="1" noChangeShapeType="1" noTextEdit="1"/>
+          </p:cNvSpPr>
+          <p:nvPr>
+            <p:extLst>
+              <p:ext uri="{386F3935-93C4-4BCD-93E2-E3B085C9AB24}">
+                <p16:designElem xmlns:p16="http://schemas.microsoft.com/office/powerpoint/2015/main" val="1"/>
+              </p:ext>
+            </p:extLst>
+          </p:nvPr>
+        </p:nvSpPr>
+        <p:spPr bwMode="auto">
+          <a:xfrm rot="16200000">
+            <a:off x="-650724" y="650724"/>
+            <a:ext cx="6858000" cy="5556552"/>
           </a:xfrm>
-          <a:prstGeom prst="rect">
+          <a:custGeom>
             <a:avLst/>
-          </a:prstGeom>
+            <a:gdLst>
+              <a:gd name="connsiteX0" fmla="*/ 6858000 w 6858000"/>
+              <a:gd name="connsiteY0" fmla="*/ 3445704 h 5556552"/>
+              <a:gd name="connsiteX1" fmla="*/ 3829242 w 6858000"/>
+              <a:gd name="connsiteY1" fmla="*/ 5433322 h 5556552"/>
+              <a:gd name="connsiteX2" fmla="*/ 3827369 w 6858000"/>
+              <a:gd name="connsiteY2" fmla="*/ 5434867 h 5556552"/>
+              <a:gd name="connsiteX3" fmla="*/ 3824583 w 6858000"/>
+              <a:gd name="connsiteY3" fmla="*/ 5436378 h 5556552"/>
+              <a:gd name="connsiteX4" fmla="*/ 3798693 w 6858000"/>
+              <a:gd name="connsiteY4" fmla="*/ 5453370 h 5556552"/>
+              <a:gd name="connsiteX5" fmla="*/ 3785011 w 6858000"/>
+              <a:gd name="connsiteY5" fmla="*/ 5457858 h 5556552"/>
+              <a:gd name="connsiteX6" fmla="*/ 3706339 w 6858000"/>
+              <a:gd name="connsiteY6" fmla="*/ 5500559 h 5556552"/>
+              <a:gd name="connsiteX7" fmla="*/ 3428998 w 6858000"/>
+              <a:gd name="connsiteY7" fmla="*/ 5556552 h 5556552"/>
+              <a:gd name="connsiteX8" fmla="*/ 3151658 w 6858000"/>
+              <a:gd name="connsiteY8" fmla="*/ 5500559 h 5556552"/>
+              <a:gd name="connsiteX9" fmla="*/ 3072996 w 6858000"/>
+              <a:gd name="connsiteY9" fmla="*/ 5457863 h 5556552"/>
+              <a:gd name="connsiteX10" fmla="*/ 3059298 w 6858000"/>
+              <a:gd name="connsiteY10" fmla="*/ 5453370 h 5556552"/>
+              <a:gd name="connsiteX11" fmla="*/ 3033383 w 6858000"/>
+              <a:gd name="connsiteY11" fmla="*/ 5436362 h 5556552"/>
+              <a:gd name="connsiteX12" fmla="*/ 3030627 w 6858000"/>
+              <a:gd name="connsiteY12" fmla="*/ 5434867 h 5556552"/>
+              <a:gd name="connsiteX13" fmla="*/ 3028775 w 6858000"/>
+              <a:gd name="connsiteY13" fmla="*/ 5433338 h 5556552"/>
+              <a:gd name="connsiteX14" fmla="*/ 0 w 6858000"/>
+              <a:gd name="connsiteY14" fmla="*/ 3445704 h 5556552"/>
+              <a:gd name="connsiteX15" fmla="*/ 6858000 w 6858000"/>
+              <a:gd name="connsiteY15" fmla="*/ 0 h 5556552"/>
+              <a:gd name="connsiteX16" fmla="*/ 6858000 w 6858000"/>
+              <a:gd name="connsiteY16" fmla="*/ 349336 h 5556552"/>
+              <a:gd name="connsiteX17" fmla="*/ 6858000 w 6858000"/>
+              <a:gd name="connsiteY17" fmla="*/ 3445703 h 5556552"/>
+              <a:gd name="connsiteX18" fmla="*/ 0 w 6858000"/>
+              <a:gd name="connsiteY18" fmla="*/ 3445703 h 5556552"/>
+              <a:gd name="connsiteX19" fmla="*/ 0 w 6858000"/>
+              <a:gd name="connsiteY19" fmla="*/ 0 h 5556552"/>
+            </a:gdLst>
+            <a:ahLst/>
+            <a:cxnLst>
+              <a:cxn ang="0">
+                <a:pos x="connsiteX0" y="connsiteY0"/>
+              </a:cxn>
+              <a:cxn ang="0">
+                <a:pos x="connsiteX1" y="connsiteY1"/>
+              </a:cxn>
+              <a:cxn ang="0">
+                <a:pos x="connsiteX2" y="connsiteY2"/>
+              </a:cxn>
+              <a:cxn ang="0">
+                <a:pos x="connsiteX3" y="connsiteY3"/>
+              </a:cxn>
+              <a:cxn ang="0">
+                <a:pos x="connsiteX4" y="connsiteY4"/>
+              </a:cxn>
+              <a:cxn ang="0">
+                <a:pos x="connsiteX5" y="connsiteY5"/>
+              </a:cxn>
+              <a:cxn ang="0">
+                <a:pos x="connsiteX6" y="connsiteY6"/>
+              </a:cxn>
+              <a:cxn ang="0">
+                <a:pos x="connsiteX7" y="connsiteY7"/>
+              </a:cxn>
+              <a:cxn ang="0">
+                <a:pos x="connsiteX8" y="connsiteY8"/>
+              </a:cxn>
+              <a:cxn ang="0">
+                <a:pos x="connsiteX9" y="connsiteY9"/>
+              </a:cxn>
+              <a:cxn ang="0">
+                <a:pos x="connsiteX10" y="connsiteY10"/>
+              </a:cxn>
+              <a:cxn ang="0">
+                <a:pos x="connsiteX11" y="connsiteY11"/>
+              </a:cxn>
+              <a:cxn ang="0">
+                <a:pos x="connsiteX12" y="connsiteY12"/>
+              </a:cxn>
+              <a:cxn ang="0">
+                <a:pos x="connsiteX13" y="connsiteY13"/>
+              </a:cxn>
+              <a:cxn ang="0">
+                <a:pos x="connsiteX14" y="connsiteY14"/>
+              </a:cxn>
+              <a:cxn ang="0">
+                <a:pos x="connsiteX15" y="connsiteY15"/>
+              </a:cxn>
+              <a:cxn ang="0">
+                <a:pos x="connsiteX16" y="connsiteY16"/>
+              </a:cxn>
+              <a:cxn ang="0">
+                <a:pos x="connsiteX17" y="connsiteY17"/>
+              </a:cxn>
+              <a:cxn ang="0">
+                <a:pos x="connsiteX18" y="connsiteY18"/>
+              </a:cxn>
+              <a:cxn ang="0">
+                <a:pos x="connsiteX19" y="connsiteY19"/>
+              </a:cxn>
+            </a:cxnLst>
+            <a:rect l="l" t="t" r="r" b="b"/>
+            <a:pathLst>
+              <a:path w="6858000" h="5556552">
+                <a:moveTo>
+                  <a:pt x="6858000" y="3445704"/>
+                </a:moveTo>
+                <a:lnTo>
+                  <a:pt x="3829242" y="5433322"/>
+                </a:lnTo>
+                <a:lnTo>
+                  <a:pt x="3827369" y="5434867"/>
+                </a:lnTo>
+                <a:lnTo>
+                  <a:pt x="3824583" y="5436378"/>
+                </a:lnTo>
+                <a:lnTo>
+                  <a:pt x="3798693" y="5453370"/>
+                </a:lnTo>
+                <a:lnTo>
+                  <a:pt x="3785011" y="5457858"/>
+                </a:lnTo>
+                <a:lnTo>
+                  <a:pt x="3706339" y="5500559"/>
+                </a:lnTo>
+                <a:cubicBezTo>
+                  <a:pt x="3621096" y="5536614"/>
+                  <a:pt x="3527375" y="5556552"/>
+                  <a:pt x="3428998" y="5556552"/>
+                </a:cubicBezTo>
+                <a:cubicBezTo>
+                  <a:pt x="3330621" y="5556552"/>
+                  <a:pt x="3236901" y="5536614"/>
+                  <a:pt x="3151658" y="5500559"/>
+                </a:cubicBezTo>
+                <a:lnTo>
+                  <a:pt x="3072996" y="5457863"/>
+                </a:lnTo>
+                <a:lnTo>
+                  <a:pt x="3059298" y="5453370"/>
+                </a:lnTo>
+                <a:lnTo>
+                  <a:pt x="3033383" y="5436362"/>
+                </a:lnTo>
+                <a:lnTo>
+                  <a:pt x="3030627" y="5434867"/>
+                </a:lnTo>
+                <a:lnTo>
+                  <a:pt x="3028775" y="5433338"/>
+                </a:lnTo>
+                <a:lnTo>
+                  <a:pt x="0" y="3445704"/>
+                </a:lnTo>
+                <a:close/>
+                <a:moveTo>
+                  <a:pt x="6858000" y="0"/>
+                </a:moveTo>
+                <a:lnTo>
+                  <a:pt x="6858000" y="349336"/>
+                </a:lnTo>
+                <a:lnTo>
+                  <a:pt x="6858000" y="3445703"/>
+                </a:lnTo>
+                <a:lnTo>
+                  <a:pt x="0" y="3445703"/>
+                </a:lnTo>
+                <a:lnTo>
+                  <a:pt x="0" y="0"/>
+                </a:lnTo>
+                <a:close/>
+              </a:path>
+            </a:pathLst>
+          </a:custGeom>
+          <a:ln>
+            <a:noFill/>
+          </a:ln>
+          <a:effectLst/>
+          <a:extLst>
+            <a:ext uri="{91240B29-F687-4f45-9708-019B960494DF}">
+              <a14:hiddenLine xmlns="" xmlns:a14="http://schemas.microsoft.com/office/drawing/2010/main" xmlns:p14="http://schemas.microsoft.com/office/powerpoint/2010/main" xmlns:a16="http://schemas.microsoft.com/office/drawing/2014/main" w="9525">
+                <a:solidFill>
+                  <a:srgbClr val="000000"/>
+                </a:solidFill>
+                <a:round/>
+                <a:headEnd/>
+                <a:tailEnd/>
+              </a14:hiddenLine>
+            </a:ext>
+          </a:extLst>
         </p:spPr>
-      </p:pic>
-      <p:sp>
-        <p:nvSpPr>
-          <p:cNvPr id="2" name="Title 1">
-            <a:extLst>
-              <a:ext uri="{FF2B5EF4-FFF2-40B4-BE49-F238E27FC236}">
-                <a16:creationId xmlns:a16="http://schemas.microsoft.com/office/drawing/2014/main" id="{E4E68A5B-19B7-892A-D206-7C0CE771DEF4}"/>
-              </a:ext>
-            </a:extLst>
-          </p:cNvPr>
-          <p:cNvSpPr>
-            <a:spLocks noGrp="1"/>
-          </p:cNvSpPr>
-          <p:nvPr>
-            <p:ph type="ctrTitle"/>
-          </p:nvPr>
-        </p:nvSpPr>
-        <p:spPr>
-          <a:xfrm>
-            <a:off x="960120" y="640080"/>
-            <a:ext cx="10268712" cy="3227832"/>
-          </a:xfrm>
-        </p:spPr>
-        <p:txBody>
-          <a:bodyPr anchor="b">
-            <a:normAutofit/>
-          </a:bodyPr>
-          <a:lstStyle/>
-          <a:p>
-            <a:r>
-              <a:rPr lang="en-US"/>
-              <a:t>Cooktastrophe</a:t>
-            </a:r>
-            <a:endParaRPr lang="en-IE" dirty="0"/>
-          </a:p>
-        </p:txBody>
-      </p:sp>
-      <p:sp>
-        <p:nvSpPr>
-          <p:cNvPr id="3" name="Subtitle 2">
-            <a:extLst>
-              <a:ext uri="{FF2B5EF4-FFF2-40B4-BE49-F238E27FC236}">
-                <a16:creationId xmlns:a16="http://schemas.microsoft.com/office/drawing/2014/main" id="{2BC3F00D-C13C-DA3C-79BB-0B8F9090EA4F}"/>
-              </a:ext>
-            </a:extLst>
-          </p:cNvPr>
-          <p:cNvSpPr>
-            <a:spLocks noGrp="1"/>
-          </p:cNvSpPr>
-          <p:nvPr>
-            <p:ph type="subTitle" idx="1"/>
-          </p:nvPr>
-        </p:nvSpPr>
-        <p:spPr>
-          <a:xfrm>
-            <a:off x="960120" y="4526280"/>
-            <a:ext cx="10268712" cy="1508760"/>
-          </a:xfrm>
-        </p:spPr>
-        <p:txBody>
-          <a:bodyPr anchor="t">
-            <a:normAutofit/>
-          </a:bodyPr>
-          <a:lstStyle/>
-          <a:p>
-            <a:r>
-              <a:rPr lang="en-US">
-                <a:solidFill>
-                  <a:schemeClr val="tx1"/>
-                </a:solidFill>
-              </a:rPr>
-              <a:t>A VR Gaming Experience</a:t>
-            </a:r>
-          </a:p>
-          <a:p>
-            <a:r>
-              <a:rPr lang="en-US">
-                <a:solidFill>
-                  <a:schemeClr val="tx1"/>
-                </a:solidFill>
-              </a:rPr>
-              <a:t>By Aisha, Jane, Karl and Tadhg</a:t>
-            </a:r>
-            <a:endParaRPr lang="en-IE" dirty="0">
-              <a:solidFill>
-                <a:schemeClr val="tx1"/>
-              </a:solidFill>
-            </a:endParaRPr>
-          </a:p>
-        </p:txBody>
-      </p:sp>
-    </p:spTree>
-    <p:extLst>
-      <p:ext uri="{BB962C8B-B14F-4D97-AF65-F5344CB8AC3E}">
-        <p14:creationId xmlns:p14="http://schemas.microsoft.com/office/powerpoint/2010/main" val="857268925"/>
-      </p:ext>
-    </p:extLst>
-  </p:cSld>
-  <p:clrMapOvr>
-    <a:overrideClrMapping bg1="dk1" tx1="lt1" bg2="dk2" tx2="lt2" accent1="accent1" accent2="accent2" accent3="accent3" accent4="accent4" accent5="accent5" accent6="accent6" hlink="hlink" folHlink="folHlink"/>
-  </p:clrMapOvr>
-</p:sld>
-</file>
-
-<file path=ppt/slides/slide2.xml><?xml version="1.0" encoding="utf-8"?>
-<p:sld xmlns:a="http://schemas.openxmlformats.org/drawingml/2006/main" xmlns:r="http://schemas.openxmlformats.org/officeDocument/2006/relationships" xmlns:p="http://schemas.openxmlformats.org/presentationml/2006/main">
-  <p:cSld>
-    <p:spTree>
-      <p:nvGrpSpPr>
-        <p:cNvPr id="1" name=""/>
-        <p:cNvGrpSpPr/>
-        <p:nvPr/>
-      </p:nvGrpSpPr>
-      <p:grpSpPr>
-        <a:xfrm>
-          <a:off x="0" y="0"/>
-          <a:ext cx="0" cy="0"/>
-          <a:chOff x="0" y="0"/>
-          <a:chExt cx="0" cy="0"/>
-        </a:xfrm>
-      </p:grpSpPr>
+        <p:style>
+          <a:lnRef idx="1">
+            <a:schemeClr val="accent1"/>
+          </a:lnRef>
+          <a:fillRef idx="3">
+            <a:schemeClr val="accent1"/>
+          </a:fillRef>
+          <a:effectRef idx="2">
+            <a:schemeClr val="accent1"/>
+          </a:effectRef>
+          <a:fontRef idx="minor">
+            <a:schemeClr val="lt1"/>
+          </a:fontRef>
+        </p:style>
+      </p:sp>
       <p:sp>
         <p:nvSpPr>
           <p:cNvPr id="2" name="Title 1">
@@ -3965,16 +6572,23 @@
             <p:ph type="title"/>
           </p:nvPr>
         </p:nvSpPr>
-        <p:spPr/>
-        <p:txBody>
-          <a:bodyPr/>
+        <p:spPr>
+          <a:xfrm>
+            <a:off x="451515" y="1734857"/>
+            <a:ext cx="3765483" cy="3388287"/>
+          </a:xfrm>
+        </p:spPr>
+        <p:txBody>
+          <a:bodyPr anchor="ctr">
+            <a:normAutofit/>
+          </a:bodyPr>
           <a:lstStyle/>
           <a:p>
             <a:r>
               <a:rPr lang="en-US"/>
               <a:t>Application Idea</a:t>
             </a:r>
-            <a:endParaRPr lang="en-IE" dirty="0"/>
+            <a:endParaRPr lang="en-IE"/>
           </a:p>
         </p:txBody>
       </p:sp>
@@ -3994,48 +6608,68 @@
             <p:ph idx="1"/>
           </p:nvPr>
         </p:nvSpPr>
-        <p:spPr/>
-        <p:txBody>
-          <a:bodyPr>
-            <a:noAutofit/>
+        <p:spPr>
+          <a:xfrm>
+            <a:off x="6008068" y="978993"/>
+            <a:ext cx="5365218" cy="4900014"/>
+          </a:xfrm>
+          <a:effectLst/>
+        </p:spPr>
+        <p:txBody>
+          <a:bodyPr vert="horz" lIns="91440" tIns="45720" rIns="91440" bIns="45720" rtlCol="0">
+            <a:normAutofit/>
           </a:bodyPr>
           <a:lstStyle/>
           <a:p>
-            <a:r>
-              <a:rPr lang="en-US" sz="1600" dirty="0"/>
-              <a:t>For our team project application idea, we produced the idea for a VR game which we have entitled “Cooktastrophe”.</a:t>
-            </a:r>
-          </a:p>
-          <a:p>
-            <a:r>
-              <a:rPr lang="en-US" sz="1600" dirty="0"/>
+            <a:pPr>
+              <a:lnSpc>
+                <a:spcPct val="90000"/>
+              </a:lnSpc>
+            </a:pPr>
+            <a:r>
+              <a:rPr lang="en-US" dirty="0"/>
+              <a:t>For our team project application idea, we produced the idea for a VR game which we have entitled “</a:t>
+            </a:r>
+            <a:r>
+              <a:rPr lang="en-US" dirty="0" err="1"/>
+              <a:t>Cooktastrophe</a:t>
+            </a:r>
+            <a:r>
+              <a:rPr lang="en-US" dirty="0"/>
+              <a:t>”.</a:t>
+            </a:r>
+          </a:p>
+          <a:p>
+            <a:pPr>
+              <a:lnSpc>
+                <a:spcPct val="90000"/>
+              </a:lnSpc>
+            </a:pPr>
+            <a:r>
+              <a:rPr lang="en-US" dirty="0"/>
               <a:t>This idea was born after brainstorming ideas for an application or game that we hoped everyone would be able to use.</a:t>
             </a:r>
           </a:p>
           <a:p>
-            <a:r>
-              <a:rPr lang="en-US" sz="1600" dirty="0"/>
+            <a:pPr>
+              <a:lnSpc>
+                <a:spcPct val="90000"/>
+              </a:lnSpc>
+            </a:pPr>
+            <a:r>
+              <a:rPr lang="en-US" dirty="0"/>
               <a:t>We modelled it in the style of classic cooking and restaurant games like “Cooking Mama”, “Papa’s Pizzeria” and “Plate Up”.</a:t>
             </a:r>
           </a:p>
           <a:p>
-            <a:r>
-              <a:rPr lang="en-US" sz="1600" dirty="0"/>
-              <a:t>We wanted it to be the kind of game that anybody and everybody could enjoy like Wii Sports where the whole family can get involved and the overall difficulty of the game isn’t too hard and it’s a relatively easy concept to understand.</a:t>
-            </a:r>
-          </a:p>
-          <a:p>
-            <a:r>
-              <a:rPr lang="en-US" sz="1600" dirty="0"/>
-              <a:t>With cute, retro style graphics, a calm, simple </a:t>
-            </a:r>
-            <a:r>
-              <a:rPr lang="en-US" sz="1600" dirty="0" err="1"/>
-              <a:t>colour</a:t>
-            </a:r>
-            <a:r>
-              <a:rPr lang="en-US" sz="1600" dirty="0"/>
-              <a:t> palette and light upbeat music we wanted it to have a nostalgic feel with added elements of modern games such as Minecraft. We wanted the main charm of Cooktastrophe to be its simplicity yet enjoyability. </a:t>
+            <a:pPr>
+              <a:lnSpc>
+                <a:spcPct val="90000"/>
+              </a:lnSpc>
+            </a:pPr>
+            <a:r>
+              <a:rPr lang="en-US" dirty="0"/>
+              <a:t>We wanted it to be the kind of game that anybody and everybody could enjoy like Wii Sports where the whole family can get involved and the overall difficulty of the game isn’t too hard and it’s a relatively easy concept to understand. </a:t>
             </a:r>
           </a:p>
         </p:txBody>
@@ -4056,6 +6690,14 @@
 <file path=ppt/slides/slide3.xml><?xml version="1.0" encoding="utf-8"?>
 <p:sld xmlns:a="http://schemas.openxmlformats.org/drawingml/2006/main" xmlns:r="http://schemas.openxmlformats.org/officeDocument/2006/relationships" xmlns:p="http://schemas.openxmlformats.org/presentationml/2006/main">
   <p:cSld>
+    <p:bg>
+      <p:bgPr>
+        <a:solidFill>
+          <a:schemeClr val="bg2"/>
+        </a:solidFill>
+        <a:effectLst/>
+      </p:bgPr>
+    </p:bg>
     <p:spTree>
       <p:nvGrpSpPr>
         <p:cNvPr id="1" name=""/>
@@ -4075,7 +6717,7 @@
           <p:cNvPr id="2" name="Title 1">
             <a:extLst>
               <a:ext uri="{FF2B5EF4-FFF2-40B4-BE49-F238E27FC236}">
-                <a16:creationId xmlns:a16="http://schemas.microsoft.com/office/drawing/2014/main" id="{02C633CD-798F-EF85-B4DD-8385CE65FB6C}"/>
+                <a16:creationId xmlns:a16="http://schemas.microsoft.com/office/drawing/2014/main" id="{154EBA9F-4A39-CC4E-18B7-88CA7F842CA7}"/>
               </a:ext>
             </a:extLst>
           </p:cNvPr>
@@ -4086,36 +6728,12 @@
             <p:ph type="title"/>
           </p:nvPr>
         </p:nvSpPr>
-        <p:spPr/>
-        <p:txBody>
-          <a:bodyPr/>
-          <a:lstStyle/>
-          <a:p>
-            <a:r>
-              <a:rPr lang="en-US" dirty="0"/>
-              <a:t>Business plan</a:t>
-            </a:r>
-            <a:endParaRPr lang="en-IE" dirty="0"/>
-          </a:p>
-        </p:txBody>
-      </p:sp>
-      <p:sp>
-        <p:nvSpPr>
-          <p:cNvPr id="3" name="Content Placeholder 2">
-            <a:extLst>
-              <a:ext uri="{FF2B5EF4-FFF2-40B4-BE49-F238E27FC236}">
-                <a16:creationId xmlns:a16="http://schemas.microsoft.com/office/drawing/2014/main" id="{1F21CE38-F326-9230-6174-0630D0923D59}"/>
-              </a:ext>
-            </a:extLst>
-          </p:cNvPr>
-          <p:cNvSpPr>
-            <a:spLocks noGrp="1"/>
-          </p:cNvSpPr>
-          <p:nvPr>
-            <p:ph idx="1"/>
-          </p:nvPr>
-        </p:nvSpPr>
-        <p:spPr/>
+        <p:spPr>
+          <a:xfrm>
+            <a:off x="810000" y="447188"/>
+            <a:ext cx="10571998" cy="970450"/>
+          </a:xfrm>
+        </p:spPr>
         <p:txBody>
           <a:bodyPr>
             <a:normAutofit/>
@@ -4123,29 +6741,187 @@
           <a:lstStyle/>
           <a:p>
             <a:r>
-              <a:rPr lang="en-US" sz="1600" dirty="0"/>
-              <a:t>For our business plan as outlined in the big idea sketch pad our core competency was the VR experience of the game.</a:t>
-            </a:r>
-          </a:p>
-          <a:p>
-            <a:r>
-              <a:rPr lang="en-US" sz="1600" dirty="0"/>
-              <a:t>The offering experienced as a fun game for people of all ages to enjoy.</a:t>
-            </a:r>
-          </a:p>
-          <a:p>
-            <a:r>
-              <a:rPr lang="en-US" sz="1600" dirty="0"/>
-              <a:t>The offering being important to the buyer because the gaming market is a very big one and creating a game in which people of all ages may play and enjoy themselves that again further expands our market for the game. </a:t>
-            </a:r>
-            <a:endParaRPr lang="en-IE" sz="1600" dirty="0"/>
-          </a:p>
-        </p:txBody>
-      </p:sp>
+              <a:rPr lang="en-US"/>
+              <a:t>Stylization choice</a:t>
+            </a:r>
+          </a:p>
+        </p:txBody>
+      </p:sp>
+      <p:sp>
+        <p:nvSpPr>
+          <p:cNvPr id="3" name="Content Placeholder 2">
+            <a:extLst>
+              <a:ext uri="{FF2B5EF4-FFF2-40B4-BE49-F238E27FC236}">
+                <a16:creationId xmlns:a16="http://schemas.microsoft.com/office/drawing/2014/main" id="{D97207CC-86E1-BEB7-7387-70C5884C8605}"/>
+              </a:ext>
+            </a:extLst>
+          </p:cNvPr>
+          <p:cNvSpPr>
+            <a:spLocks noGrp="1"/>
+          </p:cNvSpPr>
+          <p:nvPr>
+            <p:ph idx="1"/>
+          </p:nvPr>
+        </p:nvSpPr>
+        <p:spPr>
+          <a:xfrm>
+            <a:off x="818713" y="2413000"/>
+            <a:ext cx="7199220" cy="3632200"/>
+          </a:xfrm>
+        </p:spPr>
+        <p:txBody>
+          <a:bodyPr vert="horz" lIns="91440" tIns="45720" rIns="91440" bIns="45720" rtlCol="0">
+            <a:normAutofit/>
+          </a:bodyPr>
+          <a:lstStyle/>
+          <a:p>
+            <a:pPr>
+              <a:lnSpc>
+                <a:spcPct val="90000"/>
+              </a:lnSpc>
+            </a:pPr>
+            <a:r>
+              <a:rPr lang="en-US" sz="1500" dirty="0"/>
+              <a:t>We decided to go with a simple voxel art style mainly for it being a fairly easy way to make simple yet appealing objects that would catch the players eye but not so it would be distracting as a result.</a:t>
+            </a:r>
+          </a:p>
+          <a:p>
+            <a:pPr>
+              <a:lnSpc>
+                <a:spcPct val="90000"/>
+              </a:lnSpc>
+            </a:pPr>
+            <a:r>
+              <a:rPr lang="en-US" sz="1500" dirty="0"/>
+              <a:t>The </a:t>
+            </a:r>
+            <a:r>
+              <a:rPr lang="en-US" sz="1500" dirty="0" err="1"/>
+              <a:t>colour</a:t>
+            </a:r>
+            <a:r>
+              <a:rPr lang="en-US" sz="1500" dirty="0"/>
+              <a:t> choice was rather simple because we were going for a bright and bubbly atmosphere for our game, this way it will be appealing to most audiences.</a:t>
+            </a:r>
+          </a:p>
+          <a:p>
+            <a:pPr>
+              <a:lnSpc>
+                <a:spcPct val="90000"/>
+              </a:lnSpc>
+            </a:pPr>
+            <a:r>
+              <a:rPr lang="en-US" sz="1500" dirty="0"/>
+              <a:t>With cute, retro style graphics, a calm, simple </a:t>
+            </a:r>
+            <a:r>
+              <a:rPr lang="en-US" sz="1500" dirty="0" err="1"/>
+              <a:t>colour</a:t>
+            </a:r>
+            <a:r>
+              <a:rPr lang="en-US" sz="1500" dirty="0"/>
+              <a:t> palette and light upbeat music we wanted it to have a nostalgic feel with added elements of modern games such as Minecraft. We wanted the main charm of </a:t>
+            </a:r>
+            <a:r>
+              <a:rPr lang="en-US" sz="1500" dirty="0" err="1"/>
+              <a:t>Cooktastrophe</a:t>
+            </a:r>
+            <a:r>
+              <a:rPr lang="en-US" sz="1500" dirty="0"/>
+              <a:t> to be its simplicity yet enjoyability.</a:t>
+            </a:r>
+          </a:p>
+          <a:p>
+            <a:pPr>
+              <a:lnSpc>
+                <a:spcPct val="90000"/>
+              </a:lnSpc>
+            </a:pPr>
+            <a:r>
+              <a:rPr lang="en-US" sz="1500" dirty="0"/>
+              <a:t>The software we use is called </a:t>
+            </a:r>
+            <a:r>
+              <a:rPr lang="en-US" sz="1500" dirty="0" err="1"/>
+              <a:t>Blockbench</a:t>
+            </a:r>
+            <a:r>
+              <a:rPr lang="en-US" sz="1500" dirty="0"/>
+              <a:t>, </a:t>
+            </a:r>
+            <a:r>
+              <a:rPr lang="en-US" sz="1500" dirty="0" err="1"/>
+              <a:t>Blockbench</a:t>
+            </a:r>
+            <a:r>
+              <a:rPr lang="en-US" sz="1500" dirty="0"/>
+              <a:t> is mostly used for simple cube shapes but does have more complicated “Mesh” features for other shapes, Fun fact this is the same software that Minecraft uses for their models and blocks</a:t>
+            </a:r>
+            <a:r>
+              <a:rPr lang="en-US" sz="1500"/>
+              <a:t>. </a:t>
+            </a:r>
+            <a:endParaRPr lang="en-US" sz="1500" dirty="0"/>
+          </a:p>
+        </p:txBody>
+      </p:sp>
+      <p:pic>
+        <p:nvPicPr>
+          <p:cNvPr id="1026" name="Picture 2">
+            <a:extLst>
+              <a:ext uri="{FF2B5EF4-FFF2-40B4-BE49-F238E27FC236}">
+                <a16:creationId xmlns:a16="http://schemas.microsoft.com/office/drawing/2014/main" id="{7E67CB98-0FE4-044A-3F71-3E22D3B8B799}"/>
+              </a:ext>
+            </a:extLst>
+          </p:cNvPr>
+          <p:cNvPicPr>
+            <a:picLocks noChangeAspect="1" noChangeArrowheads="1"/>
+          </p:cNvPicPr>
+          <p:nvPr/>
+        </p:nvPicPr>
+        <p:blipFill rotWithShape="1">
+          <a:blip r:embed="rId2">
+            <a:extLst>
+              <a:ext uri="{28A0092B-C50C-407E-A947-70E740481C1C}">
+                <a14:useLocalDpi xmlns:a14="http://schemas.microsoft.com/office/drawing/2010/main" val="0"/>
+              </a:ext>
+            </a:extLst>
+          </a:blip>
+          <a:srcRect r="-2" b="5618"/>
+          <a:stretch/>
+        </p:blipFill>
+        <p:spPr bwMode="auto">
+          <a:xfrm>
+            <a:off x="8466138" y="2413000"/>
+            <a:ext cx="2915860" cy="3628362"/>
+          </a:xfrm>
+          <a:prstGeom prst="roundRect">
+            <a:avLst>
+              <a:gd name="adj" fmla="val 3876"/>
+            </a:avLst>
+          </a:prstGeom>
+          <a:noFill/>
+          <a:ln>
+            <a:solidFill>
+              <a:schemeClr val="accent1"/>
+            </a:solidFill>
+          </a:ln>
+          <a:effectLst/>
+          <a:extLst>
+            <a:ext uri="{909E8E84-426E-40DD-AFC4-6F175D3DCCD1}">
+              <a14:hiddenFill xmlns:a14="http://schemas.microsoft.com/office/drawing/2010/main">
+                <a:solidFill>
+                  <a:srgbClr val="FFFFFF"/>
+                </a:solidFill>
+              </a14:hiddenFill>
+            </a:ext>
+          </a:extLst>
+        </p:spPr>
+      </p:pic>
     </p:spTree>
     <p:extLst>
       <p:ext uri="{BB962C8B-B14F-4D97-AF65-F5344CB8AC3E}">
-        <p14:creationId xmlns:p14="http://schemas.microsoft.com/office/powerpoint/2010/main" val="2044455265"/>
+        <p14:creationId xmlns:p14="http://schemas.microsoft.com/office/powerpoint/2010/main" val="1255776722"/>
       </p:ext>
     </p:extLst>
   </p:cSld>
@@ -4158,6 +6934,14 @@
 <file path=ppt/slides/slide4.xml><?xml version="1.0" encoding="utf-8"?>
 <p:sld xmlns:a="http://schemas.openxmlformats.org/drawingml/2006/main" xmlns:r="http://schemas.openxmlformats.org/officeDocument/2006/relationships" xmlns:p="http://schemas.openxmlformats.org/presentationml/2006/main">
   <p:cSld>
+    <p:bg>
+      <p:bgPr>
+        <a:solidFill>
+          <a:schemeClr val="bg2"/>
+        </a:solidFill>
+        <a:effectLst/>
+      </p:bgPr>
+    </p:bg>
     <p:spTree>
       <p:nvGrpSpPr>
         <p:cNvPr id="1" name=""/>
@@ -4172,12 +6956,311 @@
           <a:chExt cx="0" cy="0"/>
         </a:xfrm>
       </p:grpSpPr>
+      <p:sp useBgFill="1">
+        <p:nvSpPr>
+          <p:cNvPr id="8" name="Rectangle 7">
+            <a:extLst>
+              <a:ext uri="{FF2B5EF4-FFF2-40B4-BE49-F238E27FC236}">
+                <a16:creationId xmlns:a16="http://schemas.microsoft.com/office/drawing/2014/main" id="{089A69AF-D57B-49B4-886C-D4A5DC194421}"/>
+              </a:ext>
+              <a:ext uri="{C183D7F6-B498-43B3-948B-1728B52AA6E4}">
+                <adec:decorative xmlns:adec="http://schemas.microsoft.com/office/drawing/2017/decorative" val="1"/>
+              </a:ext>
+            </a:extLst>
+          </p:cNvPr>
+          <p:cNvSpPr>
+            <a:spLocks noGrp="1" noRot="1" noChangeAspect="1" noMove="1" noResize="1" noEditPoints="1" noAdjustHandles="1" noChangeArrowheads="1" noChangeShapeType="1" noTextEdit="1"/>
+          </p:cNvSpPr>
+          <p:nvPr>
+            <p:extLst>
+              <p:ext uri="{386F3935-93C4-4BCD-93E2-E3B085C9AB24}">
+                <p16:designElem xmlns:p16="http://schemas.microsoft.com/office/powerpoint/2015/main" val="1"/>
+              </p:ext>
+            </p:extLst>
+          </p:nvPr>
+        </p:nvSpPr>
+        <p:spPr>
+          <a:xfrm>
+            <a:off x="0" y="0"/>
+            <a:ext cx="12192000" cy="6858000"/>
+          </a:xfrm>
+          <a:prstGeom prst="rect">
+            <a:avLst/>
+          </a:prstGeom>
+          <a:ln>
+            <a:noFill/>
+          </a:ln>
+        </p:spPr>
+        <p:style>
+          <a:lnRef idx="2">
+            <a:schemeClr val="accent1">
+              <a:shade val="50000"/>
+            </a:schemeClr>
+          </a:lnRef>
+          <a:fillRef idx="1">
+            <a:schemeClr val="accent1"/>
+          </a:fillRef>
+          <a:effectRef idx="0">
+            <a:schemeClr val="accent1"/>
+          </a:effectRef>
+          <a:fontRef idx="minor">
+            <a:schemeClr val="lt1"/>
+          </a:fontRef>
+        </p:style>
+        <p:txBody>
+          <a:bodyPr rtlCol="0" anchor="ctr"/>
+          <a:lstStyle/>
+          <a:p>
+            <a:pPr algn="ctr"/>
+            <a:endParaRPr lang="en-US"/>
+          </a:p>
+        </p:txBody>
+      </p:sp>
+      <p:sp>
+        <p:nvSpPr>
+          <p:cNvPr id="10" name="Freeform: Shape 9">
+            <a:extLst>
+              <a:ext uri="{FF2B5EF4-FFF2-40B4-BE49-F238E27FC236}">
+                <a16:creationId xmlns:a16="http://schemas.microsoft.com/office/drawing/2014/main" id="{CABDC08D-6093-4397-92D4-54D00E2BB1C2}"/>
+              </a:ext>
+              <a:ext uri="{C183D7F6-B498-43B3-948B-1728B52AA6E4}">
+                <adec:decorative xmlns:adec="http://schemas.microsoft.com/office/drawing/2017/decorative" val="1"/>
+              </a:ext>
+            </a:extLst>
+          </p:cNvPr>
+          <p:cNvSpPr>
+            <a:spLocks noGrp="1" noRot="1" noChangeAspect="1" noMove="1" noResize="1" noEditPoints="1" noAdjustHandles="1" noChangeArrowheads="1" noChangeShapeType="1" noTextEdit="1"/>
+          </p:cNvSpPr>
+          <p:nvPr>
+            <p:extLst>
+              <p:ext uri="{386F3935-93C4-4BCD-93E2-E3B085C9AB24}">
+                <p16:designElem xmlns:p16="http://schemas.microsoft.com/office/powerpoint/2015/main" val="1"/>
+              </p:ext>
+            </p:extLst>
+          </p:nvPr>
+        </p:nvSpPr>
+        <p:spPr bwMode="auto">
+          <a:xfrm rot="16200000">
+            <a:off x="-650724" y="650724"/>
+            <a:ext cx="6858000" cy="5556552"/>
+          </a:xfrm>
+          <a:custGeom>
+            <a:avLst/>
+            <a:gdLst>
+              <a:gd name="connsiteX0" fmla="*/ 6858000 w 6858000"/>
+              <a:gd name="connsiteY0" fmla="*/ 3445704 h 5556552"/>
+              <a:gd name="connsiteX1" fmla="*/ 3829242 w 6858000"/>
+              <a:gd name="connsiteY1" fmla="*/ 5433322 h 5556552"/>
+              <a:gd name="connsiteX2" fmla="*/ 3827369 w 6858000"/>
+              <a:gd name="connsiteY2" fmla="*/ 5434867 h 5556552"/>
+              <a:gd name="connsiteX3" fmla="*/ 3824583 w 6858000"/>
+              <a:gd name="connsiteY3" fmla="*/ 5436378 h 5556552"/>
+              <a:gd name="connsiteX4" fmla="*/ 3798693 w 6858000"/>
+              <a:gd name="connsiteY4" fmla="*/ 5453370 h 5556552"/>
+              <a:gd name="connsiteX5" fmla="*/ 3785011 w 6858000"/>
+              <a:gd name="connsiteY5" fmla="*/ 5457858 h 5556552"/>
+              <a:gd name="connsiteX6" fmla="*/ 3706339 w 6858000"/>
+              <a:gd name="connsiteY6" fmla="*/ 5500559 h 5556552"/>
+              <a:gd name="connsiteX7" fmla="*/ 3428998 w 6858000"/>
+              <a:gd name="connsiteY7" fmla="*/ 5556552 h 5556552"/>
+              <a:gd name="connsiteX8" fmla="*/ 3151658 w 6858000"/>
+              <a:gd name="connsiteY8" fmla="*/ 5500559 h 5556552"/>
+              <a:gd name="connsiteX9" fmla="*/ 3072996 w 6858000"/>
+              <a:gd name="connsiteY9" fmla="*/ 5457863 h 5556552"/>
+              <a:gd name="connsiteX10" fmla="*/ 3059298 w 6858000"/>
+              <a:gd name="connsiteY10" fmla="*/ 5453370 h 5556552"/>
+              <a:gd name="connsiteX11" fmla="*/ 3033383 w 6858000"/>
+              <a:gd name="connsiteY11" fmla="*/ 5436362 h 5556552"/>
+              <a:gd name="connsiteX12" fmla="*/ 3030627 w 6858000"/>
+              <a:gd name="connsiteY12" fmla="*/ 5434867 h 5556552"/>
+              <a:gd name="connsiteX13" fmla="*/ 3028775 w 6858000"/>
+              <a:gd name="connsiteY13" fmla="*/ 5433338 h 5556552"/>
+              <a:gd name="connsiteX14" fmla="*/ 0 w 6858000"/>
+              <a:gd name="connsiteY14" fmla="*/ 3445704 h 5556552"/>
+              <a:gd name="connsiteX15" fmla="*/ 6858000 w 6858000"/>
+              <a:gd name="connsiteY15" fmla="*/ 0 h 5556552"/>
+              <a:gd name="connsiteX16" fmla="*/ 6858000 w 6858000"/>
+              <a:gd name="connsiteY16" fmla="*/ 349336 h 5556552"/>
+              <a:gd name="connsiteX17" fmla="*/ 6858000 w 6858000"/>
+              <a:gd name="connsiteY17" fmla="*/ 3445703 h 5556552"/>
+              <a:gd name="connsiteX18" fmla="*/ 0 w 6858000"/>
+              <a:gd name="connsiteY18" fmla="*/ 3445703 h 5556552"/>
+              <a:gd name="connsiteX19" fmla="*/ 0 w 6858000"/>
+              <a:gd name="connsiteY19" fmla="*/ 0 h 5556552"/>
+            </a:gdLst>
+            <a:ahLst/>
+            <a:cxnLst>
+              <a:cxn ang="0">
+                <a:pos x="connsiteX0" y="connsiteY0"/>
+              </a:cxn>
+              <a:cxn ang="0">
+                <a:pos x="connsiteX1" y="connsiteY1"/>
+              </a:cxn>
+              <a:cxn ang="0">
+                <a:pos x="connsiteX2" y="connsiteY2"/>
+              </a:cxn>
+              <a:cxn ang="0">
+                <a:pos x="connsiteX3" y="connsiteY3"/>
+              </a:cxn>
+              <a:cxn ang="0">
+                <a:pos x="connsiteX4" y="connsiteY4"/>
+              </a:cxn>
+              <a:cxn ang="0">
+                <a:pos x="connsiteX5" y="connsiteY5"/>
+              </a:cxn>
+              <a:cxn ang="0">
+                <a:pos x="connsiteX6" y="connsiteY6"/>
+              </a:cxn>
+              <a:cxn ang="0">
+                <a:pos x="connsiteX7" y="connsiteY7"/>
+              </a:cxn>
+              <a:cxn ang="0">
+                <a:pos x="connsiteX8" y="connsiteY8"/>
+              </a:cxn>
+              <a:cxn ang="0">
+                <a:pos x="connsiteX9" y="connsiteY9"/>
+              </a:cxn>
+              <a:cxn ang="0">
+                <a:pos x="connsiteX10" y="connsiteY10"/>
+              </a:cxn>
+              <a:cxn ang="0">
+                <a:pos x="connsiteX11" y="connsiteY11"/>
+              </a:cxn>
+              <a:cxn ang="0">
+                <a:pos x="connsiteX12" y="connsiteY12"/>
+              </a:cxn>
+              <a:cxn ang="0">
+                <a:pos x="connsiteX13" y="connsiteY13"/>
+              </a:cxn>
+              <a:cxn ang="0">
+                <a:pos x="connsiteX14" y="connsiteY14"/>
+              </a:cxn>
+              <a:cxn ang="0">
+                <a:pos x="connsiteX15" y="connsiteY15"/>
+              </a:cxn>
+              <a:cxn ang="0">
+                <a:pos x="connsiteX16" y="connsiteY16"/>
+              </a:cxn>
+              <a:cxn ang="0">
+                <a:pos x="connsiteX17" y="connsiteY17"/>
+              </a:cxn>
+              <a:cxn ang="0">
+                <a:pos x="connsiteX18" y="connsiteY18"/>
+              </a:cxn>
+              <a:cxn ang="0">
+                <a:pos x="connsiteX19" y="connsiteY19"/>
+              </a:cxn>
+            </a:cxnLst>
+            <a:rect l="l" t="t" r="r" b="b"/>
+            <a:pathLst>
+              <a:path w="6858000" h="5556552">
+                <a:moveTo>
+                  <a:pt x="6858000" y="3445704"/>
+                </a:moveTo>
+                <a:lnTo>
+                  <a:pt x="3829242" y="5433322"/>
+                </a:lnTo>
+                <a:lnTo>
+                  <a:pt x="3827369" y="5434867"/>
+                </a:lnTo>
+                <a:lnTo>
+                  <a:pt x="3824583" y="5436378"/>
+                </a:lnTo>
+                <a:lnTo>
+                  <a:pt x="3798693" y="5453370"/>
+                </a:lnTo>
+                <a:lnTo>
+                  <a:pt x="3785011" y="5457858"/>
+                </a:lnTo>
+                <a:lnTo>
+                  <a:pt x="3706339" y="5500559"/>
+                </a:lnTo>
+                <a:cubicBezTo>
+                  <a:pt x="3621096" y="5536614"/>
+                  <a:pt x="3527375" y="5556552"/>
+                  <a:pt x="3428998" y="5556552"/>
+                </a:cubicBezTo>
+                <a:cubicBezTo>
+                  <a:pt x="3330621" y="5556552"/>
+                  <a:pt x="3236901" y="5536614"/>
+                  <a:pt x="3151658" y="5500559"/>
+                </a:cubicBezTo>
+                <a:lnTo>
+                  <a:pt x="3072996" y="5457863"/>
+                </a:lnTo>
+                <a:lnTo>
+                  <a:pt x="3059298" y="5453370"/>
+                </a:lnTo>
+                <a:lnTo>
+                  <a:pt x="3033383" y="5436362"/>
+                </a:lnTo>
+                <a:lnTo>
+                  <a:pt x="3030627" y="5434867"/>
+                </a:lnTo>
+                <a:lnTo>
+                  <a:pt x="3028775" y="5433338"/>
+                </a:lnTo>
+                <a:lnTo>
+                  <a:pt x="0" y="3445704"/>
+                </a:lnTo>
+                <a:close/>
+                <a:moveTo>
+                  <a:pt x="6858000" y="0"/>
+                </a:moveTo>
+                <a:lnTo>
+                  <a:pt x="6858000" y="349336"/>
+                </a:lnTo>
+                <a:lnTo>
+                  <a:pt x="6858000" y="3445703"/>
+                </a:lnTo>
+                <a:lnTo>
+                  <a:pt x="0" y="3445703"/>
+                </a:lnTo>
+                <a:lnTo>
+                  <a:pt x="0" y="0"/>
+                </a:lnTo>
+                <a:close/>
+              </a:path>
+            </a:pathLst>
+          </a:custGeom>
+          <a:ln>
+            <a:noFill/>
+          </a:ln>
+          <a:effectLst/>
+          <a:extLst>
+            <a:ext uri="{91240B29-F687-4f45-9708-019B960494DF}">
+              <a14:hiddenLine xmlns="" xmlns:a14="http://schemas.microsoft.com/office/drawing/2010/main" xmlns:p14="http://schemas.microsoft.com/office/powerpoint/2010/main" xmlns:a16="http://schemas.microsoft.com/office/drawing/2014/main" w="9525">
+                <a:solidFill>
+                  <a:srgbClr val="000000"/>
+                </a:solidFill>
+                <a:round/>
+                <a:headEnd/>
+                <a:tailEnd/>
+              </a14:hiddenLine>
+            </a:ext>
+          </a:extLst>
+        </p:spPr>
+        <p:style>
+          <a:lnRef idx="1">
+            <a:schemeClr val="accent1"/>
+          </a:lnRef>
+          <a:fillRef idx="3">
+            <a:schemeClr val="accent1"/>
+          </a:fillRef>
+          <a:effectRef idx="2">
+            <a:schemeClr val="accent1"/>
+          </a:effectRef>
+          <a:fontRef idx="minor">
+            <a:schemeClr val="lt1"/>
+          </a:fontRef>
+        </p:style>
+      </p:sp>
       <p:sp>
         <p:nvSpPr>
           <p:cNvPr id="2" name="Title 1">
             <a:extLst>
               <a:ext uri="{FF2B5EF4-FFF2-40B4-BE49-F238E27FC236}">
-                <a16:creationId xmlns:a16="http://schemas.microsoft.com/office/drawing/2014/main" id="{7BA71DF4-7A4F-A9FB-CFAE-E3450A341430}"/>
+                <a16:creationId xmlns:a16="http://schemas.microsoft.com/office/drawing/2014/main" id="{02C633CD-798F-EF85-B4DD-8385CE65FB6C}"/>
               </a:ext>
             </a:extLst>
           </p:cNvPr>
@@ -4188,18 +7271,23 @@
             <p:ph type="title"/>
           </p:nvPr>
         </p:nvSpPr>
-        <p:spPr/>
-        <p:txBody>
-          <a:bodyPr>
-            <a:normAutofit fontScale="90000"/>
+        <p:spPr>
+          <a:xfrm>
+            <a:off x="451515" y="1734857"/>
+            <a:ext cx="3765483" cy="3388287"/>
+          </a:xfrm>
+        </p:spPr>
+        <p:txBody>
+          <a:bodyPr anchor="ctr">
+            <a:normAutofit/>
           </a:bodyPr>
           <a:lstStyle/>
           <a:p>
             <a:r>
-              <a:rPr lang="en-US" dirty="0"/>
-              <a:t>Technologies, software and tools </a:t>
-            </a:r>
-            <a:endParaRPr lang="en-IE" dirty="0"/>
+              <a:rPr lang="en-US"/>
+              <a:t>Business plan</a:t>
+            </a:r>
+            <a:endParaRPr lang="en-IE"/>
           </a:p>
         </p:txBody>
       </p:sp>
@@ -4208,7 +7296,7 @@
           <p:cNvPr id="3" name="Content Placeholder 2">
             <a:extLst>
               <a:ext uri="{FF2B5EF4-FFF2-40B4-BE49-F238E27FC236}">
-                <a16:creationId xmlns:a16="http://schemas.microsoft.com/office/drawing/2014/main" id="{3F2DF36B-F442-9280-6EA2-BB075B2AAAF3}"/>
+                <a16:creationId xmlns:a16="http://schemas.microsoft.com/office/drawing/2014/main" id="{1F21CE38-F326-9230-6174-0630D0923D59}"/>
               </a:ext>
             </a:extLst>
           </p:cNvPr>
@@ -4219,95 +7307,79 @@
             <p:ph idx="1"/>
           </p:nvPr>
         </p:nvSpPr>
-        <p:spPr/>
-        <p:txBody>
-          <a:bodyPr>
-            <a:normAutofit fontScale="92500" lnSpcReduction="10000"/>
+        <p:spPr>
+          <a:xfrm>
+            <a:off x="6008068" y="978993"/>
+            <a:ext cx="5365218" cy="4900014"/>
+          </a:xfrm>
+          <a:effectLst/>
+        </p:spPr>
+        <p:txBody>
+          <a:bodyPr vert="horz" lIns="91440" tIns="45720" rIns="91440" bIns="45720" rtlCol="0">
+            <a:normAutofit/>
           </a:bodyPr>
           <a:lstStyle/>
           <a:p>
-            <a:r>
-              <a:rPr lang="en-US" sz="1600" dirty="0"/>
-              <a:t>The technologies software and tools being used for this project are</a:t>
-            </a:r>
-            <a:r>
-              <a:rPr lang="en-IE" sz="1600" dirty="0"/>
-              <a:t>:</a:t>
-            </a:r>
-          </a:p>
-          <a:p>
-            <a:r>
-              <a:rPr lang="en-IE" sz="1600" dirty="0"/>
-              <a:t>VR Headsets (To play the game)</a:t>
-            </a:r>
-          </a:p>
-          <a:p>
-            <a:r>
-              <a:rPr lang="en-IE" sz="1600" dirty="0"/>
-              <a:t>C#(</a:t>
-            </a:r>
-            <a:r>
-              <a:rPr lang="en-IE" sz="1600" dirty="0" err="1"/>
-              <a:t>Csharp</a:t>
-            </a:r>
-            <a:r>
-              <a:rPr lang="en-IE" sz="1600" dirty="0"/>
-              <a:t> for the coding of the game)</a:t>
-            </a:r>
-          </a:p>
-          <a:p>
-            <a:r>
-              <a:rPr lang="en-IE" sz="1600" dirty="0"/>
-              <a:t>Unity(For the making of the game scenes, importing objects, overall look)</a:t>
-            </a:r>
-          </a:p>
-          <a:p>
-            <a:r>
-              <a:rPr lang="en-IE" sz="1600" dirty="0" err="1"/>
-              <a:t>Blockbench</a:t>
-            </a:r>
-            <a:r>
-              <a:rPr lang="en-IE" sz="1600" dirty="0"/>
-              <a:t>(Used for creating objects within the game)</a:t>
-            </a:r>
-          </a:p>
-          <a:p>
-            <a:r>
-              <a:rPr lang="en-IE" sz="1600" dirty="0" err="1"/>
-              <a:t>Github</a:t>
-            </a:r>
-            <a:r>
-              <a:rPr lang="en-IE" sz="1600" dirty="0"/>
-              <a:t>(For sharing and editing files between the group members)</a:t>
-            </a:r>
-          </a:p>
-          <a:p>
-            <a:r>
-              <a:rPr lang="en-IE" sz="1600" dirty="0"/>
-              <a:t>Word(Writing up files such as the specification requirements)</a:t>
-            </a:r>
-          </a:p>
-          <a:p>
-            <a:r>
-              <a:rPr lang="en-IE" sz="1600" dirty="0"/>
-              <a:t>PowerPoint(For creating our mid-point and final presentations)</a:t>
-            </a:r>
-          </a:p>
-          <a:p>
-            <a:r>
-              <a:rPr lang="en-IE" sz="1600" dirty="0"/>
-              <a:t>Visual Studio Code(Text editor used for code)</a:t>
-            </a:r>
-          </a:p>
-          <a:p>
-            <a:endParaRPr lang="en-US" dirty="0"/>
+            <a:pPr>
+              <a:lnSpc>
+                <a:spcPct val="90000"/>
+              </a:lnSpc>
+            </a:pPr>
+            <a:r>
+              <a:rPr lang="en-US" sz="1700"/>
+              <a:t>:Initially we release the game on Steam, Along with a free trial so people can try the game and see if they want to buy it.</a:t>
+            </a:r>
+          </a:p>
+          <a:p>
+            <a:pPr>
+              <a:lnSpc>
+                <a:spcPct val="90000"/>
+              </a:lnSpc>
+            </a:pPr>
+            <a:r>
+              <a:rPr lang="en-US" sz="1700"/>
+              <a:t>:If sales are to a satisfactory degree we can also push the game onto other platforms such as PlayStation and Xbox.</a:t>
+            </a:r>
+          </a:p>
+          <a:p>
+            <a:pPr>
+              <a:lnSpc>
+                <a:spcPct val="90000"/>
+              </a:lnSpc>
+            </a:pPr>
+            <a:r>
+              <a:rPr lang="en-US" sz="1700"/>
+              <a:t>:In the future we can have Downloadable content for our game and In game timed events for specific dishes themed around said time like Christmas can have turkey etc.</a:t>
+            </a:r>
+          </a:p>
+          <a:p>
+            <a:pPr>
+              <a:lnSpc>
+                <a:spcPct val="90000"/>
+              </a:lnSpc>
+            </a:pPr>
+            <a:r>
+              <a:rPr lang="en-US" sz="1700"/>
+              <a:t>:Selling a special collectors bundle that could contain the game, A specialized artbook, and a download code for the soundtrack along with some special cosmetics for your kitchen.</a:t>
+            </a:r>
+          </a:p>
+          <a:p>
+            <a:pPr>
+              <a:lnSpc>
+                <a:spcPct val="90000"/>
+              </a:lnSpc>
+            </a:pPr>
+            <a:r>
+              <a:rPr lang="en-US" sz="1700"/>
+              <a:t>:Possibly for the future we can make more kitchen layouts and paid cosmetics for changing the style of your kitchen.</a:t>
+            </a:r>
           </a:p>
         </p:txBody>
       </p:sp>
     </p:spTree>
     <p:extLst>
       <p:ext uri="{BB962C8B-B14F-4D97-AF65-F5344CB8AC3E}">
-        <p14:creationId xmlns:p14="http://schemas.microsoft.com/office/powerpoint/2010/main" val="2356385291"/>
+        <p14:creationId xmlns:p14="http://schemas.microsoft.com/office/powerpoint/2010/main" val="2044455265"/>
       </p:ext>
     </p:extLst>
   </p:cSld>
@@ -4339,7 +7411,7 @@
           <p:cNvPr id="2" name="Title 1">
             <a:extLst>
               <a:ext uri="{FF2B5EF4-FFF2-40B4-BE49-F238E27FC236}">
-                <a16:creationId xmlns:a16="http://schemas.microsoft.com/office/drawing/2014/main" id="{4DA7F12F-D766-8144-A94C-F994F94623CF}"/>
+                <a16:creationId xmlns:a16="http://schemas.microsoft.com/office/drawing/2014/main" id="{7BA71DF4-7A4F-A9FB-CFAE-E3450A341430}"/>
               </a:ext>
             </a:extLst>
           </p:cNvPr>
@@ -4348,37 +7420,6 @@
           </p:cNvSpPr>
           <p:nvPr>
             <p:ph type="title"/>
-          </p:nvPr>
-        </p:nvSpPr>
-        <p:spPr/>
-        <p:txBody>
-          <a:bodyPr>
-            <a:normAutofit fontScale="90000"/>
-          </a:bodyPr>
-          <a:lstStyle/>
-          <a:p>
-            <a:r>
-              <a:rPr lang="en-US" dirty="0"/>
-              <a:t>Progress plan &amp; current progress</a:t>
-            </a:r>
-            <a:endParaRPr lang="en-IE" dirty="0"/>
-          </a:p>
-        </p:txBody>
-      </p:sp>
-      <p:sp>
-        <p:nvSpPr>
-          <p:cNvPr id="3" name="Content Placeholder 2">
-            <a:extLst>
-              <a:ext uri="{FF2B5EF4-FFF2-40B4-BE49-F238E27FC236}">
-                <a16:creationId xmlns:a16="http://schemas.microsoft.com/office/drawing/2014/main" id="{DE4D419B-83D7-C994-8DF6-8C5B2DDA47D4}"/>
-              </a:ext>
-            </a:extLst>
-          </p:cNvPr>
-          <p:cNvSpPr>
-            <a:spLocks noGrp="1"/>
-          </p:cNvSpPr>
-          <p:nvPr>
-            <p:ph idx="1"/>
           </p:nvPr>
         </p:nvSpPr>
         <p:spPr/>
@@ -4389,23 +7430,118 @@
           <a:lstStyle/>
           <a:p>
             <a:r>
-              <a:rPr lang="en-US" sz="1600" dirty="0"/>
-              <a:t>Proposal</a:t>
-            </a:r>
-          </a:p>
-          <a:p>
-            <a:r>
-              <a:rPr lang="en-US" sz="1600" dirty="0"/>
-              <a:t>Specification Requirements</a:t>
-            </a:r>
-            <a:endParaRPr lang="en-IE" sz="1600" dirty="0"/>
+              <a:rPr lang="en-US"/>
+              <a:t>Technologies, software and tools </a:t>
+            </a:r>
+            <a:endParaRPr lang="en-IE"/>
+          </a:p>
+        </p:txBody>
+      </p:sp>
+      <p:sp>
+        <p:nvSpPr>
+          <p:cNvPr id="3" name="Content Placeholder 2">
+            <a:extLst>
+              <a:ext uri="{FF2B5EF4-FFF2-40B4-BE49-F238E27FC236}">
+                <a16:creationId xmlns:a16="http://schemas.microsoft.com/office/drawing/2014/main" id="{3F2DF36B-F442-9280-6EA2-BB075B2AAAF3}"/>
+              </a:ext>
+            </a:extLst>
+          </p:cNvPr>
+          <p:cNvSpPr>
+            <a:spLocks noGrp="1"/>
+          </p:cNvSpPr>
+          <p:nvPr>
+            <p:ph idx="1"/>
+          </p:nvPr>
+        </p:nvSpPr>
+        <p:spPr/>
+        <p:txBody>
+          <a:bodyPr>
+            <a:normAutofit/>
+          </a:bodyPr>
+          <a:lstStyle/>
+          <a:p>
+            <a:r>
+              <a:rPr lang="en-US" sz="1600"/>
+              <a:t>The technologies software and tools being used for this project are</a:t>
+            </a:r>
+            <a:r>
+              <a:rPr lang="en-IE" sz="1600"/>
+              <a:t>:</a:t>
+            </a:r>
+          </a:p>
+          <a:p>
+            <a:r>
+              <a:rPr lang="en-IE" sz="1600"/>
+              <a:t>VR Headsets (To play the game)</a:t>
+            </a:r>
+          </a:p>
+          <a:p>
+            <a:r>
+              <a:rPr lang="en-IE" sz="1600"/>
+              <a:t>C#(</a:t>
+            </a:r>
+            <a:r>
+              <a:rPr lang="en-IE" sz="1600" err="1"/>
+              <a:t>Csharp</a:t>
+            </a:r>
+            <a:r>
+              <a:rPr lang="en-IE" sz="1600"/>
+              <a:t> for the coding of the game)</a:t>
+            </a:r>
+          </a:p>
+          <a:p>
+            <a:r>
+              <a:rPr lang="en-IE" sz="1600"/>
+              <a:t>Unity(For the making of the game scenes, importing objects, overall look)</a:t>
+            </a:r>
+          </a:p>
+          <a:p>
+            <a:r>
+              <a:rPr lang="en-IE" sz="1600" err="1"/>
+              <a:t>Blockbench</a:t>
+            </a:r>
+            <a:r>
+              <a:rPr lang="en-IE" sz="1600"/>
+              <a:t>(Used for creating objects within the game)</a:t>
+            </a:r>
+          </a:p>
+          <a:p>
+            <a:r>
+              <a:rPr lang="en-IE" sz="1600" err="1"/>
+              <a:t>Github</a:t>
+            </a:r>
+            <a:r>
+              <a:rPr lang="en-IE" sz="1600"/>
+              <a:t>(For sharing and editing files between the group members)</a:t>
+            </a:r>
+          </a:p>
+          <a:p>
+            <a:r>
+              <a:rPr lang="en-IE" sz="1600"/>
+              <a:t>Word(Writing up files such as the specification requirements)</a:t>
+            </a:r>
+          </a:p>
+          <a:p>
+            <a:r>
+              <a:rPr lang="en-IE" sz="1600"/>
+              <a:t>PowerPoint(For creating our mid-point and final presentations)</a:t>
+            </a:r>
+          </a:p>
+          <a:p>
+            <a:r>
+              <a:rPr lang="en-IE" sz="1600"/>
+              <a:t>Visual Studio Code(Text editor used for code)</a:t>
+            </a:r>
+          </a:p>
+          <a:p>
+            <a:endParaRPr lang="en-US"/>
           </a:p>
         </p:txBody>
       </p:sp>
     </p:spTree>
     <p:extLst>
       <p:ext uri="{BB962C8B-B14F-4D97-AF65-F5344CB8AC3E}">
-        <p14:creationId xmlns:p14="http://schemas.microsoft.com/office/powerpoint/2010/main" val="1753628037"/>
+        <p14:creationId xmlns:p14="http://schemas.microsoft.com/office/powerpoint/2010/main" val="2356385291"/>
       </p:ext>
     </p:extLst>
   </p:cSld>
@@ -4437,7 +7573,7 @@
           <p:cNvPr id="2" name="Title 1">
             <a:extLst>
               <a:ext uri="{FF2B5EF4-FFF2-40B4-BE49-F238E27FC236}">
-                <a16:creationId xmlns:a16="http://schemas.microsoft.com/office/drawing/2014/main" id="{569EEE7D-7E84-194F-99BC-ACBC388C5616}"/>
+                <a16:creationId xmlns:a16="http://schemas.microsoft.com/office/drawing/2014/main" id="{4DA7F12F-D766-8144-A94C-F994F94623CF}"/>
               </a:ext>
             </a:extLst>
           </p:cNvPr>
@@ -4446,35 +7582,6 @@
           </p:cNvSpPr>
           <p:nvPr>
             <p:ph type="title"/>
-          </p:nvPr>
-        </p:nvSpPr>
-        <p:spPr/>
-        <p:txBody>
-          <a:bodyPr/>
-          <a:lstStyle/>
-          <a:p>
-            <a:r>
-              <a:rPr lang="en-US" dirty="0"/>
-              <a:t>Challenges we’ve faced</a:t>
-            </a:r>
-            <a:endParaRPr lang="en-IE" dirty="0"/>
-          </a:p>
-        </p:txBody>
-      </p:sp>
-      <p:sp>
-        <p:nvSpPr>
-          <p:cNvPr id="3" name="Content Placeholder 2">
-            <a:extLst>
-              <a:ext uri="{FF2B5EF4-FFF2-40B4-BE49-F238E27FC236}">
-                <a16:creationId xmlns:a16="http://schemas.microsoft.com/office/drawing/2014/main" id="{F2CB2395-2F01-DB37-5DFF-5CDC424AA123}"/>
-              </a:ext>
-            </a:extLst>
-          </p:cNvPr>
-          <p:cNvSpPr>
-            <a:spLocks noGrp="1"/>
-          </p:cNvSpPr>
-          <p:nvPr>
-            <p:ph idx="1"/>
           </p:nvPr>
         </p:nvSpPr>
         <p:spPr/>
@@ -4485,31 +7592,50 @@
           <a:lstStyle/>
           <a:p>
             <a:r>
-              <a:rPr lang="en-US" sz="1600" dirty="0"/>
-              <a:t>Some challenges we have faced as a group are firstly our different skill sets.</a:t>
-            </a:r>
-          </a:p>
-          <a:p>
-            <a:r>
-              <a:rPr lang="en-IE" sz="1600" dirty="0"/>
-              <a:t>We all possess different skill sets which have made working on this project a little more difficult than we would have liked. For example, only one of our group members Tadhg has much experience in making games the rest of us had to devote a lot of time into first figuring out how to make games with unity and first figure out how to use </a:t>
-            </a:r>
-            <a:r>
-              <a:rPr lang="en-IE" sz="1600" dirty="0" err="1"/>
-              <a:t>Blockbench</a:t>
-            </a:r>
-            <a:r>
-              <a:rPr lang="en-IE" sz="1600" dirty="0"/>
-              <a:t> etc</a:t>
-            </a:r>
-            <a:endParaRPr lang="en-US" sz="1600" dirty="0"/>
+              <a:rPr lang="en-US"/>
+              <a:t>Progress plan &amp; current progress</a:t>
+            </a:r>
+            <a:endParaRPr lang="en-IE"/>
+          </a:p>
+        </p:txBody>
+      </p:sp>
+      <p:sp>
+        <p:nvSpPr>
+          <p:cNvPr id="3" name="Content Placeholder 2">
+            <a:extLst>
+              <a:ext uri="{FF2B5EF4-FFF2-40B4-BE49-F238E27FC236}">
+                <a16:creationId xmlns:a16="http://schemas.microsoft.com/office/drawing/2014/main" id="{DE4D419B-83D7-C994-8DF6-8C5B2DDA47D4}"/>
+              </a:ext>
+            </a:extLst>
+          </p:cNvPr>
+          <p:cNvSpPr>
+            <a:spLocks noGrp="1"/>
+          </p:cNvSpPr>
+          <p:nvPr>
+            <p:ph idx="1"/>
+          </p:nvPr>
+        </p:nvSpPr>
+        <p:spPr/>
+        <p:txBody>
+          <a:bodyPr>
+            <a:normAutofit/>
+          </a:bodyPr>
+          <a:lstStyle/>
+          <a:p>
+            <a:r>
+              <a:rPr lang="en-GB" sz="1600" dirty="0"/>
+              <a:t>Up to this point we have managed to do…</a:t>
+            </a:r>
+          </a:p>
+          <a:p>
+            <a:endParaRPr lang="en-IE" sz="1600" dirty="0"/>
           </a:p>
         </p:txBody>
       </p:sp>
     </p:spTree>
     <p:extLst>
       <p:ext uri="{BB962C8B-B14F-4D97-AF65-F5344CB8AC3E}">
-        <p14:creationId xmlns:p14="http://schemas.microsoft.com/office/powerpoint/2010/main" val="3135074336"/>
+        <p14:creationId xmlns:p14="http://schemas.microsoft.com/office/powerpoint/2010/main" val="1753628037"/>
       </p:ext>
     </p:extLst>
   </p:cSld>
@@ -4541,6 +7667,158 @@
           <p:cNvPr id="2" name="Title 1">
             <a:extLst>
               <a:ext uri="{FF2B5EF4-FFF2-40B4-BE49-F238E27FC236}">
+                <a16:creationId xmlns:a16="http://schemas.microsoft.com/office/drawing/2014/main" id="{569EEE7D-7E84-194F-99BC-ACBC388C5616}"/>
+              </a:ext>
+            </a:extLst>
+          </p:cNvPr>
+          <p:cNvSpPr>
+            <a:spLocks noGrp="1"/>
+          </p:cNvSpPr>
+          <p:nvPr>
+            <p:ph type="title"/>
+          </p:nvPr>
+        </p:nvSpPr>
+        <p:spPr/>
+        <p:txBody>
+          <a:bodyPr/>
+          <a:lstStyle/>
+          <a:p>
+            <a:r>
+              <a:rPr lang="en-US"/>
+              <a:t>Challenges we’ve faced</a:t>
+            </a:r>
+            <a:endParaRPr lang="en-IE"/>
+          </a:p>
+        </p:txBody>
+      </p:sp>
+      <p:sp>
+        <p:nvSpPr>
+          <p:cNvPr id="3" name="Content Placeholder 2">
+            <a:extLst>
+              <a:ext uri="{FF2B5EF4-FFF2-40B4-BE49-F238E27FC236}">
+                <a16:creationId xmlns:a16="http://schemas.microsoft.com/office/drawing/2014/main" id="{F2CB2395-2F01-DB37-5DFF-5CDC424AA123}"/>
+              </a:ext>
+            </a:extLst>
+          </p:cNvPr>
+          <p:cNvSpPr>
+            <a:spLocks noGrp="1"/>
+          </p:cNvSpPr>
+          <p:nvPr>
+            <p:ph idx="1"/>
+          </p:nvPr>
+        </p:nvSpPr>
+        <p:spPr>
+          <a:xfrm>
+            <a:off x="818712" y="2222287"/>
+            <a:ext cx="10554574" cy="4324428"/>
+          </a:xfrm>
+        </p:spPr>
+        <p:txBody>
+          <a:bodyPr>
+            <a:normAutofit/>
+          </a:bodyPr>
+          <a:lstStyle/>
+          <a:p>
+            <a:r>
+              <a:rPr lang="en-US" sz="1600" dirty="0"/>
+              <a:t>Some challenges we have faced as a group is the fact we needed to learn how to use unity effectively, 3 out of 4 of us have never touched Unity before, Fortunately </a:t>
+            </a:r>
+            <a:r>
+              <a:rPr lang="en-US" sz="1600" dirty="0" err="1"/>
+              <a:t>Tadhg</a:t>
+            </a:r>
+            <a:r>
+              <a:rPr lang="en-US" sz="1600" dirty="0"/>
+              <a:t> is very well versed in </a:t>
+            </a:r>
+            <a:r>
+              <a:rPr lang="en-US" sz="1600" dirty="0" err="1"/>
+              <a:t>Csharp</a:t>
+            </a:r>
+            <a:r>
+              <a:rPr lang="en-US" sz="1600" dirty="0"/>
+              <a:t> and has been teaching us how to use Unity and how to code in </a:t>
+            </a:r>
+            <a:r>
+              <a:rPr lang="en-US" sz="1600" dirty="0" err="1"/>
+              <a:t>Csharp</a:t>
+            </a:r>
+            <a:r>
+              <a:rPr lang="en-US" sz="1600" dirty="0"/>
+              <a:t>.</a:t>
+            </a:r>
+          </a:p>
+          <a:p>
+            <a:r>
+              <a:rPr lang="en-US" sz="1600" dirty="0"/>
+              <a:t>Next up was designing our Game, as previously mentioned we use </a:t>
+            </a:r>
+            <a:r>
+              <a:rPr lang="en-US" sz="1600" dirty="0" err="1"/>
+              <a:t>Blockbench</a:t>
+            </a:r>
+            <a:r>
+              <a:rPr lang="en-US" sz="1600" dirty="0"/>
+              <a:t> for our design needs, This was mostly for Karl since he is the one who is making most of the models for the game but we all needed to learn it since we have all been making models for this project.</a:t>
+            </a:r>
+          </a:p>
+          <a:p>
+            <a:r>
+              <a:rPr lang="en-US" sz="1600" dirty="0"/>
+              <a:t>A large problem is that there is only one of us that can test the gameplay because Out of the four of us </a:t>
+            </a:r>
+            <a:r>
+              <a:rPr lang="en-US" sz="1600" dirty="0" err="1"/>
+              <a:t>Tadhg</a:t>
+            </a:r>
+            <a:r>
+              <a:rPr lang="en-US" sz="1600" dirty="0"/>
+              <a:t> is the only one with a VR headset since the game is strictly in VR.</a:t>
+            </a:r>
+          </a:p>
+          <a:p>
+            <a:endParaRPr lang="en-US" sz="1600" dirty="0"/>
+          </a:p>
+          <a:p>
+            <a:endParaRPr lang="en-US" sz="1600" dirty="0"/>
+          </a:p>
+        </p:txBody>
+      </p:sp>
+    </p:spTree>
+    <p:extLst>
+      <p:ext uri="{BB962C8B-B14F-4D97-AF65-F5344CB8AC3E}">
+        <p14:creationId xmlns:p14="http://schemas.microsoft.com/office/powerpoint/2010/main" val="3135074336"/>
+      </p:ext>
+    </p:extLst>
+  </p:cSld>
+  <p:clrMapOvr>
+    <a:masterClrMapping/>
+  </p:clrMapOvr>
+</p:sld>
+</file>
+
+<file path=ppt/slides/slide8.xml><?xml version="1.0" encoding="utf-8"?>
+<p:sld xmlns:a="http://schemas.openxmlformats.org/drawingml/2006/main" xmlns:r="http://schemas.openxmlformats.org/officeDocument/2006/relationships" xmlns:p="http://schemas.openxmlformats.org/presentationml/2006/main">
+  <p:cSld>
+    <p:spTree>
+      <p:nvGrpSpPr>
+        <p:cNvPr id="1" name=""/>
+        <p:cNvGrpSpPr/>
+        <p:nvPr/>
+      </p:nvGrpSpPr>
+      <p:grpSpPr>
+        <a:xfrm>
+          <a:off x="0" y="0"/>
+          <a:ext cx="0" cy="0"/>
+          <a:chOff x="0" y="0"/>
+          <a:chExt cx="0" cy="0"/>
+        </a:xfrm>
+      </p:grpSpPr>
+      <p:sp>
+        <p:nvSpPr>
+          <p:cNvPr id="2" name="Title 1">
+            <a:extLst>
+              <a:ext uri="{FF2B5EF4-FFF2-40B4-BE49-F238E27FC236}">
                 <a16:creationId xmlns:a16="http://schemas.microsoft.com/office/drawing/2014/main" id="{B26290C1-D5BB-1778-DCD4-5CA5E415BC33}"/>
               </a:ext>
             </a:extLst>
@@ -4558,10 +7836,10 @@
           <a:lstStyle/>
           <a:p>
             <a:r>
-              <a:rPr lang="en-US" dirty="0"/>
+              <a:rPr lang="en-US"/>
               <a:t>Q and A Session</a:t>
             </a:r>
-            <a:endParaRPr lang="en-IE" dirty="0"/>
+            <a:endParaRPr lang="en-IE"/>
           </a:p>
         </p:txBody>
       </p:sp>
@@ -4588,7 +7866,7 @@
           <a:p>
             <a:r>
               <a:rPr lang="en-US" dirty="0"/>
-              <a:t>Any questions ?</a:t>
+              <a:t>Thank you for listening!, Any questions?</a:t>
             </a:r>
             <a:endParaRPr lang="en-IE" dirty="0"/>
           </a:p>
@@ -4608,9 +7886,9 @@
 </file>
 
 <file path=ppt/theme/theme1.xml><?xml version="1.0" encoding="utf-8"?>
-<a:theme xmlns:a="http://schemas.openxmlformats.org/drawingml/2006/main" name="JuxtaposeVTI">
+<a:theme xmlns:a="http://schemas.openxmlformats.org/drawingml/2006/main" name="Quotable">
   <a:themeElements>
-    <a:clrScheme name="Juxtapose">
+    <a:clrScheme name="Quotable">
       <a:dk1>
         <a:sysClr val="windowText" lastClr="000000"/>
       </a:dk1>
@@ -4618,49 +7896,109 @@
         <a:sysClr val="window" lastClr="FFFFFF"/>
       </a:lt1>
       <a:dk2>
-        <a:srgbClr val="3F3F3F"/>
+        <a:srgbClr val="212121"/>
       </a:dk2>
       <a:lt2>
-        <a:srgbClr val="F8F7F5"/>
+        <a:srgbClr val="636363"/>
       </a:lt2>
       <a:accent1>
-        <a:srgbClr val="F99700"/>
+        <a:srgbClr val="00C6BB"/>
       </a:accent1>
       <a:accent2>
-        <a:srgbClr val="00BAC7"/>
+        <a:srgbClr val="6FEBA0"/>
       </a:accent2>
       <a:accent3>
-        <a:srgbClr val="FF5C21"/>
+        <a:srgbClr val="B6DF5E"/>
       </a:accent3>
       <a:accent4>
-        <a:srgbClr val="6F7EFD"/>
+        <a:srgbClr val="EFB251"/>
       </a:accent4>
       <a:accent5>
-        <a:srgbClr val="ACACAC"/>
+        <a:srgbClr val="EF755F"/>
       </a:accent5>
       <a:accent6>
-        <a:srgbClr val="737373"/>
+        <a:srgbClr val="ED515C"/>
       </a:accent6>
       <a:hlink>
-        <a:srgbClr val="0099FF"/>
+        <a:srgbClr val="8F8F8F"/>
       </a:hlink>
       <a:folHlink>
-        <a:srgbClr val="868686"/>
+        <a:srgbClr val="A5A5A5"/>
       </a:folHlink>
     </a:clrScheme>
-    <a:fontScheme name="Custom 167">
+    <a:fontScheme name="Quotable">
       <a:majorFont>
-        <a:latin typeface="Franklin Gothic Demi Cond"/>
+        <a:latin typeface="Century Gothic" panose="020B0502020202020204"/>
         <a:ea typeface=""/>
         <a:cs typeface=""/>
+        <a:font script="Jpan" typeface="ＭＳ ゴシック"/>
+        <a:font script="Hang" typeface="맑은 고딕"/>
+        <a:font script="Hans" typeface="宋体"/>
+        <a:font script="Hant" typeface="新細明體"/>
+        <a:font script="Arab" typeface="Tahoma"/>
+        <a:font script="Hebr" typeface="Gisha"/>
+        <a:font script="Thai" typeface="DilleniaUPC"/>
+        <a:font script="Ethi" typeface="Nyala"/>
+        <a:font script="Beng" typeface="Vrinda"/>
+        <a:font script="Gujr" typeface="Shruti"/>
+        <a:font script="Khmr" typeface="DaunPenh"/>
+        <a:font script="Knda" typeface="Tunga"/>
+        <a:font script="Guru" typeface="Raavi"/>
+        <a:font script="Cans" typeface="Euphemia"/>
+        <a:font script="Cher" typeface="Plantagenet Cherokee"/>
+        <a:font script="Yiii" typeface="Microsoft Yi Baiti"/>
+        <a:font script="Tibt" typeface="Microsoft Himalaya"/>
+        <a:font script="Thaa" typeface="MV Boli"/>
+        <a:font script="Deva" typeface="Mangal"/>
+        <a:font script="Telu" typeface="Gautami"/>
+        <a:font script="Taml" typeface="Latha"/>
+        <a:font script="Syrc" typeface="Estrangelo Edessa"/>
+        <a:font script="Orya" typeface="Kalinga"/>
+        <a:font script="Mlym" typeface="Kartika"/>
+        <a:font script="Laoo" typeface="DokChampa"/>
+        <a:font script="Sinh" typeface="Iskoola Pota"/>
+        <a:font script="Mong" typeface="Mongolian Baiti"/>
+        <a:font script="Viet" typeface="Tahoma"/>
+        <a:font script="Uigh" typeface="Microsoft Uighur"/>
+        <a:font script="Geor" typeface="Sylfaen"/>
       </a:majorFont>
       <a:minorFont>
-        <a:latin typeface="Franklin Gothic Medium"/>
+        <a:latin typeface="Century Gothic" panose="020B0502020202020204"/>
         <a:ea typeface=""/>
         <a:cs typeface=""/>
+        <a:font script="Jpan" typeface="ＭＳ ゴシック"/>
+        <a:font script="Hang" typeface="맑은 고딕"/>
+        <a:font script="Hans" typeface="宋体"/>
+        <a:font script="Hant" typeface="新細明體"/>
+        <a:font script="Arab" typeface="Tahoma"/>
+        <a:font script="Hebr" typeface="Gisha"/>
+        <a:font script="Thai" typeface="DilleniaUPC"/>
+        <a:font script="Ethi" typeface="Nyala"/>
+        <a:font script="Beng" typeface="Vrinda"/>
+        <a:font script="Gujr" typeface="Shruti"/>
+        <a:font script="Khmr" typeface="DaunPenh"/>
+        <a:font script="Knda" typeface="Tunga"/>
+        <a:font script="Guru" typeface="Raavi"/>
+        <a:font script="Cans" typeface="Euphemia"/>
+        <a:font script="Cher" typeface="Plantagenet Cherokee"/>
+        <a:font script="Yiii" typeface="Microsoft Yi Baiti"/>
+        <a:font script="Tibt" typeface="Microsoft Himalaya"/>
+        <a:font script="Thaa" typeface="MV Boli"/>
+        <a:font script="Deva" typeface="Mangal"/>
+        <a:font script="Telu" typeface="Gautami"/>
+        <a:font script="Taml" typeface="Latha"/>
+        <a:font script="Syrc" typeface="Estrangelo Edessa"/>
+        <a:font script="Orya" typeface="Kalinga"/>
+        <a:font script="Mlym" typeface="Kartika"/>
+        <a:font script="Laoo" typeface="DokChampa"/>
+        <a:font script="Sinh" typeface="Iskoola Pota"/>
+        <a:font script="Mong" typeface="Mongolian Baiti"/>
+        <a:font script="Viet" typeface="Verdana"/>
+        <a:font script="Uigh" typeface="Microsoft Uighur"/>
+        <a:font script="Geor" typeface="Sylfaen"/>
       </a:minorFont>
     </a:fontScheme>
-    <a:fmtScheme name="Office">
+    <a:fmtScheme name="Quotable">
       <a:fillStyleLst>
         <a:solidFill>
           <a:schemeClr val="phClr"/>
@@ -4669,76 +8007,52 @@
           <a:gsLst>
             <a:gs pos="0">
               <a:schemeClr val="phClr">
-                <a:lumMod val="110000"/>
-                <a:satMod val="105000"/>
-                <a:tint val="67000"/>
-              </a:schemeClr>
-            </a:gs>
-            <a:gs pos="50000">
-              <a:schemeClr val="phClr">
+                <a:tint val="80000"/>
                 <a:lumMod val="105000"/>
-                <a:satMod val="103000"/>
-                <a:tint val="73000"/>
               </a:schemeClr>
             </a:gs>
             <a:gs pos="100000">
               <a:schemeClr val="phClr">
-                <a:lumMod val="105000"/>
-                <a:satMod val="109000"/>
-                <a:tint val="81000"/>
+                <a:tint val="90000"/>
               </a:schemeClr>
             </a:gs>
           </a:gsLst>
           <a:lin ang="5400000" scaled="0"/>
         </a:gradFill>
-        <a:gradFill rotWithShape="1">
-          <a:gsLst>
-            <a:gs pos="0">
+        <a:blipFill rotWithShape="1">
+          <a:blip xmlns:r="http://schemas.openxmlformats.org/officeDocument/2006/relationships" r:embed="rId1">
+            <a:duotone>
               <a:schemeClr val="phClr">
-                <a:satMod val="103000"/>
+                <a:tint val="98000"/>
                 <a:lumMod val="102000"/>
-                <a:tint val="94000"/>
               </a:schemeClr>
-            </a:gs>
-            <a:gs pos="50000">
               <a:schemeClr val="phClr">
-                <a:satMod val="110000"/>
-                <a:lumMod val="100000"/>
-                <a:shade val="100000"/>
+                <a:shade val="98000"/>
+                <a:lumMod val="98000"/>
               </a:schemeClr>
-            </a:gs>
-            <a:gs pos="100000">
-              <a:schemeClr val="phClr">
-                <a:lumMod val="99000"/>
-                <a:satMod val="120000"/>
-                <a:shade val="78000"/>
-              </a:schemeClr>
-            </a:gs>
-          </a:gsLst>
-          <a:lin ang="5400000" scaled="0"/>
-        </a:gradFill>
+            </a:duotone>
+          </a:blip>
+          <a:tile tx="0" ty="0" sx="100000" sy="100000" flip="none" algn="tl"/>
+        </a:blipFill>
       </a:fillStyleLst>
       <a:lnStyleLst>
-        <a:ln w="6350" cap="flat" cmpd="sng" algn="ctr">
+        <a:ln w="9525" cap="rnd" cmpd="sng" algn="ctr">
           <a:solidFill>
             <a:schemeClr val="phClr"/>
           </a:solidFill>
           <a:prstDash val="solid"/>
-          <a:miter lim="800000"/>
         </a:ln>
-        <a:ln w="12700" cap="flat" cmpd="sng" algn="ctr">
+        <a:ln w="15875" cap="rnd" cmpd="sng" algn="ctr">
           <a:solidFill>
             <a:schemeClr val="phClr"/>
           </a:solidFill>
           <a:prstDash val="solid"/>
-          <a:miter lim="800000"/>
         </a:ln>
-        <a:ln w="19050" cap="flat" cmpd="sng" algn="ctr">
+        <a:ln w="25400" cap="rnd" cmpd="sng" algn="ctr">
           <a:solidFill>
             <a:schemeClr val="phClr"/>
           </a:solidFill>
           <a:prstDash val="solid"/>
-          <a:miter lim="800000"/>
         </a:ln>
       </a:lnStyleLst>
       <a:effectStyleLst>
@@ -4750,11 +8064,11 @@
         </a:effectStyle>
         <a:effectStyle>
           <a:effectLst>
-            <a:outerShdw blurRad="57150" dist="19050" dir="5400000" algn="ctr" rotWithShape="0">
+            <a:innerShdw blurRad="63500" dist="25400" dir="13500000">
               <a:srgbClr val="000000">
-                <a:alpha val="63000"/>
+                <a:alpha val="75000"/>
               </a:srgbClr>
-            </a:outerShdw>
+            </a:innerShdw>
           </a:effectLst>
         </a:effectStyle>
       </a:effectStyleLst>
@@ -4762,35 +8076,35 @@
         <a:solidFill>
           <a:schemeClr val="phClr"/>
         </a:solidFill>
-        <a:solidFill>
-          <a:schemeClr val="phClr">
-            <a:tint val="95000"/>
-            <a:satMod val="170000"/>
-          </a:schemeClr>
-        </a:solidFill>
         <a:gradFill rotWithShape="1">
           <a:gsLst>
             <a:gs pos="0">
               <a:schemeClr val="phClr">
-                <a:tint val="93000"/>
-                <a:satMod val="150000"/>
-                <a:shade val="98000"/>
-                <a:lumMod val="102000"/>
-              </a:schemeClr>
-            </a:gs>
-            <a:gs pos="50000">
-              <a:schemeClr val="phClr">
-                <a:tint val="98000"/>
-                <a:satMod val="130000"/>
-                <a:shade val="90000"/>
-                <a:lumMod val="103000"/>
+                <a:tint val="100000"/>
               </a:schemeClr>
             </a:gs>
             <a:gs pos="100000">
               <a:schemeClr val="phClr">
-                <a:shade val="63000"/>
+                <a:tint val="84000"/>
+                <a:shade val="84000"/>
+                <a:lumMod val="90000"/>
+              </a:schemeClr>
+            </a:gs>
+          </a:gsLst>
+          <a:lin ang="5400000" scaled="0"/>
+        </a:gradFill>
+        <a:gradFill rotWithShape="1">
+          <a:gsLst>
+            <a:gs pos="0">
+              <a:schemeClr val="phClr">
+                <a:tint val="84000"/>
+                <a:shade val="90000"/>
                 <a:satMod val="120000"/>
+                <a:lumMod val="90000"/>
               </a:schemeClr>
+            </a:gs>
+            <a:gs pos="100000">
+              <a:schemeClr val="phClr"/>
             </a:gs>
           </a:gsLst>
           <a:lin ang="5400000" scaled="0"/>
@@ -4802,7 +8116,7 @@
   <a:extraClrSchemeLst/>
   <a:extLst>
     <a:ext uri="{05A4C25C-085E-4340-85A3-A5531E510DB2}">
-      <thm15:themeFamily xmlns:thm15="http://schemas.microsoft.com/office/thememl/2012/main" name="JuxtaposeVTI" id="{FBDCC3B4-6EA8-442A-B697-43C068E31FE3}" vid="{090F2E09-E4E2-4F71-A70E-279F5A0D9E0A}"/>
+      <thm15:themeFamily xmlns:thm15="http://schemas.microsoft.com/office/thememl/2012/main" name="Quotable" id="{39EC5628-30ED-4578-ACD8-9820EDB8E15A}" vid="{6F3559E9-1A4C-49D8-94D4-F41003531C49}"/>
     </a:ext>
   </a:extLst>
 </a:theme>
